--- a/Basic Operation of R/Part 1/250613_R studio instruction.pptx
+++ b/Basic Operation of R/Part 1/250613_R studio instruction.pptx
@@ -5,31 +5,30 @@
     <p:sldMasterId id="2147483648" r:id="rId1"/>
   </p:sldMasterIdLst>
   <p:notesMasterIdLst>
-    <p:notesMasterId r:id="rId16"/>
+    <p:notesMasterId r:id="rId15"/>
   </p:notesMasterIdLst>
   <p:handoutMasterIdLst>
-    <p:handoutMasterId r:id="rId17"/>
+    <p:handoutMasterId r:id="rId16"/>
   </p:handoutMasterIdLst>
   <p:sldIdLst>
     <p:sldId id="441" r:id="rId2"/>
     <p:sldId id="492" r:id="rId3"/>
-    <p:sldId id="491" r:id="rId4"/>
-    <p:sldId id="488" r:id="rId5"/>
-    <p:sldId id="395" r:id="rId6"/>
-    <p:sldId id="480" r:id="rId7"/>
-    <p:sldId id="489" r:id="rId8"/>
-    <p:sldId id="482" r:id="rId9"/>
-    <p:sldId id="483" r:id="rId10"/>
-    <p:sldId id="484" r:id="rId11"/>
-    <p:sldId id="485" r:id="rId12"/>
-    <p:sldId id="486" r:id="rId13"/>
-    <p:sldId id="487" r:id="rId14"/>
-    <p:sldId id="490" r:id="rId15"/>
+    <p:sldId id="488" r:id="rId4"/>
+    <p:sldId id="395" r:id="rId5"/>
+    <p:sldId id="480" r:id="rId6"/>
+    <p:sldId id="489" r:id="rId7"/>
+    <p:sldId id="482" r:id="rId8"/>
+    <p:sldId id="483" r:id="rId9"/>
+    <p:sldId id="484" r:id="rId10"/>
+    <p:sldId id="485" r:id="rId11"/>
+    <p:sldId id="486" r:id="rId12"/>
+    <p:sldId id="487" r:id="rId13"/>
+    <p:sldId id="490" r:id="rId14"/>
   </p:sldIdLst>
   <p:sldSz cx="12192000" cy="6858000"/>
   <p:notesSz cx="6858000" cy="9144000"/>
   <p:custDataLst>
-    <p:tags r:id="rId18"/>
+    <p:tags r:id="rId17"/>
   </p:custDataLst>
   <p:defaultTextStyle>
     <a:defPPr>
@@ -148,6 +147,2377 @@
 </p:presentation>
 </file>
 
+<file path=ppt/diagrams/colors1.xml><?xml version="1.0" encoding="utf-8"?>
+<dgm:colorsDef xmlns:dgm="http://schemas.openxmlformats.org/drawingml/2006/diagram" xmlns:a="http://schemas.openxmlformats.org/drawingml/2006/main" uniqueId="urn:microsoft.com/office/officeart/2005/8/colors/accent3_2">
+  <dgm:title val=""/>
+  <dgm:desc val=""/>
+  <dgm:catLst>
+    <dgm:cat type="accent3" pri="11200"/>
+  </dgm:catLst>
+  <dgm:styleLbl name="node0">
+    <dgm:fillClrLst meth="repeat">
+      <a:schemeClr val="accent3"/>
+    </dgm:fillClrLst>
+    <dgm:linClrLst meth="repeat">
+      <a:schemeClr val="lt1"/>
+    </dgm:linClrLst>
+    <dgm:effectClrLst/>
+    <dgm:txLinClrLst/>
+    <dgm:txFillClrLst/>
+    <dgm:txEffectClrLst/>
+  </dgm:styleLbl>
+  <dgm:styleLbl name="node1">
+    <dgm:fillClrLst meth="repeat">
+      <a:schemeClr val="accent3"/>
+    </dgm:fillClrLst>
+    <dgm:linClrLst meth="repeat">
+      <a:schemeClr val="lt1"/>
+    </dgm:linClrLst>
+    <dgm:effectClrLst/>
+    <dgm:txLinClrLst/>
+    <dgm:txFillClrLst/>
+    <dgm:txEffectClrLst/>
+  </dgm:styleLbl>
+  <dgm:styleLbl name="alignNode1">
+    <dgm:fillClrLst meth="repeat">
+      <a:schemeClr val="accent3"/>
+    </dgm:fillClrLst>
+    <dgm:linClrLst meth="repeat">
+      <a:schemeClr val="accent3"/>
+    </dgm:linClrLst>
+    <dgm:effectClrLst/>
+    <dgm:txLinClrLst/>
+    <dgm:txFillClrLst/>
+    <dgm:txEffectClrLst/>
+  </dgm:styleLbl>
+  <dgm:styleLbl name="lnNode1">
+    <dgm:fillClrLst meth="repeat">
+      <a:schemeClr val="accent3"/>
+    </dgm:fillClrLst>
+    <dgm:linClrLst meth="repeat">
+      <a:schemeClr val="lt1"/>
+    </dgm:linClrLst>
+    <dgm:effectClrLst/>
+    <dgm:txLinClrLst/>
+    <dgm:txFillClrLst/>
+    <dgm:txEffectClrLst/>
+  </dgm:styleLbl>
+  <dgm:styleLbl name="vennNode1">
+    <dgm:fillClrLst meth="repeat">
+      <a:schemeClr val="accent3">
+        <a:alpha val="50000"/>
+      </a:schemeClr>
+    </dgm:fillClrLst>
+    <dgm:linClrLst meth="repeat">
+      <a:schemeClr val="lt1"/>
+    </dgm:linClrLst>
+    <dgm:effectClrLst/>
+    <dgm:txLinClrLst/>
+    <dgm:txFillClrLst/>
+    <dgm:txEffectClrLst/>
+  </dgm:styleLbl>
+  <dgm:styleLbl name="node2">
+    <dgm:fillClrLst meth="repeat">
+      <a:schemeClr val="accent3"/>
+    </dgm:fillClrLst>
+    <dgm:linClrLst meth="repeat">
+      <a:schemeClr val="lt1"/>
+    </dgm:linClrLst>
+    <dgm:effectClrLst/>
+    <dgm:txLinClrLst/>
+    <dgm:txFillClrLst/>
+    <dgm:txEffectClrLst/>
+  </dgm:styleLbl>
+  <dgm:styleLbl name="node3">
+    <dgm:fillClrLst meth="repeat">
+      <a:schemeClr val="accent3"/>
+    </dgm:fillClrLst>
+    <dgm:linClrLst meth="repeat">
+      <a:schemeClr val="lt1"/>
+    </dgm:linClrLst>
+    <dgm:effectClrLst/>
+    <dgm:txLinClrLst/>
+    <dgm:txFillClrLst/>
+    <dgm:txEffectClrLst/>
+  </dgm:styleLbl>
+  <dgm:styleLbl name="node4">
+    <dgm:fillClrLst meth="repeat">
+      <a:schemeClr val="accent3"/>
+    </dgm:fillClrLst>
+    <dgm:linClrLst meth="repeat">
+      <a:schemeClr val="lt1"/>
+    </dgm:linClrLst>
+    <dgm:effectClrLst/>
+    <dgm:txLinClrLst/>
+    <dgm:txFillClrLst/>
+    <dgm:txEffectClrLst/>
+  </dgm:styleLbl>
+  <dgm:styleLbl name="fgImgPlace1">
+    <dgm:fillClrLst meth="repeat">
+      <a:schemeClr val="accent3">
+        <a:tint val="50000"/>
+      </a:schemeClr>
+    </dgm:fillClrLst>
+    <dgm:linClrLst meth="repeat">
+      <a:schemeClr val="lt1"/>
+    </dgm:linClrLst>
+    <dgm:effectClrLst/>
+    <dgm:txLinClrLst/>
+    <dgm:txFillClrLst meth="repeat">
+      <a:schemeClr val="lt1"/>
+    </dgm:txFillClrLst>
+    <dgm:txEffectClrLst/>
+  </dgm:styleLbl>
+  <dgm:styleLbl name="alignImgPlace1">
+    <dgm:fillClrLst meth="repeat">
+      <a:schemeClr val="accent3">
+        <a:tint val="50000"/>
+      </a:schemeClr>
+    </dgm:fillClrLst>
+    <dgm:linClrLst meth="repeat">
+      <a:schemeClr val="lt1"/>
+    </dgm:linClrLst>
+    <dgm:effectClrLst/>
+    <dgm:txLinClrLst/>
+    <dgm:txFillClrLst meth="repeat">
+      <a:schemeClr val="lt1"/>
+    </dgm:txFillClrLst>
+    <dgm:txEffectClrLst/>
+  </dgm:styleLbl>
+  <dgm:styleLbl name="bgImgPlace1">
+    <dgm:fillClrLst meth="repeat">
+      <a:schemeClr val="accent3">
+        <a:tint val="50000"/>
+      </a:schemeClr>
+    </dgm:fillClrLst>
+    <dgm:linClrLst meth="repeat">
+      <a:schemeClr val="lt1"/>
+    </dgm:linClrLst>
+    <dgm:effectClrLst/>
+    <dgm:txLinClrLst/>
+    <dgm:txFillClrLst meth="repeat">
+      <a:schemeClr val="lt1"/>
+    </dgm:txFillClrLst>
+    <dgm:txEffectClrLst/>
+  </dgm:styleLbl>
+  <dgm:styleLbl name="sibTrans2D1">
+    <dgm:fillClrLst meth="repeat">
+      <a:schemeClr val="accent3">
+        <a:tint val="60000"/>
+      </a:schemeClr>
+    </dgm:fillClrLst>
+    <dgm:linClrLst meth="repeat">
+      <a:schemeClr val="accent3">
+        <a:tint val="60000"/>
+      </a:schemeClr>
+    </dgm:linClrLst>
+    <dgm:effectClrLst/>
+    <dgm:txLinClrLst/>
+    <dgm:txFillClrLst/>
+    <dgm:txEffectClrLst/>
+  </dgm:styleLbl>
+  <dgm:styleLbl name="fgSibTrans2D1">
+    <dgm:fillClrLst meth="repeat">
+      <a:schemeClr val="accent3">
+        <a:tint val="60000"/>
+      </a:schemeClr>
+    </dgm:fillClrLst>
+    <dgm:linClrLst meth="repeat">
+      <a:schemeClr val="accent3">
+        <a:tint val="60000"/>
+      </a:schemeClr>
+    </dgm:linClrLst>
+    <dgm:effectClrLst/>
+    <dgm:txLinClrLst/>
+    <dgm:txFillClrLst/>
+    <dgm:txEffectClrLst/>
+  </dgm:styleLbl>
+  <dgm:styleLbl name="bgSibTrans2D1">
+    <dgm:fillClrLst meth="repeat">
+      <a:schemeClr val="accent3">
+        <a:tint val="60000"/>
+      </a:schemeClr>
+    </dgm:fillClrLst>
+    <dgm:linClrLst meth="repeat">
+      <a:schemeClr val="accent3">
+        <a:tint val="60000"/>
+      </a:schemeClr>
+    </dgm:linClrLst>
+    <dgm:effectClrLst/>
+    <dgm:txLinClrLst/>
+    <dgm:txFillClrLst/>
+    <dgm:txEffectClrLst/>
+  </dgm:styleLbl>
+  <dgm:styleLbl name="sibTrans1D1">
+    <dgm:fillClrLst meth="repeat">
+      <a:schemeClr val="accent3"/>
+    </dgm:fillClrLst>
+    <dgm:linClrLst meth="repeat">
+      <a:schemeClr val="accent3"/>
+    </dgm:linClrLst>
+    <dgm:effectClrLst/>
+    <dgm:txLinClrLst/>
+    <dgm:txFillClrLst meth="repeat">
+      <a:schemeClr val="tx1"/>
+    </dgm:txFillClrLst>
+    <dgm:txEffectClrLst/>
+  </dgm:styleLbl>
+  <dgm:styleLbl name="callout">
+    <dgm:fillClrLst meth="repeat">
+      <a:schemeClr val="accent3"/>
+    </dgm:fillClrLst>
+    <dgm:linClrLst meth="repeat">
+      <a:schemeClr val="accent3">
+        <a:tint val="50000"/>
+      </a:schemeClr>
+    </dgm:linClrLst>
+    <dgm:effectClrLst/>
+    <dgm:txLinClrLst/>
+    <dgm:txFillClrLst meth="repeat">
+      <a:schemeClr val="tx1"/>
+    </dgm:txFillClrLst>
+    <dgm:txEffectClrLst/>
+  </dgm:styleLbl>
+  <dgm:styleLbl name="asst0">
+    <dgm:fillClrLst meth="repeat">
+      <a:schemeClr val="accent3"/>
+    </dgm:fillClrLst>
+    <dgm:linClrLst meth="repeat">
+      <a:schemeClr val="lt1"/>
+    </dgm:linClrLst>
+    <dgm:effectClrLst/>
+    <dgm:txLinClrLst/>
+    <dgm:txFillClrLst/>
+    <dgm:txEffectClrLst/>
+  </dgm:styleLbl>
+  <dgm:styleLbl name="asst1">
+    <dgm:fillClrLst meth="repeat">
+      <a:schemeClr val="accent3"/>
+    </dgm:fillClrLst>
+    <dgm:linClrLst meth="repeat">
+      <a:schemeClr val="lt1"/>
+    </dgm:linClrLst>
+    <dgm:effectClrLst/>
+    <dgm:txLinClrLst/>
+    <dgm:txFillClrLst/>
+    <dgm:txEffectClrLst/>
+  </dgm:styleLbl>
+  <dgm:styleLbl name="asst2">
+    <dgm:fillClrLst meth="repeat">
+      <a:schemeClr val="accent3"/>
+    </dgm:fillClrLst>
+    <dgm:linClrLst meth="repeat">
+      <a:schemeClr val="lt1"/>
+    </dgm:linClrLst>
+    <dgm:effectClrLst/>
+    <dgm:txLinClrLst/>
+    <dgm:txFillClrLst/>
+    <dgm:txEffectClrLst/>
+  </dgm:styleLbl>
+  <dgm:styleLbl name="asst3">
+    <dgm:fillClrLst meth="repeat">
+      <a:schemeClr val="accent3"/>
+    </dgm:fillClrLst>
+    <dgm:linClrLst meth="repeat">
+      <a:schemeClr val="lt1"/>
+    </dgm:linClrLst>
+    <dgm:effectClrLst/>
+    <dgm:txLinClrLst/>
+    <dgm:txFillClrLst/>
+    <dgm:txEffectClrLst/>
+  </dgm:styleLbl>
+  <dgm:styleLbl name="asst4">
+    <dgm:fillClrLst meth="repeat">
+      <a:schemeClr val="accent3"/>
+    </dgm:fillClrLst>
+    <dgm:linClrLst meth="repeat">
+      <a:schemeClr val="lt1"/>
+    </dgm:linClrLst>
+    <dgm:effectClrLst/>
+    <dgm:txLinClrLst/>
+    <dgm:txFillClrLst/>
+    <dgm:txEffectClrLst/>
+  </dgm:styleLbl>
+  <dgm:styleLbl name="parChTrans2D1">
+    <dgm:fillClrLst meth="repeat">
+      <a:schemeClr val="accent3">
+        <a:tint val="60000"/>
+      </a:schemeClr>
+    </dgm:fillClrLst>
+    <dgm:linClrLst meth="repeat">
+      <a:schemeClr val="accent3">
+        <a:tint val="60000"/>
+      </a:schemeClr>
+    </dgm:linClrLst>
+    <dgm:effectClrLst/>
+    <dgm:txLinClrLst/>
+    <dgm:txFillClrLst meth="repeat">
+      <a:schemeClr val="lt1"/>
+    </dgm:txFillClrLst>
+    <dgm:txEffectClrLst/>
+  </dgm:styleLbl>
+  <dgm:styleLbl name="parChTrans2D2">
+    <dgm:fillClrLst meth="repeat">
+      <a:schemeClr val="accent3"/>
+    </dgm:fillClrLst>
+    <dgm:linClrLst meth="repeat">
+      <a:schemeClr val="accent3"/>
+    </dgm:linClrLst>
+    <dgm:effectClrLst/>
+    <dgm:txLinClrLst/>
+    <dgm:txFillClrLst meth="repeat">
+      <a:schemeClr val="lt1"/>
+    </dgm:txFillClrLst>
+    <dgm:txEffectClrLst/>
+  </dgm:styleLbl>
+  <dgm:styleLbl name="parChTrans2D3">
+    <dgm:fillClrLst meth="repeat">
+      <a:schemeClr val="accent3"/>
+    </dgm:fillClrLst>
+    <dgm:linClrLst meth="repeat">
+      <a:schemeClr val="accent3"/>
+    </dgm:linClrLst>
+    <dgm:effectClrLst/>
+    <dgm:txLinClrLst/>
+    <dgm:txFillClrLst meth="repeat">
+      <a:schemeClr val="lt1"/>
+    </dgm:txFillClrLst>
+    <dgm:txEffectClrLst/>
+  </dgm:styleLbl>
+  <dgm:styleLbl name="parChTrans2D4">
+    <dgm:fillClrLst meth="repeat">
+      <a:schemeClr val="accent3"/>
+    </dgm:fillClrLst>
+    <dgm:linClrLst meth="repeat">
+      <a:schemeClr val="accent3"/>
+    </dgm:linClrLst>
+    <dgm:effectClrLst/>
+    <dgm:txLinClrLst/>
+    <dgm:txFillClrLst meth="repeat">
+      <a:schemeClr val="lt1"/>
+    </dgm:txFillClrLst>
+    <dgm:txEffectClrLst/>
+  </dgm:styleLbl>
+  <dgm:styleLbl name="parChTrans1D1">
+    <dgm:fillClrLst meth="repeat">
+      <a:schemeClr val="accent3"/>
+    </dgm:fillClrLst>
+    <dgm:linClrLst meth="repeat">
+      <a:schemeClr val="accent3">
+        <a:shade val="60000"/>
+      </a:schemeClr>
+    </dgm:linClrLst>
+    <dgm:effectClrLst/>
+    <dgm:txLinClrLst/>
+    <dgm:txFillClrLst meth="repeat">
+      <a:schemeClr val="tx1"/>
+    </dgm:txFillClrLst>
+    <dgm:txEffectClrLst/>
+  </dgm:styleLbl>
+  <dgm:styleLbl name="parChTrans1D2">
+    <dgm:fillClrLst meth="repeat">
+      <a:schemeClr val="accent3"/>
+    </dgm:fillClrLst>
+    <dgm:linClrLst meth="repeat">
+      <a:schemeClr val="accent3">
+        <a:shade val="60000"/>
+      </a:schemeClr>
+    </dgm:linClrLst>
+    <dgm:effectClrLst/>
+    <dgm:txLinClrLst/>
+    <dgm:txFillClrLst meth="repeat">
+      <a:schemeClr val="tx1"/>
+    </dgm:txFillClrLst>
+    <dgm:txEffectClrLst/>
+  </dgm:styleLbl>
+  <dgm:styleLbl name="parChTrans1D3">
+    <dgm:fillClrLst meth="repeat">
+      <a:schemeClr val="accent3"/>
+    </dgm:fillClrLst>
+    <dgm:linClrLst meth="repeat">
+      <a:schemeClr val="accent3">
+        <a:shade val="80000"/>
+      </a:schemeClr>
+    </dgm:linClrLst>
+    <dgm:effectClrLst/>
+    <dgm:txLinClrLst/>
+    <dgm:txFillClrLst meth="repeat">
+      <a:schemeClr val="tx1"/>
+    </dgm:txFillClrLst>
+    <dgm:txEffectClrLst/>
+  </dgm:styleLbl>
+  <dgm:styleLbl name="parChTrans1D4">
+    <dgm:fillClrLst meth="repeat">
+      <a:schemeClr val="accent3"/>
+    </dgm:fillClrLst>
+    <dgm:linClrLst meth="repeat">
+      <a:schemeClr val="accent3">
+        <a:shade val="80000"/>
+      </a:schemeClr>
+    </dgm:linClrLst>
+    <dgm:effectClrLst/>
+    <dgm:txLinClrLst/>
+    <dgm:txFillClrLst meth="repeat">
+      <a:schemeClr val="tx1"/>
+    </dgm:txFillClrLst>
+    <dgm:txEffectClrLst/>
+  </dgm:styleLbl>
+  <dgm:styleLbl name="fgAcc1">
+    <dgm:fillClrLst meth="repeat">
+      <a:schemeClr val="lt1">
+        <a:alpha val="90000"/>
+      </a:schemeClr>
+    </dgm:fillClrLst>
+    <dgm:linClrLst meth="repeat">
+      <a:schemeClr val="accent3"/>
+    </dgm:linClrLst>
+    <dgm:effectClrLst/>
+    <dgm:txLinClrLst/>
+    <dgm:txFillClrLst meth="repeat">
+      <a:schemeClr val="dk1"/>
+    </dgm:txFillClrLst>
+    <dgm:txEffectClrLst/>
+  </dgm:styleLbl>
+  <dgm:styleLbl name="conFgAcc1">
+    <dgm:fillClrLst meth="repeat">
+      <a:schemeClr val="lt1">
+        <a:alpha val="90000"/>
+      </a:schemeClr>
+    </dgm:fillClrLst>
+    <dgm:linClrLst meth="repeat">
+      <a:schemeClr val="accent3"/>
+    </dgm:linClrLst>
+    <dgm:effectClrLst/>
+    <dgm:txLinClrLst/>
+    <dgm:txFillClrLst meth="repeat">
+      <a:schemeClr val="dk1"/>
+    </dgm:txFillClrLst>
+    <dgm:txEffectClrLst/>
+  </dgm:styleLbl>
+  <dgm:styleLbl name="alignAcc1">
+    <dgm:fillClrLst meth="repeat">
+      <a:schemeClr val="lt1">
+        <a:alpha val="90000"/>
+      </a:schemeClr>
+    </dgm:fillClrLst>
+    <dgm:linClrLst meth="repeat">
+      <a:schemeClr val="accent3"/>
+    </dgm:linClrLst>
+    <dgm:effectClrLst/>
+    <dgm:txLinClrLst/>
+    <dgm:txFillClrLst meth="repeat">
+      <a:schemeClr val="dk1"/>
+    </dgm:txFillClrLst>
+    <dgm:txEffectClrLst/>
+  </dgm:styleLbl>
+  <dgm:styleLbl name="trAlignAcc1">
+    <dgm:fillClrLst meth="repeat">
+      <a:schemeClr val="lt1">
+        <a:alpha val="40000"/>
+      </a:schemeClr>
+    </dgm:fillClrLst>
+    <dgm:linClrLst meth="repeat">
+      <a:schemeClr val="accent3"/>
+    </dgm:linClrLst>
+    <dgm:effectClrLst/>
+    <dgm:txLinClrLst/>
+    <dgm:txFillClrLst meth="repeat">
+      <a:schemeClr val="dk1"/>
+    </dgm:txFillClrLst>
+    <dgm:txEffectClrLst/>
+  </dgm:styleLbl>
+  <dgm:styleLbl name="bgAcc1">
+    <dgm:fillClrLst meth="repeat">
+      <a:schemeClr val="lt1">
+        <a:alpha val="90000"/>
+      </a:schemeClr>
+    </dgm:fillClrLst>
+    <dgm:linClrLst meth="repeat">
+      <a:schemeClr val="accent3"/>
+    </dgm:linClrLst>
+    <dgm:effectClrLst/>
+    <dgm:txLinClrLst/>
+    <dgm:txFillClrLst meth="repeat">
+      <a:schemeClr val="dk1"/>
+    </dgm:txFillClrLst>
+    <dgm:txEffectClrLst/>
+  </dgm:styleLbl>
+  <dgm:styleLbl name="solidFgAcc1">
+    <dgm:fillClrLst meth="repeat">
+      <a:schemeClr val="lt1"/>
+    </dgm:fillClrLst>
+    <dgm:linClrLst meth="repeat">
+      <a:schemeClr val="accent3"/>
+    </dgm:linClrLst>
+    <dgm:effectClrLst/>
+    <dgm:txLinClrLst/>
+    <dgm:txFillClrLst meth="repeat">
+      <a:schemeClr val="dk1"/>
+    </dgm:txFillClrLst>
+    <dgm:txEffectClrLst/>
+  </dgm:styleLbl>
+  <dgm:styleLbl name="solidAlignAcc1">
+    <dgm:fillClrLst meth="repeat">
+      <a:schemeClr val="lt1"/>
+    </dgm:fillClrLst>
+    <dgm:linClrLst meth="repeat">
+      <a:schemeClr val="accent3"/>
+    </dgm:linClrLst>
+    <dgm:effectClrLst/>
+    <dgm:txLinClrLst/>
+    <dgm:txFillClrLst meth="repeat">
+      <a:schemeClr val="dk1"/>
+    </dgm:txFillClrLst>
+    <dgm:txEffectClrLst/>
+  </dgm:styleLbl>
+  <dgm:styleLbl name="solidBgAcc1">
+    <dgm:fillClrLst meth="repeat">
+      <a:schemeClr val="lt1"/>
+    </dgm:fillClrLst>
+    <dgm:linClrLst meth="repeat">
+      <a:schemeClr val="accent3"/>
+    </dgm:linClrLst>
+    <dgm:effectClrLst/>
+    <dgm:txLinClrLst/>
+    <dgm:txFillClrLst meth="repeat">
+      <a:schemeClr val="dk1"/>
+    </dgm:txFillClrLst>
+    <dgm:txEffectClrLst/>
+  </dgm:styleLbl>
+  <dgm:styleLbl name="fgAccFollowNode1">
+    <dgm:fillClrLst meth="repeat">
+      <a:schemeClr val="accent3">
+        <a:alpha val="90000"/>
+        <a:tint val="40000"/>
+      </a:schemeClr>
+    </dgm:fillClrLst>
+    <dgm:linClrLst meth="repeat">
+      <a:schemeClr val="accent3">
+        <a:alpha val="90000"/>
+        <a:tint val="40000"/>
+      </a:schemeClr>
+    </dgm:linClrLst>
+    <dgm:effectClrLst/>
+    <dgm:txLinClrLst/>
+    <dgm:txFillClrLst meth="repeat">
+      <a:schemeClr val="dk1"/>
+    </dgm:txFillClrLst>
+    <dgm:txEffectClrLst/>
+  </dgm:styleLbl>
+  <dgm:styleLbl name="alignAccFollowNode1">
+    <dgm:fillClrLst meth="repeat">
+      <a:schemeClr val="accent3">
+        <a:alpha val="90000"/>
+        <a:tint val="40000"/>
+      </a:schemeClr>
+    </dgm:fillClrLst>
+    <dgm:linClrLst meth="repeat">
+      <a:schemeClr val="accent3">
+        <a:alpha val="90000"/>
+        <a:tint val="40000"/>
+      </a:schemeClr>
+    </dgm:linClrLst>
+    <dgm:effectClrLst/>
+    <dgm:txLinClrLst/>
+    <dgm:txFillClrLst meth="repeat">
+      <a:schemeClr val="dk1"/>
+    </dgm:txFillClrLst>
+    <dgm:txEffectClrLst/>
+  </dgm:styleLbl>
+  <dgm:styleLbl name="bgAccFollowNode1">
+    <dgm:fillClrLst meth="repeat">
+      <a:schemeClr val="accent3">
+        <a:alpha val="90000"/>
+        <a:tint val="40000"/>
+      </a:schemeClr>
+    </dgm:fillClrLst>
+    <dgm:linClrLst meth="repeat">
+      <a:schemeClr val="accent3">
+        <a:alpha val="90000"/>
+        <a:tint val="40000"/>
+      </a:schemeClr>
+    </dgm:linClrLst>
+    <dgm:effectClrLst/>
+    <dgm:txLinClrLst/>
+    <dgm:txFillClrLst meth="repeat">
+      <a:schemeClr val="dk1"/>
+    </dgm:txFillClrLst>
+    <dgm:txEffectClrLst/>
+  </dgm:styleLbl>
+  <dgm:styleLbl name="fgAcc0">
+    <dgm:fillClrLst meth="repeat">
+      <a:schemeClr val="lt1">
+        <a:alpha val="90000"/>
+      </a:schemeClr>
+    </dgm:fillClrLst>
+    <dgm:linClrLst meth="repeat">
+      <a:schemeClr val="accent3"/>
+    </dgm:linClrLst>
+    <dgm:effectClrLst/>
+    <dgm:txLinClrLst/>
+    <dgm:txFillClrLst meth="repeat">
+      <a:schemeClr val="dk1"/>
+    </dgm:txFillClrLst>
+    <dgm:txEffectClrLst/>
+  </dgm:styleLbl>
+  <dgm:styleLbl name="fgAcc2">
+    <dgm:fillClrLst meth="repeat">
+      <a:schemeClr val="lt1">
+        <a:alpha val="90000"/>
+      </a:schemeClr>
+    </dgm:fillClrLst>
+    <dgm:linClrLst meth="repeat">
+      <a:schemeClr val="accent3"/>
+    </dgm:linClrLst>
+    <dgm:effectClrLst/>
+    <dgm:txLinClrLst/>
+    <dgm:txFillClrLst meth="repeat">
+      <a:schemeClr val="dk1"/>
+    </dgm:txFillClrLst>
+    <dgm:txEffectClrLst/>
+  </dgm:styleLbl>
+  <dgm:styleLbl name="fgAcc3">
+    <dgm:fillClrLst meth="repeat">
+      <a:schemeClr val="lt1">
+        <a:alpha val="90000"/>
+      </a:schemeClr>
+    </dgm:fillClrLst>
+    <dgm:linClrLst meth="repeat">
+      <a:schemeClr val="accent3"/>
+    </dgm:linClrLst>
+    <dgm:effectClrLst/>
+    <dgm:txLinClrLst/>
+    <dgm:txFillClrLst meth="repeat">
+      <a:schemeClr val="dk1"/>
+    </dgm:txFillClrLst>
+    <dgm:txEffectClrLst/>
+  </dgm:styleLbl>
+  <dgm:styleLbl name="fgAcc4">
+    <dgm:fillClrLst meth="repeat">
+      <a:schemeClr val="lt1">
+        <a:alpha val="90000"/>
+      </a:schemeClr>
+    </dgm:fillClrLst>
+    <dgm:linClrLst meth="repeat">
+      <a:schemeClr val="accent3"/>
+    </dgm:linClrLst>
+    <dgm:effectClrLst/>
+    <dgm:txLinClrLst/>
+    <dgm:txFillClrLst meth="repeat">
+      <a:schemeClr val="dk1"/>
+    </dgm:txFillClrLst>
+    <dgm:txEffectClrLst/>
+  </dgm:styleLbl>
+  <dgm:styleLbl name="bgShp">
+    <dgm:fillClrLst meth="repeat">
+      <a:schemeClr val="accent3">
+        <a:tint val="40000"/>
+      </a:schemeClr>
+    </dgm:fillClrLst>
+    <dgm:linClrLst meth="repeat">
+      <a:schemeClr val="accent3"/>
+    </dgm:linClrLst>
+    <dgm:effectClrLst/>
+    <dgm:txLinClrLst/>
+    <dgm:txFillClrLst meth="repeat">
+      <a:schemeClr val="dk1"/>
+    </dgm:txFillClrLst>
+    <dgm:txEffectClrLst/>
+  </dgm:styleLbl>
+  <dgm:styleLbl name="dkBgShp">
+    <dgm:fillClrLst meth="repeat">
+      <a:schemeClr val="accent3">
+        <a:shade val="80000"/>
+      </a:schemeClr>
+    </dgm:fillClrLst>
+    <dgm:linClrLst meth="repeat">
+      <a:schemeClr val="accent3"/>
+    </dgm:linClrLst>
+    <dgm:effectClrLst/>
+    <dgm:txLinClrLst/>
+    <dgm:txFillClrLst meth="repeat">
+      <a:schemeClr val="lt1"/>
+    </dgm:txFillClrLst>
+    <dgm:txEffectClrLst/>
+  </dgm:styleLbl>
+  <dgm:styleLbl name="trBgShp">
+    <dgm:fillClrLst meth="repeat">
+      <a:schemeClr val="accent3">
+        <a:tint val="50000"/>
+        <a:alpha val="40000"/>
+      </a:schemeClr>
+    </dgm:fillClrLst>
+    <dgm:linClrLst meth="repeat">
+      <a:schemeClr val="accent3"/>
+    </dgm:linClrLst>
+    <dgm:effectClrLst/>
+    <dgm:txLinClrLst/>
+    <dgm:txFillClrLst meth="repeat">
+      <a:schemeClr val="lt1"/>
+    </dgm:txFillClrLst>
+    <dgm:txEffectClrLst/>
+  </dgm:styleLbl>
+  <dgm:styleLbl name="fgShp">
+    <dgm:fillClrLst meth="repeat">
+      <a:schemeClr val="accent3">
+        <a:tint val="60000"/>
+      </a:schemeClr>
+    </dgm:fillClrLst>
+    <dgm:linClrLst meth="repeat">
+      <a:schemeClr val="lt1"/>
+    </dgm:linClrLst>
+    <dgm:effectClrLst/>
+    <dgm:txLinClrLst/>
+    <dgm:txFillClrLst meth="repeat">
+      <a:schemeClr val="dk1"/>
+    </dgm:txFillClrLst>
+    <dgm:txEffectClrLst/>
+  </dgm:styleLbl>
+  <dgm:styleLbl name="revTx">
+    <dgm:fillClrLst meth="repeat">
+      <a:schemeClr val="lt1">
+        <a:alpha val="0"/>
+      </a:schemeClr>
+    </dgm:fillClrLst>
+    <dgm:linClrLst meth="repeat">
+      <a:schemeClr val="dk1">
+        <a:alpha val="0"/>
+      </a:schemeClr>
+    </dgm:linClrLst>
+    <dgm:effectClrLst/>
+    <dgm:txLinClrLst/>
+    <dgm:txFillClrLst meth="repeat">
+      <a:schemeClr val="tx1"/>
+    </dgm:txFillClrLst>
+    <dgm:txEffectClrLst/>
+  </dgm:styleLbl>
+</dgm:colorsDef>
+</file>
+
+<file path=ppt/diagrams/data1.xml><?xml version="1.0" encoding="utf-8"?>
+<dgm:dataModel xmlns:dgm="http://schemas.openxmlformats.org/drawingml/2006/diagram" xmlns:a="http://schemas.openxmlformats.org/drawingml/2006/main">
+  <dgm:ptLst>
+    <dgm:pt modelId="{6DD85E10-CB83-45ED-AAA8-DE05FF13A1B9}" type="doc">
+      <dgm:prSet loTypeId="urn:microsoft.com/office/officeart/2005/8/layout/vList2" loCatId="list" qsTypeId="urn:microsoft.com/office/officeart/2005/8/quickstyle/simple4" qsCatId="simple" csTypeId="urn:microsoft.com/office/officeart/2005/8/colors/accent3_2" csCatId="accent3"/>
+      <dgm:spPr/>
+      <dgm:t>
+        <a:bodyPr/>
+        <a:lstStyle/>
+        <a:p>
+          <a:endParaRPr lang="en-US"/>
+        </a:p>
+      </dgm:t>
+    </dgm:pt>
+    <dgm:pt modelId="{9D1F8D74-B288-4254-AF70-FD635FAD79D1}">
+      <dgm:prSet custT="1"/>
+      <dgm:spPr/>
+      <dgm:t>
+        <a:bodyPr/>
+        <a:lstStyle/>
+        <a:p>
+          <a:r>
+            <a:rPr lang="en-US" sz="4400" b="1" dirty="0"/>
+            <a:t>Before we start….</a:t>
+          </a:r>
+          <a:endParaRPr lang="en-US" sz="4400" dirty="0"/>
+        </a:p>
+      </dgm:t>
+    </dgm:pt>
+    <dgm:pt modelId="{ADF7E579-368D-4866-A3EA-475D84A4AD27}" type="parTrans" cxnId="{8F69D36A-C701-422B-B8DB-FA436A3B3D89}">
+      <dgm:prSet/>
+      <dgm:spPr/>
+      <dgm:t>
+        <a:bodyPr/>
+        <a:lstStyle/>
+        <a:p>
+          <a:endParaRPr lang="en-US" sz="2400"/>
+        </a:p>
+      </dgm:t>
+    </dgm:pt>
+    <dgm:pt modelId="{C9779EF0-886D-416E-82BA-562D945F7298}" type="sibTrans" cxnId="{8F69D36A-C701-422B-B8DB-FA436A3B3D89}">
+      <dgm:prSet/>
+      <dgm:spPr/>
+      <dgm:t>
+        <a:bodyPr/>
+        <a:lstStyle/>
+        <a:p>
+          <a:endParaRPr lang="en-US" sz="2400"/>
+        </a:p>
+      </dgm:t>
+    </dgm:pt>
+    <dgm:pt modelId="{8060AB18-FE1C-4165-A75C-48BEFA6A2BC6}">
+      <dgm:prSet custT="1"/>
+      <dgm:spPr/>
+      <dgm:t>
+        <a:bodyPr/>
+        <a:lstStyle/>
+        <a:p>
+          <a:r>
+            <a:rPr lang="en-US" sz="3600" b="1"/>
+            <a:t>Run codes together</a:t>
+          </a:r>
+          <a:endParaRPr lang="en-US" sz="3600"/>
+        </a:p>
+      </dgm:t>
+    </dgm:pt>
+    <dgm:pt modelId="{FC799164-C831-4182-B427-DDD2D9F2E649}" type="parTrans" cxnId="{D9936011-573F-4EE0-B746-44729E22C2BB}">
+      <dgm:prSet/>
+      <dgm:spPr/>
+      <dgm:t>
+        <a:bodyPr/>
+        <a:lstStyle/>
+        <a:p>
+          <a:endParaRPr lang="en-US" sz="2400"/>
+        </a:p>
+      </dgm:t>
+    </dgm:pt>
+    <dgm:pt modelId="{0F03132A-4525-493A-8363-E8046FDE671D}" type="sibTrans" cxnId="{D9936011-573F-4EE0-B746-44729E22C2BB}">
+      <dgm:prSet/>
+      <dgm:spPr/>
+      <dgm:t>
+        <a:bodyPr/>
+        <a:lstStyle/>
+        <a:p>
+          <a:endParaRPr lang="en-US" sz="2400"/>
+        </a:p>
+      </dgm:t>
+    </dgm:pt>
+    <dgm:pt modelId="{8F388A61-6996-4004-8B09-43F7C37B41A3}">
+      <dgm:prSet custT="1"/>
+      <dgm:spPr/>
+      <dgm:t>
+        <a:bodyPr/>
+        <a:lstStyle/>
+        <a:p>
+          <a:r>
+            <a:rPr lang="en-US" sz="3600" b="1"/>
+            <a:t>Three tasks for you to practice </a:t>
+          </a:r>
+          <a:endParaRPr lang="en-US" sz="3600"/>
+        </a:p>
+      </dgm:t>
+    </dgm:pt>
+    <dgm:pt modelId="{D6A1DC3A-4A66-44A8-8A29-0C945361E231}" type="parTrans" cxnId="{052BF77B-905B-4B58-96D4-8DA8AA107819}">
+      <dgm:prSet/>
+      <dgm:spPr/>
+      <dgm:t>
+        <a:bodyPr/>
+        <a:lstStyle/>
+        <a:p>
+          <a:endParaRPr lang="en-US" sz="2400"/>
+        </a:p>
+      </dgm:t>
+    </dgm:pt>
+    <dgm:pt modelId="{70AAA51C-38FC-477F-8835-F33DAB78C3FA}" type="sibTrans" cxnId="{052BF77B-905B-4B58-96D4-8DA8AA107819}">
+      <dgm:prSet/>
+      <dgm:spPr/>
+      <dgm:t>
+        <a:bodyPr/>
+        <a:lstStyle/>
+        <a:p>
+          <a:endParaRPr lang="en-US" sz="2400"/>
+        </a:p>
+      </dgm:t>
+    </dgm:pt>
+    <dgm:pt modelId="{E5D62241-2544-43F3-99AC-103450D4AB1E}">
+      <dgm:prSet custT="1"/>
+      <dgm:spPr/>
+      <dgm:t>
+        <a:bodyPr/>
+        <a:lstStyle/>
+        <a:p>
+          <a:r>
+            <a:rPr lang="en-US" sz="3600" b="1"/>
+            <a:t>Stop me whenever you have questions</a:t>
+          </a:r>
+          <a:endParaRPr lang="en-US" sz="3600"/>
+        </a:p>
+      </dgm:t>
+    </dgm:pt>
+    <dgm:pt modelId="{2F709D5F-F055-40F8-A224-0082105EA57D}" type="parTrans" cxnId="{4DEE658E-9DA3-4FB0-A7E0-B1D76FF25EB5}">
+      <dgm:prSet/>
+      <dgm:spPr/>
+      <dgm:t>
+        <a:bodyPr/>
+        <a:lstStyle/>
+        <a:p>
+          <a:endParaRPr lang="en-US" sz="2400"/>
+        </a:p>
+      </dgm:t>
+    </dgm:pt>
+    <dgm:pt modelId="{1937663C-43BC-4BBD-8139-0BE4E522A6D5}" type="sibTrans" cxnId="{4DEE658E-9DA3-4FB0-A7E0-B1D76FF25EB5}">
+      <dgm:prSet/>
+      <dgm:spPr/>
+      <dgm:t>
+        <a:bodyPr/>
+        <a:lstStyle/>
+        <a:p>
+          <a:endParaRPr lang="en-US" sz="2400"/>
+        </a:p>
+      </dgm:t>
+    </dgm:pt>
+    <dgm:pt modelId="{BD989D6A-FA21-4754-ACC8-98A7B9AC5003}" type="pres">
+      <dgm:prSet presAssocID="{6DD85E10-CB83-45ED-AAA8-DE05FF13A1B9}" presName="linear" presStyleCnt="0">
+        <dgm:presLayoutVars>
+          <dgm:animLvl val="lvl"/>
+          <dgm:resizeHandles val="exact"/>
+        </dgm:presLayoutVars>
+      </dgm:prSet>
+      <dgm:spPr/>
+    </dgm:pt>
+    <dgm:pt modelId="{85BDA264-BB17-48A6-88C8-2CB7EBCCEC67}" type="pres">
+      <dgm:prSet presAssocID="{9D1F8D74-B288-4254-AF70-FD635FAD79D1}" presName="parentText" presStyleLbl="node1" presStyleIdx="0" presStyleCnt="1">
+        <dgm:presLayoutVars>
+          <dgm:chMax val="0"/>
+          <dgm:bulletEnabled val="1"/>
+        </dgm:presLayoutVars>
+      </dgm:prSet>
+      <dgm:spPr/>
+    </dgm:pt>
+    <dgm:pt modelId="{B630F3C8-4B6E-407E-A67D-FBF1174A63E5}" type="pres">
+      <dgm:prSet presAssocID="{9D1F8D74-B288-4254-AF70-FD635FAD79D1}" presName="childText" presStyleLbl="revTx" presStyleIdx="0" presStyleCnt="1">
+        <dgm:presLayoutVars>
+          <dgm:bulletEnabled val="1"/>
+        </dgm:presLayoutVars>
+      </dgm:prSet>
+      <dgm:spPr/>
+    </dgm:pt>
+  </dgm:ptLst>
+  <dgm:cxnLst>
+    <dgm:cxn modelId="{D9936011-573F-4EE0-B746-44729E22C2BB}" srcId="{9D1F8D74-B288-4254-AF70-FD635FAD79D1}" destId="{8060AB18-FE1C-4165-A75C-48BEFA6A2BC6}" srcOrd="0" destOrd="0" parTransId="{FC799164-C831-4182-B427-DDD2D9F2E649}" sibTransId="{0F03132A-4525-493A-8363-E8046FDE671D}"/>
+    <dgm:cxn modelId="{FC448612-A0C2-4D1B-A6BF-F3CCD07DEB22}" type="presOf" srcId="{9D1F8D74-B288-4254-AF70-FD635FAD79D1}" destId="{85BDA264-BB17-48A6-88C8-2CB7EBCCEC67}" srcOrd="0" destOrd="0" presId="urn:microsoft.com/office/officeart/2005/8/layout/vList2"/>
+    <dgm:cxn modelId="{C8AAEF1C-B722-491D-BEE4-691FBBD079F7}" type="presOf" srcId="{8F388A61-6996-4004-8B09-43F7C37B41A3}" destId="{B630F3C8-4B6E-407E-A67D-FBF1174A63E5}" srcOrd="0" destOrd="1" presId="urn:microsoft.com/office/officeart/2005/8/layout/vList2"/>
+    <dgm:cxn modelId="{935DB263-0E64-4656-BA33-B5778714F6B4}" type="presOf" srcId="{6DD85E10-CB83-45ED-AAA8-DE05FF13A1B9}" destId="{BD989D6A-FA21-4754-ACC8-98A7B9AC5003}" srcOrd="0" destOrd="0" presId="urn:microsoft.com/office/officeart/2005/8/layout/vList2"/>
+    <dgm:cxn modelId="{8F69D36A-C701-422B-B8DB-FA436A3B3D89}" srcId="{6DD85E10-CB83-45ED-AAA8-DE05FF13A1B9}" destId="{9D1F8D74-B288-4254-AF70-FD635FAD79D1}" srcOrd="0" destOrd="0" parTransId="{ADF7E579-368D-4866-A3EA-475D84A4AD27}" sibTransId="{C9779EF0-886D-416E-82BA-562D945F7298}"/>
+    <dgm:cxn modelId="{052BF77B-905B-4B58-96D4-8DA8AA107819}" srcId="{9D1F8D74-B288-4254-AF70-FD635FAD79D1}" destId="{8F388A61-6996-4004-8B09-43F7C37B41A3}" srcOrd="1" destOrd="0" parTransId="{D6A1DC3A-4A66-44A8-8A29-0C945361E231}" sibTransId="{70AAA51C-38FC-477F-8835-F33DAB78C3FA}"/>
+    <dgm:cxn modelId="{4DEE658E-9DA3-4FB0-A7E0-B1D76FF25EB5}" srcId="{9D1F8D74-B288-4254-AF70-FD635FAD79D1}" destId="{E5D62241-2544-43F3-99AC-103450D4AB1E}" srcOrd="2" destOrd="0" parTransId="{2F709D5F-F055-40F8-A224-0082105EA57D}" sibTransId="{1937663C-43BC-4BBD-8139-0BE4E522A6D5}"/>
+    <dgm:cxn modelId="{371B0BD2-DDC2-42A0-ADAE-8186661E199E}" type="presOf" srcId="{E5D62241-2544-43F3-99AC-103450D4AB1E}" destId="{B630F3C8-4B6E-407E-A67D-FBF1174A63E5}" srcOrd="0" destOrd="2" presId="urn:microsoft.com/office/officeart/2005/8/layout/vList2"/>
+    <dgm:cxn modelId="{2E64B4D9-8640-4BBB-BB07-3880F34A7399}" type="presOf" srcId="{8060AB18-FE1C-4165-A75C-48BEFA6A2BC6}" destId="{B630F3C8-4B6E-407E-A67D-FBF1174A63E5}" srcOrd="0" destOrd="0" presId="urn:microsoft.com/office/officeart/2005/8/layout/vList2"/>
+    <dgm:cxn modelId="{4F86217F-C431-4EF2-8F54-9FD650966EDB}" type="presParOf" srcId="{BD989D6A-FA21-4754-ACC8-98A7B9AC5003}" destId="{85BDA264-BB17-48A6-88C8-2CB7EBCCEC67}" srcOrd="0" destOrd="0" presId="urn:microsoft.com/office/officeart/2005/8/layout/vList2"/>
+    <dgm:cxn modelId="{7E3CB90C-3FCE-496F-838E-307C92331041}" type="presParOf" srcId="{BD989D6A-FA21-4754-ACC8-98A7B9AC5003}" destId="{B630F3C8-4B6E-407E-A67D-FBF1174A63E5}" srcOrd="1" destOrd="0" presId="urn:microsoft.com/office/officeart/2005/8/layout/vList2"/>
+  </dgm:cxnLst>
+  <dgm:bg/>
+  <dgm:whole/>
+  <dgm:extLst>
+    <a:ext uri="http://schemas.microsoft.com/office/drawing/2008/diagram">
+      <dsp:dataModelExt xmlns:dsp="http://schemas.microsoft.com/office/drawing/2008/diagram" relId="rId8" minVer="http://schemas.openxmlformats.org/drawingml/2006/diagram"/>
+    </a:ext>
+  </dgm:extLst>
+</dgm:dataModel>
+</file>
+
+<file path=ppt/diagrams/drawing1.xml><?xml version="1.0" encoding="utf-8"?>
+<dsp:drawing xmlns:dgm="http://schemas.openxmlformats.org/drawingml/2006/diagram" xmlns:dsp="http://schemas.microsoft.com/office/drawing/2008/diagram" xmlns:a="http://schemas.openxmlformats.org/drawingml/2006/main">
+  <dsp:spTree>
+    <dsp:nvGrpSpPr>
+      <dsp:cNvPr id="0" name=""/>
+      <dsp:cNvGrpSpPr/>
+    </dsp:nvGrpSpPr>
+    <dsp:grpSpPr/>
+    <dsp:sp modelId="{85BDA264-BB17-48A6-88C8-2CB7EBCCEC67}">
+      <dsp:nvSpPr>
+        <dsp:cNvPr id="0" name=""/>
+        <dsp:cNvSpPr/>
+      </dsp:nvSpPr>
+      <dsp:spPr>
+        <a:xfrm>
+          <a:off x="0" y="10823"/>
+          <a:ext cx="5397305" cy="1141920"/>
+        </a:xfrm>
+        <a:prstGeom prst="roundRect">
+          <a:avLst/>
+        </a:prstGeom>
+        <a:gradFill rotWithShape="0">
+          <a:gsLst>
+            <a:gs pos="0">
+              <a:schemeClr val="accent3">
+                <a:hueOff val="0"/>
+                <a:satOff val="0"/>
+                <a:lumOff val="0"/>
+                <a:alphaOff val="0"/>
+                <a:satMod val="103000"/>
+                <a:lumMod val="102000"/>
+                <a:tint val="94000"/>
+              </a:schemeClr>
+            </a:gs>
+            <a:gs pos="50000">
+              <a:schemeClr val="accent3">
+                <a:hueOff val="0"/>
+                <a:satOff val="0"/>
+                <a:lumOff val="0"/>
+                <a:alphaOff val="0"/>
+                <a:satMod val="110000"/>
+                <a:lumMod val="100000"/>
+                <a:shade val="100000"/>
+              </a:schemeClr>
+            </a:gs>
+            <a:gs pos="100000">
+              <a:schemeClr val="accent3">
+                <a:hueOff val="0"/>
+                <a:satOff val="0"/>
+                <a:lumOff val="0"/>
+                <a:alphaOff val="0"/>
+                <a:lumMod val="99000"/>
+                <a:satMod val="120000"/>
+                <a:shade val="78000"/>
+              </a:schemeClr>
+            </a:gs>
+          </a:gsLst>
+          <a:lin ang="5400000" scaled="0"/>
+        </a:gradFill>
+        <a:ln>
+          <a:noFill/>
+        </a:ln>
+        <a:effectLst/>
+      </dsp:spPr>
+      <dsp:style>
+        <a:lnRef idx="0">
+          <a:scrgbClr r="0" g="0" b="0"/>
+        </a:lnRef>
+        <a:fillRef idx="3">
+          <a:scrgbClr r="0" g="0" b="0"/>
+        </a:fillRef>
+        <a:effectRef idx="2">
+          <a:scrgbClr r="0" g="0" b="0"/>
+        </a:effectRef>
+        <a:fontRef idx="minor">
+          <a:schemeClr val="lt1"/>
+        </a:fontRef>
+      </dsp:style>
+      <dsp:txBody>
+        <a:bodyPr spcFirstLastPara="0" vert="horz" wrap="square" lIns="167640" tIns="167640" rIns="167640" bIns="167640" numCol="1" spcCol="1270" anchor="ctr" anchorCtr="0">
+          <a:noAutofit/>
+        </a:bodyPr>
+        <a:lstStyle/>
+        <a:p>
+          <a:pPr marL="0" lvl="0" indent="0" algn="l" defTabSz="1955800">
+            <a:lnSpc>
+              <a:spcPct val="90000"/>
+            </a:lnSpc>
+            <a:spcBef>
+              <a:spcPct val="0"/>
+            </a:spcBef>
+            <a:spcAft>
+              <a:spcPct val="35000"/>
+            </a:spcAft>
+            <a:buNone/>
+          </a:pPr>
+          <a:r>
+            <a:rPr lang="en-US" sz="4400" b="1" kern="1200" dirty="0"/>
+            <a:t>Before we start….</a:t>
+          </a:r>
+          <a:endParaRPr lang="en-US" sz="4400" kern="1200" dirty="0"/>
+        </a:p>
+      </dsp:txBody>
+      <dsp:txXfrm>
+        <a:off x="55744" y="66567"/>
+        <a:ext cx="5285817" cy="1030432"/>
+      </dsp:txXfrm>
+    </dsp:sp>
+    <dsp:sp modelId="{B630F3C8-4B6E-407E-A67D-FBF1174A63E5}">
+      <dsp:nvSpPr>
+        <dsp:cNvPr id="0" name=""/>
+        <dsp:cNvSpPr/>
+      </dsp:nvSpPr>
+      <dsp:spPr>
+        <a:xfrm>
+          <a:off x="0" y="1152743"/>
+          <a:ext cx="5397305" cy="2841075"/>
+        </a:xfrm>
+        <a:prstGeom prst="rect">
+          <a:avLst/>
+        </a:prstGeom>
+        <a:noFill/>
+        <a:ln>
+          <a:noFill/>
+        </a:ln>
+        <a:effectLst/>
+      </dsp:spPr>
+      <dsp:style>
+        <a:lnRef idx="0">
+          <a:scrgbClr r="0" g="0" b="0"/>
+        </a:lnRef>
+        <a:fillRef idx="0">
+          <a:scrgbClr r="0" g="0" b="0"/>
+        </a:fillRef>
+        <a:effectRef idx="0">
+          <a:scrgbClr r="0" g="0" b="0"/>
+        </a:effectRef>
+        <a:fontRef idx="minor"/>
+      </dsp:style>
+      <dsp:txBody>
+        <a:bodyPr spcFirstLastPara="0" vert="horz" wrap="square" lIns="171364" tIns="45720" rIns="256032" bIns="45720" numCol="1" spcCol="1270" anchor="t" anchorCtr="0">
+          <a:noAutofit/>
+        </a:bodyPr>
+        <a:lstStyle/>
+        <a:p>
+          <a:pPr marL="285750" lvl="1" indent="-285750" algn="l" defTabSz="1600200">
+            <a:lnSpc>
+              <a:spcPct val="90000"/>
+            </a:lnSpc>
+            <a:spcBef>
+              <a:spcPct val="0"/>
+            </a:spcBef>
+            <a:spcAft>
+              <a:spcPct val="20000"/>
+            </a:spcAft>
+            <a:buChar char="•"/>
+          </a:pPr>
+          <a:r>
+            <a:rPr lang="en-US" sz="3600" b="1" kern="1200"/>
+            <a:t>Run codes together</a:t>
+          </a:r>
+          <a:endParaRPr lang="en-US" sz="3600" kern="1200"/>
+        </a:p>
+        <a:p>
+          <a:pPr marL="285750" lvl="1" indent="-285750" algn="l" defTabSz="1600200">
+            <a:lnSpc>
+              <a:spcPct val="90000"/>
+            </a:lnSpc>
+            <a:spcBef>
+              <a:spcPct val="0"/>
+            </a:spcBef>
+            <a:spcAft>
+              <a:spcPct val="20000"/>
+            </a:spcAft>
+            <a:buChar char="•"/>
+          </a:pPr>
+          <a:r>
+            <a:rPr lang="en-US" sz="3600" b="1" kern="1200"/>
+            <a:t>Three tasks for you to practice </a:t>
+          </a:r>
+          <a:endParaRPr lang="en-US" sz="3600" kern="1200"/>
+        </a:p>
+        <a:p>
+          <a:pPr marL="285750" lvl="1" indent="-285750" algn="l" defTabSz="1600200">
+            <a:lnSpc>
+              <a:spcPct val="90000"/>
+            </a:lnSpc>
+            <a:spcBef>
+              <a:spcPct val="0"/>
+            </a:spcBef>
+            <a:spcAft>
+              <a:spcPct val="20000"/>
+            </a:spcAft>
+            <a:buChar char="•"/>
+          </a:pPr>
+          <a:r>
+            <a:rPr lang="en-US" sz="3600" b="1" kern="1200"/>
+            <a:t>Stop me whenever you have questions</a:t>
+          </a:r>
+          <a:endParaRPr lang="en-US" sz="3600" kern="1200"/>
+        </a:p>
+      </dsp:txBody>
+      <dsp:txXfrm>
+        <a:off x="0" y="1152743"/>
+        <a:ext cx="5397305" cy="2841075"/>
+      </dsp:txXfrm>
+    </dsp:sp>
+  </dsp:spTree>
+</dsp:drawing>
+</file>
+
+<file path=ppt/diagrams/layout1.xml><?xml version="1.0" encoding="utf-8"?>
+<dgm:layoutDef xmlns:dgm="http://schemas.openxmlformats.org/drawingml/2006/diagram" xmlns:a="http://schemas.openxmlformats.org/drawingml/2006/main" uniqueId="urn:microsoft.com/office/officeart/2005/8/layout/vList2">
+  <dgm:title val=""/>
+  <dgm:desc val=""/>
+  <dgm:catLst>
+    <dgm:cat type="list" pri="3000"/>
+    <dgm:cat type="convert" pri="1000"/>
+  </dgm:catLst>
+  <dgm:sampData>
+    <dgm:dataModel>
+      <dgm:ptLst>
+        <dgm:pt modelId="0" type="doc"/>
+        <dgm:pt modelId="1">
+          <dgm:prSet phldr="1"/>
+        </dgm:pt>
+        <dgm:pt modelId="11">
+          <dgm:prSet phldr="1"/>
+        </dgm:pt>
+        <dgm:pt modelId="2">
+          <dgm:prSet phldr="1"/>
+        </dgm:pt>
+        <dgm:pt modelId="21">
+          <dgm:prSet phldr="1"/>
+        </dgm:pt>
+      </dgm:ptLst>
+      <dgm:cxnLst>
+        <dgm:cxn modelId="4" srcId="0" destId="1" srcOrd="0" destOrd="0"/>
+        <dgm:cxn modelId="5" srcId="0" destId="2" srcOrd="1" destOrd="0"/>
+        <dgm:cxn modelId="12" srcId="1" destId="11" srcOrd="0" destOrd="0"/>
+        <dgm:cxn modelId="23" srcId="2" destId="21" srcOrd="0" destOrd="0"/>
+      </dgm:cxnLst>
+      <dgm:bg/>
+      <dgm:whole/>
+    </dgm:dataModel>
+  </dgm:sampData>
+  <dgm:styleData>
+    <dgm:dataModel>
+      <dgm:ptLst>
+        <dgm:pt modelId="0" type="doc"/>
+        <dgm:pt modelId="1"/>
+        <dgm:pt modelId="2"/>
+      </dgm:ptLst>
+      <dgm:cxnLst>
+        <dgm:cxn modelId="3" srcId="0" destId="1" srcOrd="0" destOrd="0"/>
+        <dgm:cxn modelId="4" srcId="0" destId="2" srcOrd="1" destOrd="0"/>
+      </dgm:cxnLst>
+      <dgm:bg/>
+      <dgm:whole/>
+    </dgm:dataModel>
+  </dgm:styleData>
+  <dgm:clrData>
+    <dgm:dataModel>
+      <dgm:ptLst>
+        <dgm:pt modelId="0" type="doc"/>
+        <dgm:pt modelId="1"/>
+        <dgm:pt modelId="2"/>
+        <dgm:pt modelId="3"/>
+        <dgm:pt modelId="4"/>
+      </dgm:ptLst>
+      <dgm:cxnLst>
+        <dgm:cxn modelId="5" srcId="0" destId="1" srcOrd="0" destOrd="0"/>
+        <dgm:cxn modelId="6" srcId="0" destId="2" srcOrd="1" destOrd="0"/>
+        <dgm:cxn modelId="7" srcId="0" destId="3" srcOrd="2" destOrd="0"/>
+        <dgm:cxn modelId="8" srcId="0" destId="4" srcOrd="3" destOrd="0"/>
+      </dgm:cxnLst>
+      <dgm:bg/>
+      <dgm:whole/>
+    </dgm:dataModel>
+  </dgm:clrData>
+  <dgm:layoutNode name="linear">
+    <dgm:varLst>
+      <dgm:animLvl val="lvl"/>
+      <dgm:resizeHandles val="exact"/>
+    </dgm:varLst>
+    <dgm:alg type="lin">
+      <dgm:param type="linDir" val="fromT"/>
+      <dgm:param type="vertAlign" val="mid"/>
+    </dgm:alg>
+    <dgm:shape xmlns:r="http://schemas.openxmlformats.org/officeDocument/2006/relationships" r:blip="">
+      <dgm:adjLst/>
+    </dgm:shape>
+    <dgm:presOf/>
+    <dgm:constrLst>
+      <dgm:constr type="w" for="ch" forName="parentText" refType="w"/>
+      <dgm:constr type="h" for="ch" forName="parentText" refType="primFontSz" refFor="ch" refForName="parentText" fact="0.52"/>
+      <dgm:constr type="w" for="ch" forName="childText" refType="w"/>
+      <dgm:constr type="h" for="ch" forName="childText" refType="primFontSz" refFor="ch" refForName="parentText" fact="0.46"/>
+      <dgm:constr type="h" for="ch" forName="parentText" op="equ"/>
+      <dgm:constr type="primFontSz" for="ch" forName="parentText" op="equ" val="65"/>
+      <dgm:constr type="primFontSz" for="ch" forName="childText" refType="primFontSz" refFor="ch" refForName="parentText" op="equ"/>
+      <dgm:constr type="h" for="ch" forName="spacer" refType="primFontSz" refFor="ch" refForName="parentText" fact="0.08"/>
+    </dgm:constrLst>
+    <dgm:ruleLst>
+      <dgm:rule type="primFontSz" for="ch" forName="parentText" val="5" fact="NaN" max="NaN"/>
+    </dgm:ruleLst>
+    <dgm:forEach name="Name0" axis="ch" ptType="node">
+      <dgm:layoutNode name="parentText" styleLbl="node1">
+        <dgm:varLst>
+          <dgm:chMax val="0"/>
+          <dgm:bulletEnabled val="1"/>
+        </dgm:varLst>
+        <dgm:alg type="tx">
+          <dgm:param type="parTxLTRAlign" val="l"/>
+          <dgm:param type="parTxRTLAlign" val="r"/>
+        </dgm:alg>
+        <dgm:shape xmlns:r="http://schemas.openxmlformats.org/officeDocument/2006/relationships" type="roundRect" r:blip="">
+          <dgm:adjLst/>
+        </dgm:shape>
+        <dgm:presOf axis="self"/>
+        <dgm:constrLst>
+          <dgm:constr type="tMarg" refType="primFontSz" fact="0.3"/>
+          <dgm:constr type="bMarg" refType="primFontSz" fact="0.3"/>
+          <dgm:constr type="lMarg" refType="primFontSz" fact="0.3"/>
+          <dgm:constr type="rMarg" refType="primFontSz" fact="0.3"/>
+        </dgm:constrLst>
+        <dgm:ruleLst>
+          <dgm:rule type="h" val="INF" fact="NaN" max="NaN"/>
+        </dgm:ruleLst>
+      </dgm:layoutNode>
+      <dgm:choose name="Name1">
+        <dgm:if name="Name2" axis="ch" ptType="node" func="cnt" op="gte" val="1">
+          <dgm:layoutNode name="childText" styleLbl="revTx">
+            <dgm:varLst>
+              <dgm:bulletEnabled val="1"/>
+            </dgm:varLst>
+            <dgm:alg type="tx">
+              <dgm:param type="stBulletLvl" val="1"/>
+              <dgm:param type="lnSpAfChP" val="20"/>
+            </dgm:alg>
+            <dgm:shape xmlns:r="http://schemas.openxmlformats.org/officeDocument/2006/relationships" type="rect" r:blip="">
+              <dgm:adjLst/>
+            </dgm:shape>
+            <dgm:presOf axis="des" ptType="node"/>
+            <dgm:constrLst>
+              <dgm:constr type="tMarg" refType="primFontSz" fact="0.1"/>
+              <dgm:constr type="bMarg" refType="primFontSz" fact="0.1"/>
+              <dgm:constr type="lMarg" refType="w" fact="0.09"/>
+            </dgm:constrLst>
+            <dgm:ruleLst>
+              <dgm:rule type="h" val="INF" fact="NaN" max="NaN"/>
+            </dgm:ruleLst>
+          </dgm:layoutNode>
+        </dgm:if>
+        <dgm:else name="Name3">
+          <dgm:choose name="Name4">
+            <dgm:if name="Name5" axis="par ch" ptType="doc node" func="cnt" op="gte" val="2">
+              <dgm:forEach name="Name6" axis="followSib" ptType="sibTrans" cnt="1">
+                <dgm:layoutNode name="spacer">
+                  <dgm:alg type="sp"/>
+                  <dgm:shape xmlns:r="http://schemas.openxmlformats.org/officeDocument/2006/relationships" r:blip="">
+                    <dgm:adjLst/>
+                  </dgm:shape>
+                  <dgm:presOf/>
+                  <dgm:constrLst/>
+                  <dgm:ruleLst/>
+                </dgm:layoutNode>
+              </dgm:forEach>
+            </dgm:if>
+            <dgm:else name="Name7"/>
+          </dgm:choose>
+        </dgm:else>
+      </dgm:choose>
+    </dgm:forEach>
+  </dgm:layoutNode>
+</dgm:layoutDef>
+</file>
+
+<file path=ppt/diagrams/quickStyle1.xml><?xml version="1.0" encoding="utf-8"?>
+<dgm:styleDef xmlns:dgm="http://schemas.openxmlformats.org/drawingml/2006/diagram" xmlns:a="http://schemas.openxmlformats.org/drawingml/2006/main" uniqueId="urn:microsoft.com/office/officeart/2005/8/quickstyle/simple4">
+  <dgm:title val=""/>
+  <dgm:desc val=""/>
+  <dgm:catLst>
+    <dgm:cat type="simple" pri="10400"/>
+  </dgm:catLst>
+  <dgm:scene3d>
+    <a:camera prst="orthographicFront"/>
+    <a:lightRig rig="threePt" dir="t"/>
+  </dgm:scene3d>
+  <dgm:styleLbl name="node0">
+    <dgm:scene3d>
+      <a:camera prst="orthographicFront"/>
+      <a:lightRig rig="threePt" dir="t"/>
+    </dgm:scene3d>
+    <dgm:sp3d/>
+    <dgm:txPr/>
+    <dgm:style>
+      <a:lnRef idx="0">
+        <a:scrgbClr r="0" g="0" b="0"/>
+      </a:lnRef>
+      <a:fillRef idx="3">
+        <a:scrgbClr r="0" g="0" b="0"/>
+      </a:fillRef>
+      <a:effectRef idx="2">
+        <a:scrgbClr r="0" g="0" b="0"/>
+      </a:effectRef>
+      <a:fontRef idx="minor">
+        <a:schemeClr val="lt1"/>
+      </a:fontRef>
+    </dgm:style>
+  </dgm:styleLbl>
+  <dgm:styleLbl name="lnNode1">
+    <dgm:scene3d>
+      <a:camera prst="orthographicFront"/>
+      <a:lightRig rig="threePt" dir="t"/>
+    </dgm:scene3d>
+    <dgm:sp3d/>
+    <dgm:txPr/>
+    <dgm:style>
+      <a:lnRef idx="1">
+        <a:scrgbClr r="0" g="0" b="0"/>
+      </a:lnRef>
+      <a:fillRef idx="3">
+        <a:scrgbClr r="0" g="0" b="0"/>
+      </a:fillRef>
+      <a:effectRef idx="2">
+        <a:scrgbClr r="0" g="0" b="0"/>
+      </a:effectRef>
+      <a:fontRef idx="minor">
+        <a:schemeClr val="lt1"/>
+      </a:fontRef>
+    </dgm:style>
+  </dgm:styleLbl>
+  <dgm:styleLbl name="vennNode1">
+    <dgm:scene3d>
+      <a:camera prst="orthographicFront"/>
+      <a:lightRig rig="threePt" dir="t"/>
+    </dgm:scene3d>
+    <dgm:sp3d/>
+    <dgm:txPr/>
+    <dgm:style>
+      <a:lnRef idx="0">
+        <a:scrgbClr r="0" g="0" b="0"/>
+      </a:lnRef>
+      <a:fillRef idx="3">
+        <a:scrgbClr r="0" g="0" b="0"/>
+      </a:fillRef>
+      <a:effectRef idx="0">
+        <a:scrgbClr r="0" g="0" b="0"/>
+      </a:effectRef>
+      <a:fontRef idx="minor">
+        <a:schemeClr val="tx1"/>
+      </a:fontRef>
+    </dgm:style>
+  </dgm:styleLbl>
+  <dgm:styleLbl name="alignNode1">
+    <dgm:scene3d>
+      <a:camera prst="orthographicFront"/>
+      <a:lightRig rig="threePt" dir="t"/>
+    </dgm:scene3d>
+    <dgm:sp3d/>
+    <dgm:txPr/>
+    <dgm:style>
+      <a:lnRef idx="1">
+        <a:scrgbClr r="0" g="0" b="0"/>
+      </a:lnRef>
+      <a:fillRef idx="3">
+        <a:scrgbClr r="0" g="0" b="0"/>
+      </a:fillRef>
+      <a:effectRef idx="2">
+        <a:scrgbClr r="0" g="0" b="0"/>
+      </a:effectRef>
+      <a:fontRef idx="minor">
+        <a:schemeClr val="lt1"/>
+      </a:fontRef>
+    </dgm:style>
+  </dgm:styleLbl>
+  <dgm:styleLbl name="node1">
+    <dgm:scene3d>
+      <a:camera prst="orthographicFront"/>
+      <a:lightRig rig="threePt" dir="t"/>
+    </dgm:scene3d>
+    <dgm:sp3d/>
+    <dgm:txPr/>
+    <dgm:style>
+      <a:lnRef idx="0">
+        <a:scrgbClr r="0" g="0" b="0"/>
+      </a:lnRef>
+      <a:fillRef idx="3">
+        <a:scrgbClr r="0" g="0" b="0"/>
+      </a:fillRef>
+      <a:effectRef idx="2">
+        <a:scrgbClr r="0" g="0" b="0"/>
+      </a:effectRef>
+      <a:fontRef idx="minor">
+        <a:schemeClr val="lt1"/>
+      </a:fontRef>
+    </dgm:style>
+  </dgm:styleLbl>
+  <dgm:styleLbl name="node2">
+    <dgm:scene3d>
+      <a:camera prst="orthographicFront"/>
+      <a:lightRig rig="threePt" dir="t"/>
+    </dgm:scene3d>
+    <dgm:sp3d/>
+    <dgm:txPr/>
+    <dgm:style>
+      <a:lnRef idx="0">
+        <a:scrgbClr r="0" g="0" b="0"/>
+      </a:lnRef>
+      <a:fillRef idx="3">
+        <a:scrgbClr r="0" g="0" b="0"/>
+      </a:fillRef>
+      <a:effectRef idx="2">
+        <a:scrgbClr r="0" g="0" b="0"/>
+      </a:effectRef>
+      <a:fontRef idx="minor">
+        <a:schemeClr val="lt1"/>
+      </a:fontRef>
+    </dgm:style>
+  </dgm:styleLbl>
+  <dgm:styleLbl name="node3">
+    <dgm:scene3d>
+      <a:camera prst="orthographicFront"/>
+      <a:lightRig rig="threePt" dir="t"/>
+    </dgm:scene3d>
+    <dgm:sp3d/>
+    <dgm:txPr/>
+    <dgm:style>
+      <a:lnRef idx="0">
+        <a:scrgbClr r="0" g="0" b="0"/>
+      </a:lnRef>
+      <a:fillRef idx="3">
+        <a:scrgbClr r="0" g="0" b="0"/>
+      </a:fillRef>
+      <a:effectRef idx="2">
+        <a:scrgbClr r="0" g="0" b="0"/>
+      </a:effectRef>
+      <a:fontRef idx="minor">
+        <a:schemeClr val="lt1"/>
+      </a:fontRef>
+    </dgm:style>
+  </dgm:styleLbl>
+  <dgm:styleLbl name="node4">
+    <dgm:scene3d>
+      <a:camera prst="orthographicFront"/>
+      <a:lightRig rig="threePt" dir="t"/>
+    </dgm:scene3d>
+    <dgm:sp3d/>
+    <dgm:txPr/>
+    <dgm:style>
+      <a:lnRef idx="0">
+        <a:scrgbClr r="0" g="0" b="0"/>
+      </a:lnRef>
+      <a:fillRef idx="3">
+        <a:scrgbClr r="0" g="0" b="0"/>
+      </a:fillRef>
+      <a:effectRef idx="2">
+        <a:scrgbClr r="0" g="0" b="0"/>
+      </a:effectRef>
+      <a:fontRef idx="minor">
+        <a:schemeClr val="lt1"/>
+      </a:fontRef>
+    </dgm:style>
+  </dgm:styleLbl>
+  <dgm:styleLbl name="fgImgPlace1">
+    <dgm:scene3d>
+      <a:camera prst="orthographicFront"/>
+      <a:lightRig rig="threePt" dir="t"/>
+    </dgm:scene3d>
+    <dgm:sp3d/>
+    <dgm:txPr/>
+    <dgm:style>
+      <a:lnRef idx="0">
+        <a:scrgbClr r="0" g="0" b="0"/>
+      </a:lnRef>
+      <a:fillRef idx="1">
+        <a:scrgbClr r="0" g="0" b="0"/>
+      </a:fillRef>
+      <a:effectRef idx="2">
+        <a:scrgbClr r="0" g="0" b="0"/>
+      </a:effectRef>
+      <a:fontRef idx="minor"/>
+    </dgm:style>
+  </dgm:styleLbl>
+  <dgm:styleLbl name="alignImgPlace1">
+    <dgm:scene3d>
+      <a:camera prst="orthographicFront"/>
+      <a:lightRig rig="threePt" dir="t"/>
+    </dgm:scene3d>
+    <dgm:sp3d/>
+    <dgm:txPr/>
+    <dgm:style>
+      <a:lnRef idx="0">
+        <a:scrgbClr r="0" g="0" b="0"/>
+      </a:lnRef>
+      <a:fillRef idx="1">
+        <a:scrgbClr r="0" g="0" b="0"/>
+      </a:fillRef>
+      <a:effectRef idx="2">
+        <a:scrgbClr r="0" g="0" b="0"/>
+      </a:effectRef>
+      <a:fontRef idx="minor"/>
+    </dgm:style>
+  </dgm:styleLbl>
+  <dgm:styleLbl name="bgImgPlace1">
+    <dgm:scene3d>
+      <a:camera prst="orthographicFront"/>
+      <a:lightRig rig="threePt" dir="t"/>
+    </dgm:scene3d>
+    <dgm:sp3d/>
+    <dgm:txPr/>
+    <dgm:style>
+      <a:lnRef idx="0">
+        <a:scrgbClr r="0" g="0" b="0"/>
+      </a:lnRef>
+      <a:fillRef idx="1">
+        <a:scrgbClr r="0" g="0" b="0"/>
+      </a:fillRef>
+      <a:effectRef idx="2">
+        <a:scrgbClr r="0" g="0" b="0"/>
+      </a:effectRef>
+      <a:fontRef idx="minor"/>
+    </dgm:style>
+  </dgm:styleLbl>
+  <dgm:styleLbl name="sibTrans2D1">
+    <dgm:scene3d>
+      <a:camera prst="orthographicFront"/>
+      <a:lightRig rig="threePt" dir="t"/>
+    </dgm:scene3d>
+    <dgm:sp3d/>
+    <dgm:txPr/>
+    <dgm:style>
+      <a:lnRef idx="0">
+        <a:scrgbClr r="0" g="0" b="0"/>
+      </a:lnRef>
+      <a:fillRef idx="3">
+        <a:scrgbClr r="0" g="0" b="0"/>
+      </a:fillRef>
+      <a:effectRef idx="2">
+        <a:scrgbClr r="0" g="0" b="0"/>
+      </a:effectRef>
+      <a:fontRef idx="minor">
+        <a:schemeClr val="lt1"/>
+      </a:fontRef>
+    </dgm:style>
+  </dgm:styleLbl>
+  <dgm:styleLbl name="fgSibTrans2D1">
+    <dgm:scene3d>
+      <a:camera prst="orthographicFront"/>
+      <a:lightRig rig="threePt" dir="t"/>
+    </dgm:scene3d>
+    <dgm:sp3d/>
+    <dgm:txPr/>
+    <dgm:style>
+      <a:lnRef idx="0">
+        <a:scrgbClr r="0" g="0" b="0"/>
+      </a:lnRef>
+      <a:fillRef idx="3">
+        <a:scrgbClr r="0" g="0" b="0"/>
+      </a:fillRef>
+      <a:effectRef idx="2">
+        <a:scrgbClr r="0" g="0" b="0"/>
+      </a:effectRef>
+      <a:fontRef idx="minor">
+        <a:schemeClr val="lt1"/>
+      </a:fontRef>
+    </dgm:style>
+  </dgm:styleLbl>
+  <dgm:styleLbl name="bgSibTrans2D1">
+    <dgm:scene3d>
+      <a:camera prst="orthographicFront"/>
+      <a:lightRig rig="threePt" dir="t"/>
+    </dgm:scene3d>
+    <dgm:sp3d/>
+    <dgm:txPr/>
+    <dgm:style>
+      <a:lnRef idx="0">
+        <a:scrgbClr r="0" g="0" b="0"/>
+      </a:lnRef>
+      <a:fillRef idx="3">
+        <a:scrgbClr r="0" g="0" b="0"/>
+      </a:fillRef>
+      <a:effectRef idx="2">
+        <a:scrgbClr r="0" g="0" b="0"/>
+      </a:effectRef>
+      <a:fontRef idx="minor">
+        <a:schemeClr val="lt1"/>
+      </a:fontRef>
+    </dgm:style>
+  </dgm:styleLbl>
+  <dgm:styleLbl name="sibTrans1D1">
+    <dgm:scene3d>
+      <a:camera prst="orthographicFront"/>
+      <a:lightRig rig="threePt" dir="t"/>
+    </dgm:scene3d>
+    <dgm:sp3d/>
+    <dgm:txPr/>
+    <dgm:style>
+      <a:lnRef idx="1">
+        <a:scrgbClr r="0" g="0" b="0"/>
+      </a:lnRef>
+      <a:fillRef idx="0">
+        <a:scrgbClr r="0" g="0" b="0"/>
+      </a:fillRef>
+      <a:effectRef idx="0">
+        <a:scrgbClr r="0" g="0" b="0"/>
+      </a:effectRef>
+      <a:fontRef idx="minor"/>
+    </dgm:style>
+  </dgm:styleLbl>
+  <dgm:styleLbl name="callout">
+    <dgm:scene3d>
+      <a:camera prst="orthographicFront"/>
+      <a:lightRig rig="threePt" dir="t"/>
+    </dgm:scene3d>
+    <dgm:sp3d/>
+    <dgm:txPr/>
+    <dgm:style>
+      <a:lnRef idx="2">
+        <a:scrgbClr r="0" g="0" b="0"/>
+      </a:lnRef>
+      <a:fillRef idx="1">
+        <a:scrgbClr r="0" g="0" b="0"/>
+      </a:fillRef>
+      <a:effectRef idx="1">
+        <a:scrgbClr r="0" g="0" b="0"/>
+      </a:effectRef>
+      <a:fontRef idx="minor"/>
+    </dgm:style>
+  </dgm:styleLbl>
+  <dgm:styleLbl name="asst0">
+    <dgm:scene3d>
+      <a:camera prst="orthographicFront"/>
+      <a:lightRig rig="threePt" dir="t"/>
+    </dgm:scene3d>
+    <dgm:sp3d/>
+    <dgm:txPr/>
+    <dgm:style>
+      <a:lnRef idx="0">
+        <a:scrgbClr r="0" g="0" b="0"/>
+      </a:lnRef>
+      <a:fillRef idx="3">
+        <a:scrgbClr r="0" g="0" b="0"/>
+      </a:fillRef>
+      <a:effectRef idx="2">
+        <a:scrgbClr r="0" g="0" b="0"/>
+      </a:effectRef>
+      <a:fontRef idx="minor">
+        <a:schemeClr val="lt1"/>
+      </a:fontRef>
+    </dgm:style>
+  </dgm:styleLbl>
+  <dgm:styleLbl name="asst1">
+    <dgm:scene3d>
+      <a:camera prst="orthographicFront"/>
+      <a:lightRig rig="threePt" dir="t"/>
+    </dgm:scene3d>
+    <dgm:sp3d/>
+    <dgm:txPr/>
+    <dgm:style>
+      <a:lnRef idx="0">
+        <a:scrgbClr r="0" g="0" b="0"/>
+      </a:lnRef>
+      <a:fillRef idx="3">
+        <a:scrgbClr r="0" g="0" b="0"/>
+      </a:fillRef>
+      <a:effectRef idx="2">
+        <a:scrgbClr r="0" g="0" b="0"/>
+      </a:effectRef>
+      <a:fontRef idx="minor">
+        <a:schemeClr val="lt1"/>
+      </a:fontRef>
+    </dgm:style>
+  </dgm:styleLbl>
+  <dgm:styleLbl name="asst2">
+    <dgm:scene3d>
+      <a:camera prst="orthographicFront"/>
+      <a:lightRig rig="threePt" dir="t"/>
+    </dgm:scene3d>
+    <dgm:sp3d/>
+    <dgm:txPr/>
+    <dgm:style>
+      <a:lnRef idx="0">
+        <a:scrgbClr r="0" g="0" b="0"/>
+      </a:lnRef>
+      <a:fillRef idx="3">
+        <a:scrgbClr r="0" g="0" b="0"/>
+      </a:fillRef>
+      <a:effectRef idx="2">
+        <a:scrgbClr r="0" g="0" b="0"/>
+      </a:effectRef>
+      <a:fontRef idx="minor">
+        <a:schemeClr val="lt1"/>
+      </a:fontRef>
+    </dgm:style>
+  </dgm:styleLbl>
+  <dgm:styleLbl name="asst3">
+    <dgm:scene3d>
+      <a:camera prst="orthographicFront"/>
+      <a:lightRig rig="threePt" dir="t"/>
+    </dgm:scene3d>
+    <dgm:sp3d/>
+    <dgm:txPr/>
+    <dgm:style>
+      <a:lnRef idx="0">
+        <a:scrgbClr r="0" g="0" b="0"/>
+      </a:lnRef>
+      <a:fillRef idx="3">
+        <a:scrgbClr r="0" g="0" b="0"/>
+      </a:fillRef>
+      <a:effectRef idx="2">
+        <a:scrgbClr r="0" g="0" b="0"/>
+      </a:effectRef>
+      <a:fontRef idx="minor">
+        <a:schemeClr val="lt1"/>
+      </a:fontRef>
+    </dgm:style>
+  </dgm:styleLbl>
+  <dgm:styleLbl name="asst4">
+    <dgm:scene3d>
+      <a:camera prst="orthographicFront"/>
+      <a:lightRig rig="threePt" dir="t"/>
+    </dgm:scene3d>
+    <dgm:sp3d/>
+    <dgm:txPr/>
+    <dgm:style>
+      <a:lnRef idx="0">
+        <a:scrgbClr r="0" g="0" b="0"/>
+      </a:lnRef>
+      <a:fillRef idx="3">
+        <a:scrgbClr r="0" g="0" b="0"/>
+      </a:fillRef>
+      <a:effectRef idx="2">
+        <a:scrgbClr r="0" g="0" b="0"/>
+      </a:effectRef>
+      <a:fontRef idx="minor">
+        <a:schemeClr val="lt1"/>
+      </a:fontRef>
+    </dgm:style>
+  </dgm:styleLbl>
+  <dgm:styleLbl name="parChTrans2D1">
+    <dgm:scene3d>
+      <a:camera prst="orthographicFront"/>
+      <a:lightRig rig="threePt" dir="t"/>
+    </dgm:scene3d>
+    <dgm:sp3d/>
+    <dgm:txPr/>
+    <dgm:style>
+      <a:lnRef idx="0">
+        <a:scrgbClr r="0" g="0" b="0"/>
+      </a:lnRef>
+      <a:fillRef idx="3">
+        <a:scrgbClr r="0" g="0" b="0"/>
+      </a:fillRef>
+      <a:effectRef idx="2">
+        <a:scrgbClr r="0" g="0" b="0"/>
+      </a:effectRef>
+      <a:fontRef idx="minor">
+        <a:schemeClr val="lt1"/>
+      </a:fontRef>
+    </dgm:style>
+  </dgm:styleLbl>
+  <dgm:styleLbl name="parChTrans2D2">
+    <dgm:scene3d>
+      <a:camera prst="orthographicFront"/>
+      <a:lightRig rig="threePt" dir="t"/>
+    </dgm:scene3d>
+    <dgm:sp3d/>
+    <dgm:txPr/>
+    <dgm:style>
+      <a:lnRef idx="0">
+        <a:scrgbClr r="0" g="0" b="0"/>
+      </a:lnRef>
+      <a:fillRef idx="3">
+        <a:scrgbClr r="0" g="0" b="0"/>
+      </a:fillRef>
+      <a:effectRef idx="2">
+        <a:scrgbClr r="0" g="0" b="0"/>
+      </a:effectRef>
+      <a:fontRef idx="minor">
+        <a:schemeClr val="lt1"/>
+      </a:fontRef>
+    </dgm:style>
+  </dgm:styleLbl>
+  <dgm:styleLbl name="parChTrans2D3">
+    <dgm:scene3d>
+      <a:camera prst="orthographicFront"/>
+      <a:lightRig rig="threePt" dir="t"/>
+    </dgm:scene3d>
+    <dgm:sp3d/>
+    <dgm:txPr/>
+    <dgm:style>
+      <a:lnRef idx="1">
+        <a:scrgbClr r="0" g="0" b="0"/>
+      </a:lnRef>
+      <a:fillRef idx="3">
+        <a:scrgbClr r="0" g="0" b="0"/>
+      </a:fillRef>
+      <a:effectRef idx="2">
+        <a:scrgbClr r="0" g="0" b="0"/>
+      </a:effectRef>
+      <a:fontRef idx="minor">
+        <a:schemeClr val="lt1"/>
+      </a:fontRef>
+    </dgm:style>
+  </dgm:styleLbl>
+  <dgm:styleLbl name="parChTrans2D4">
+    <dgm:scene3d>
+      <a:camera prst="orthographicFront"/>
+      <a:lightRig rig="threePt" dir="t"/>
+    </dgm:scene3d>
+    <dgm:sp3d/>
+    <dgm:txPr/>
+    <dgm:style>
+      <a:lnRef idx="1">
+        <a:scrgbClr r="0" g="0" b="0"/>
+      </a:lnRef>
+      <a:fillRef idx="3">
+        <a:scrgbClr r="0" g="0" b="0"/>
+      </a:fillRef>
+      <a:effectRef idx="2">
+        <a:scrgbClr r="0" g="0" b="0"/>
+      </a:effectRef>
+      <a:fontRef idx="minor">
+        <a:schemeClr val="lt1"/>
+      </a:fontRef>
+    </dgm:style>
+  </dgm:styleLbl>
+  <dgm:styleLbl name="parChTrans1D1">
+    <dgm:scene3d>
+      <a:camera prst="orthographicFront"/>
+      <a:lightRig rig="threePt" dir="t"/>
+    </dgm:scene3d>
+    <dgm:sp3d/>
+    <dgm:txPr/>
+    <dgm:style>
+      <a:lnRef idx="1">
+        <a:scrgbClr r="0" g="0" b="0"/>
+      </a:lnRef>
+      <a:fillRef idx="0">
+        <a:scrgbClr r="0" g="0" b="0"/>
+      </a:fillRef>
+      <a:effectRef idx="0">
+        <a:scrgbClr r="0" g="0" b="0"/>
+      </a:effectRef>
+      <a:fontRef idx="minor"/>
+    </dgm:style>
+  </dgm:styleLbl>
+  <dgm:styleLbl name="parChTrans1D2">
+    <dgm:scene3d>
+      <a:camera prst="orthographicFront"/>
+      <a:lightRig rig="threePt" dir="t"/>
+    </dgm:scene3d>
+    <dgm:sp3d/>
+    <dgm:txPr/>
+    <dgm:style>
+      <a:lnRef idx="1">
+        <a:scrgbClr r="0" g="0" b="0"/>
+      </a:lnRef>
+      <a:fillRef idx="0">
+        <a:scrgbClr r="0" g="0" b="0"/>
+      </a:fillRef>
+      <a:effectRef idx="0">
+        <a:scrgbClr r="0" g="0" b="0"/>
+      </a:effectRef>
+      <a:fontRef idx="minor"/>
+    </dgm:style>
+  </dgm:styleLbl>
+  <dgm:styleLbl name="parChTrans1D3">
+    <dgm:scene3d>
+      <a:camera prst="orthographicFront"/>
+      <a:lightRig rig="threePt" dir="t"/>
+    </dgm:scene3d>
+    <dgm:sp3d/>
+    <dgm:txPr/>
+    <dgm:style>
+      <a:lnRef idx="1">
+        <a:scrgbClr r="0" g="0" b="0"/>
+      </a:lnRef>
+      <a:fillRef idx="0">
+        <a:scrgbClr r="0" g="0" b="0"/>
+      </a:fillRef>
+      <a:effectRef idx="0">
+        <a:scrgbClr r="0" g="0" b="0"/>
+      </a:effectRef>
+      <a:fontRef idx="minor"/>
+    </dgm:style>
+  </dgm:styleLbl>
+  <dgm:styleLbl name="parChTrans1D4">
+    <dgm:scene3d>
+      <a:camera prst="orthographicFront"/>
+      <a:lightRig rig="threePt" dir="t"/>
+    </dgm:scene3d>
+    <dgm:sp3d/>
+    <dgm:txPr/>
+    <dgm:style>
+      <a:lnRef idx="1">
+        <a:scrgbClr r="0" g="0" b="0"/>
+      </a:lnRef>
+      <a:fillRef idx="0">
+        <a:scrgbClr r="0" g="0" b="0"/>
+      </a:fillRef>
+      <a:effectRef idx="0">
+        <a:scrgbClr r="0" g="0" b="0"/>
+      </a:effectRef>
+      <a:fontRef idx="minor"/>
+    </dgm:style>
+  </dgm:styleLbl>
+  <dgm:styleLbl name="fgAcc1">
+    <dgm:scene3d>
+      <a:camera prst="orthographicFront"/>
+      <a:lightRig rig="threePt" dir="t"/>
+    </dgm:scene3d>
+    <dgm:sp3d/>
+    <dgm:txPr/>
+    <dgm:style>
+      <a:lnRef idx="1">
+        <a:scrgbClr r="0" g="0" b="0"/>
+      </a:lnRef>
+      <a:fillRef idx="1">
+        <a:scrgbClr r="0" g="0" b="0"/>
+      </a:fillRef>
+      <a:effectRef idx="0">
+        <a:scrgbClr r="0" g="0" b="0"/>
+      </a:effectRef>
+      <a:fontRef idx="minor"/>
+    </dgm:style>
+  </dgm:styleLbl>
+  <dgm:styleLbl name="conFgAcc1">
+    <dgm:scene3d>
+      <a:camera prst="orthographicFront"/>
+      <a:lightRig rig="threePt" dir="t"/>
+    </dgm:scene3d>
+    <dgm:sp3d/>
+    <dgm:txPr/>
+    <dgm:style>
+      <a:lnRef idx="1">
+        <a:scrgbClr r="0" g="0" b="0"/>
+      </a:lnRef>
+      <a:fillRef idx="1">
+        <a:scrgbClr r="0" g="0" b="0"/>
+      </a:fillRef>
+      <a:effectRef idx="0">
+        <a:scrgbClr r="0" g="0" b="0"/>
+      </a:effectRef>
+      <a:fontRef idx="minor"/>
+    </dgm:style>
+  </dgm:styleLbl>
+  <dgm:styleLbl name="alignAcc1">
+    <dgm:scene3d>
+      <a:camera prst="orthographicFront"/>
+      <a:lightRig rig="threePt" dir="t"/>
+    </dgm:scene3d>
+    <dgm:sp3d/>
+    <dgm:txPr/>
+    <dgm:style>
+      <a:lnRef idx="1">
+        <a:scrgbClr r="0" g="0" b="0"/>
+      </a:lnRef>
+      <a:fillRef idx="1">
+        <a:scrgbClr r="0" g="0" b="0"/>
+      </a:fillRef>
+      <a:effectRef idx="0">
+        <a:scrgbClr r="0" g="0" b="0"/>
+      </a:effectRef>
+      <a:fontRef idx="minor"/>
+    </dgm:style>
+  </dgm:styleLbl>
+  <dgm:styleLbl name="trAlignAcc1">
+    <dgm:scene3d>
+      <a:camera prst="orthographicFront"/>
+      <a:lightRig rig="threePt" dir="t"/>
+    </dgm:scene3d>
+    <dgm:sp3d/>
+    <dgm:txPr/>
+    <dgm:style>
+      <a:lnRef idx="1">
+        <a:scrgbClr r="0" g="0" b="0"/>
+      </a:lnRef>
+      <a:fillRef idx="1">
+        <a:scrgbClr r="0" g="0" b="0"/>
+      </a:fillRef>
+      <a:effectRef idx="0">
+        <a:scrgbClr r="0" g="0" b="0"/>
+      </a:effectRef>
+      <a:fontRef idx="minor"/>
+    </dgm:style>
+  </dgm:styleLbl>
+  <dgm:styleLbl name="bgAcc1">
+    <dgm:scene3d>
+      <a:camera prst="orthographicFront"/>
+      <a:lightRig rig="threePt" dir="t"/>
+    </dgm:scene3d>
+    <dgm:sp3d/>
+    <dgm:txPr/>
+    <dgm:style>
+      <a:lnRef idx="1">
+        <a:scrgbClr r="0" g="0" b="0"/>
+      </a:lnRef>
+      <a:fillRef idx="1">
+        <a:scrgbClr r="0" g="0" b="0"/>
+      </a:fillRef>
+      <a:effectRef idx="0">
+        <a:scrgbClr r="0" g="0" b="0"/>
+      </a:effectRef>
+      <a:fontRef idx="minor"/>
+    </dgm:style>
+  </dgm:styleLbl>
+  <dgm:styleLbl name="solidFgAcc1">
+    <dgm:scene3d>
+      <a:camera prst="orthographicFront"/>
+      <a:lightRig rig="threePt" dir="t"/>
+    </dgm:scene3d>
+    <dgm:sp3d/>
+    <dgm:txPr/>
+    <dgm:style>
+      <a:lnRef idx="1">
+        <a:scrgbClr r="0" g="0" b="0"/>
+      </a:lnRef>
+      <a:fillRef idx="1">
+        <a:scrgbClr r="0" g="0" b="0"/>
+      </a:fillRef>
+      <a:effectRef idx="0">
+        <a:scrgbClr r="0" g="0" b="0"/>
+      </a:effectRef>
+      <a:fontRef idx="minor"/>
+    </dgm:style>
+  </dgm:styleLbl>
+  <dgm:styleLbl name="solidAlignAcc1">
+    <dgm:scene3d>
+      <a:camera prst="orthographicFront"/>
+      <a:lightRig rig="threePt" dir="t"/>
+    </dgm:scene3d>
+    <dgm:sp3d/>
+    <dgm:txPr/>
+    <dgm:style>
+      <a:lnRef idx="1">
+        <a:scrgbClr r="0" g="0" b="0"/>
+      </a:lnRef>
+      <a:fillRef idx="1">
+        <a:scrgbClr r="0" g="0" b="0"/>
+      </a:fillRef>
+      <a:effectRef idx="0">
+        <a:scrgbClr r="0" g="0" b="0"/>
+      </a:effectRef>
+      <a:fontRef idx="minor"/>
+    </dgm:style>
+  </dgm:styleLbl>
+  <dgm:styleLbl name="solidBgAcc1">
+    <dgm:scene3d>
+      <a:camera prst="orthographicFront"/>
+      <a:lightRig rig="threePt" dir="t"/>
+    </dgm:scene3d>
+    <dgm:sp3d/>
+    <dgm:txPr/>
+    <dgm:style>
+      <a:lnRef idx="1">
+        <a:scrgbClr r="0" g="0" b="0"/>
+      </a:lnRef>
+      <a:fillRef idx="1">
+        <a:scrgbClr r="0" g="0" b="0"/>
+      </a:fillRef>
+      <a:effectRef idx="0">
+        <a:scrgbClr r="0" g="0" b="0"/>
+      </a:effectRef>
+      <a:fontRef idx="minor"/>
+    </dgm:style>
+  </dgm:styleLbl>
+  <dgm:styleLbl name="fgAccFollowNode1">
+    <dgm:scene3d>
+      <a:camera prst="orthographicFront"/>
+      <a:lightRig rig="threePt" dir="t"/>
+    </dgm:scene3d>
+    <dgm:sp3d/>
+    <dgm:txPr/>
+    <dgm:style>
+      <a:lnRef idx="1">
+        <a:scrgbClr r="0" g="0" b="0"/>
+      </a:lnRef>
+      <a:fillRef idx="1">
+        <a:scrgbClr r="0" g="0" b="0"/>
+      </a:fillRef>
+      <a:effectRef idx="0">
+        <a:scrgbClr r="0" g="0" b="0"/>
+      </a:effectRef>
+      <a:fontRef idx="minor"/>
+    </dgm:style>
+  </dgm:styleLbl>
+  <dgm:styleLbl name="alignAccFollowNode1">
+    <dgm:scene3d>
+      <a:camera prst="orthographicFront"/>
+      <a:lightRig rig="threePt" dir="t"/>
+    </dgm:scene3d>
+    <dgm:sp3d/>
+    <dgm:txPr/>
+    <dgm:style>
+      <a:lnRef idx="1">
+        <a:scrgbClr r="0" g="0" b="0"/>
+      </a:lnRef>
+      <a:fillRef idx="1">
+        <a:scrgbClr r="0" g="0" b="0"/>
+      </a:fillRef>
+      <a:effectRef idx="0">
+        <a:scrgbClr r="0" g="0" b="0"/>
+      </a:effectRef>
+      <a:fontRef idx="minor"/>
+    </dgm:style>
+  </dgm:styleLbl>
+  <dgm:styleLbl name="bgAccFollowNode1">
+    <dgm:scene3d>
+      <a:camera prst="orthographicFront"/>
+      <a:lightRig rig="threePt" dir="t"/>
+    </dgm:scene3d>
+    <dgm:sp3d/>
+    <dgm:txPr/>
+    <dgm:style>
+      <a:lnRef idx="1">
+        <a:scrgbClr r="0" g="0" b="0"/>
+      </a:lnRef>
+      <a:fillRef idx="1">
+        <a:scrgbClr r="0" g="0" b="0"/>
+      </a:fillRef>
+      <a:effectRef idx="0">
+        <a:scrgbClr r="0" g="0" b="0"/>
+      </a:effectRef>
+      <a:fontRef idx="minor"/>
+    </dgm:style>
+  </dgm:styleLbl>
+  <dgm:styleLbl name="fgAcc0">
+    <dgm:scene3d>
+      <a:camera prst="orthographicFront"/>
+      <a:lightRig rig="threePt" dir="t"/>
+    </dgm:scene3d>
+    <dgm:sp3d/>
+    <dgm:txPr/>
+    <dgm:style>
+      <a:lnRef idx="1">
+        <a:scrgbClr r="0" g="0" b="0"/>
+      </a:lnRef>
+      <a:fillRef idx="1">
+        <a:scrgbClr r="0" g="0" b="0"/>
+      </a:fillRef>
+      <a:effectRef idx="0">
+        <a:scrgbClr r="0" g="0" b="0"/>
+      </a:effectRef>
+      <a:fontRef idx="minor"/>
+    </dgm:style>
+  </dgm:styleLbl>
+  <dgm:styleLbl name="fgAcc2">
+    <dgm:scene3d>
+      <a:camera prst="orthographicFront"/>
+      <a:lightRig rig="threePt" dir="t"/>
+    </dgm:scene3d>
+    <dgm:sp3d/>
+    <dgm:txPr/>
+    <dgm:style>
+      <a:lnRef idx="1">
+        <a:scrgbClr r="0" g="0" b="0"/>
+      </a:lnRef>
+      <a:fillRef idx="1">
+        <a:scrgbClr r="0" g="0" b="0"/>
+      </a:fillRef>
+      <a:effectRef idx="0">
+        <a:scrgbClr r="0" g="0" b="0"/>
+      </a:effectRef>
+      <a:fontRef idx="minor"/>
+    </dgm:style>
+  </dgm:styleLbl>
+  <dgm:styleLbl name="fgAcc3">
+    <dgm:scene3d>
+      <a:camera prst="orthographicFront"/>
+      <a:lightRig rig="threePt" dir="t"/>
+    </dgm:scene3d>
+    <dgm:sp3d/>
+    <dgm:txPr/>
+    <dgm:style>
+      <a:lnRef idx="1">
+        <a:scrgbClr r="0" g="0" b="0"/>
+      </a:lnRef>
+      <a:fillRef idx="1">
+        <a:scrgbClr r="0" g="0" b="0"/>
+      </a:fillRef>
+      <a:effectRef idx="0">
+        <a:scrgbClr r="0" g="0" b="0"/>
+      </a:effectRef>
+      <a:fontRef idx="minor"/>
+    </dgm:style>
+  </dgm:styleLbl>
+  <dgm:styleLbl name="fgAcc4">
+    <dgm:scene3d>
+      <a:camera prst="orthographicFront"/>
+      <a:lightRig rig="threePt" dir="t"/>
+    </dgm:scene3d>
+    <dgm:sp3d/>
+    <dgm:txPr/>
+    <dgm:style>
+      <a:lnRef idx="1">
+        <a:scrgbClr r="0" g="0" b="0"/>
+      </a:lnRef>
+      <a:fillRef idx="1">
+        <a:scrgbClr r="0" g="0" b="0"/>
+      </a:fillRef>
+      <a:effectRef idx="0">
+        <a:scrgbClr r="0" g="0" b="0"/>
+      </a:effectRef>
+      <a:fontRef idx="minor"/>
+    </dgm:style>
+  </dgm:styleLbl>
+  <dgm:styleLbl name="bgShp">
+    <dgm:scene3d>
+      <a:camera prst="orthographicFront"/>
+      <a:lightRig rig="threePt" dir="t"/>
+    </dgm:scene3d>
+    <dgm:sp3d/>
+    <dgm:txPr/>
+    <dgm:style>
+      <a:lnRef idx="0">
+        <a:scrgbClr r="0" g="0" b="0"/>
+      </a:lnRef>
+      <a:fillRef idx="1">
+        <a:scrgbClr r="0" g="0" b="0"/>
+      </a:fillRef>
+      <a:effectRef idx="2">
+        <a:scrgbClr r="0" g="0" b="0"/>
+      </a:effectRef>
+      <a:fontRef idx="minor"/>
+    </dgm:style>
+  </dgm:styleLbl>
+  <dgm:styleLbl name="dkBgShp">
+    <dgm:scene3d>
+      <a:camera prst="orthographicFront"/>
+      <a:lightRig rig="threePt" dir="t"/>
+    </dgm:scene3d>
+    <dgm:sp3d/>
+    <dgm:txPr/>
+    <dgm:style>
+      <a:lnRef idx="0">
+        <a:scrgbClr r="0" g="0" b="0"/>
+      </a:lnRef>
+      <a:fillRef idx="1">
+        <a:scrgbClr r="0" g="0" b="0"/>
+      </a:fillRef>
+      <a:effectRef idx="2">
+        <a:scrgbClr r="0" g="0" b="0"/>
+      </a:effectRef>
+      <a:fontRef idx="minor"/>
+    </dgm:style>
+  </dgm:styleLbl>
+  <dgm:styleLbl name="trBgShp">
+    <dgm:scene3d>
+      <a:camera prst="orthographicFront"/>
+      <a:lightRig rig="threePt" dir="t"/>
+    </dgm:scene3d>
+    <dgm:sp3d/>
+    <dgm:txPr/>
+    <dgm:style>
+      <a:lnRef idx="0">
+        <a:scrgbClr r="0" g="0" b="0"/>
+      </a:lnRef>
+      <a:fillRef idx="1">
+        <a:scrgbClr r="0" g="0" b="0"/>
+      </a:fillRef>
+      <a:effectRef idx="0">
+        <a:scrgbClr r="0" g="0" b="0"/>
+      </a:effectRef>
+      <a:fontRef idx="minor"/>
+    </dgm:style>
+  </dgm:styleLbl>
+  <dgm:styleLbl name="fgShp">
+    <dgm:scene3d>
+      <a:camera prst="orthographicFront"/>
+      <a:lightRig rig="threePt" dir="t"/>
+    </dgm:scene3d>
+    <dgm:sp3d/>
+    <dgm:txPr/>
+    <dgm:style>
+      <a:lnRef idx="0">
+        <a:scrgbClr r="0" g="0" b="0"/>
+      </a:lnRef>
+      <a:fillRef idx="3">
+        <a:scrgbClr r="0" g="0" b="0"/>
+      </a:fillRef>
+      <a:effectRef idx="2">
+        <a:scrgbClr r="0" g="0" b="0"/>
+      </a:effectRef>
+      <a:fontRef idx="minor"/>
+    </dgm:style>
+  </dgm:styleLbl>
+  <dgm:styleLbl name="revTx">
+    <dgm:scene3d>
+      <a:camera prst="orthographicFront"/>
+      <a:lightRig rig="threePt" dir="t"/>
+    </dgm:scene3d>
+    <dgm:sp3d/>
+    <dgm:txPr/>
+    <dgm:style>
+      <a:lnRef idx="0">
+        <a:scrgbClr r="0" g="0" b="0"/>
+      </a:lnRef>
+      <a:fillRef idx="0">
+        <a:scrgbClr r="0" g="0" b="0"/>
+      </a:fillRef>
+      <a:effectRef idx="0">
+        <a:scrgbClr r="0" g="0" b="0"/>
+      </a:effectRef>
+      <a:fontRef idx="minor"/>
+    </dgm:style>
+  </dgm:styleLbl>
+</dgm:styleDef>
+</file>
+
 <file path=ppt/handoutMasters/handoutMaster1.xml><?xml version="1.0" encoding="utf-8"?>
 <p:handoutMaster xmlns:a="http://schemas.openxmlformats.org/drawingml/2006/main" xmlns:r="http://schemas.openxmlformats.org/officeDocument/2006/relationships" xmlns:p="http://schemas.openxmlformats.org/presentationml/2006/main">
   <p:cSld>
@@ -230,7 +2600,7 @@
           <a:p>
             <a:fld id="{768B4CF2-4684-44CC-97A9-720B51C696CF}" type="datetimeFigureOut">
               <a:rPr lang="en-GB" smtClean="0"/>
-              <a:t>05/06/2025</a:t>
+              <a:t>11/06/2025</a:t>
             </a:fld>
             <a:endParaRPr lang="en-GB"/>
           </a:p>
@@ -395,7 +2765,7 @@
           <a:p>
             <a:fld id="{7C29B44C-8D20-4202-A98C-6BD14F66B5AE}" type="datetimeFigureOut">
               <a:rPr lang="en-GB" smtClean="0"/>
-              <a:t>05/06/2025</a:t>
+              <a:t>11/06/2025</a:t>
             </a:fld>
             <a:endParaRPr lang="en-GB"/>
           </a:p>
@@ -779,122 +3149,6 @@
         <p:cNvPr id="1" name="">
           <a:extLst>
             <a:ext uri="{FF2B5EF4-FFF2-40B4-BE49-F238E27FC236}">
-              <a16:creationId xmlns:a16="http://schemas.microsoft.com/office/drawing/2014/main" id="{B6028203-D0C6-AB3C-4A69-023A01220774}"/>
-            </a:ext>
-          </a:extLst>
-        </p:cNvPr>
-        <p:cNvGrpSpPr/>
-        <p:nvPr/>
-      </p:nvGrpSpPr>
-      <p:grpSpPr>
-        <a:xfrm>
-          <a:off x="0" y="0"/>
-          <a:ext cx="0" cy="0"/>
-          <a:chOff x="0" y="0"/>
-          <a:chExt cx="0" cy="0"/>
-        </a:xfrm>
-      </p:grpSpPr>
-      <p:sp>
-        <p:nvSpPr>
-          <p:cNvPr id="2" name="Slide Image Placeholder 1">
-            <a:extLst>
-              <a:ext uri="{FF2B5EF4-FFF2-40B4-BE49-F238E27FC236}">
-                <a16:creationId xmlns:a16="http://schemas.microsoft.com/office/drawing/2014/main" id="{0A1DCA94-EEAD-1BC0-12FA-6055BC00330C}"/>
-              </a:ext>
-            </a:extLst>
-          </p:cNvPr>
-          <p:cNvSpPr>
-            <a:spLocks noGrp="1" noRot="1" noChangeAspect="1"/>
-          </p:cNvSpPr>
-          <p:nvPr>
-            <p:ph type="sldImg"/>
-          </p:nvPr>
-        </p:nvSpPr>
-        <p:spPr>
-          <a:xfrm>
-            <a:off x="685800" y="1143000"/>
-            <a:ext cx="5486400" cy="3086100"/>
-          </a:xfrm>
-        </p:spPr>
-      </p:sp>
-      <p:sp>
-        <p:nvSpPr>
-          <p:cNvPr id="3" name="Notes Placeholder 2">
-            <a:extLst>
-              <a:ext uri="{FF2B5EF4-FFF2-40B4-BE49-F238E27FC236}">
-                <a16:creationId xmlns:a16="http://schemas.microsoft.com/office/drawing/2014/main" id="{79FC58D1-CEC6-BAEC-64F8-2D132B7CA955}"/>
-              </a:ext>
-            </a:extLst>
-          </p:cNvPr>
-          <p:cNvSpPr>
-            <a:spLocks noGrp="1"/>
-          </p:cNvSpPr>
-          <p:nvPr>
-            <p:ph type="body" idx="1"/>
-          </p:nvPr>
-        </p:nvSpPr>
-        <p:spPr/>
-        <p:txBody>
-          <a:bodyPr/>
-          <a:lstStyle/>
-          <a:p>
-            <a:r>
-              <a:rPr lang="en-GB" dirty="0"/>
-              <a:t>On a sunny day, she walked through the forest, following a barely visible, winding path, which is a line that twisted and turned, painted by an artist.</a:t>
-            </a:r>
-          </a:p>
-        </p:txBody>
-      </p:sp>
-      <p:sp>
-        <p:nvSpPr>
-          <p:cNvPr id="4" name="Slide Number Placeholder 3">
-            <a:extLst>
-              <a:ext uri="{FF2B5EF4-FFF2-40B4-BE49-F238E27FC236}">
-                <a16:creationId xmlns:a16="http://schemas.microsoft.com/office/drawing/2014/main" id="{C13EC706-7433-600E-C407-B5CE8034B152}"/>
-              </a:ext>
-            </a:extLst>
-          </p:cNvPr>
-          <p:cNvSpPr>
-            <a:spLocks noGrp="1"/>
-          </p:cNvSpPr>
-          <p:nvPr>
-            <p:ph type="sldNum" sz="quarter" idx="5"/>
-          </p:nvPr>
-        </p:nvSpPr>
-        <p:spPr/>
-        <p:txBody>
-          <a:bodyPr/>
-          <a:lstStyle/>
-          <a:p>
-            <a:fld id="{58CF3599-848A-46DD-AD61-2AB44184B7A0}" type="slidenum">
-              <a:rPr lang="en-GB" smtClean="0"/>
-              <a:t>10</a:t>
-            </a:fld>
-            <a:endParaRPr lang="en-GB"/>
-          </a:p>
-        </p:txBody>
-      </p:sp>
-    </p:spTree>
-    <p:extLst>
-      <p:ext uri="{BB962C8B-B14F-4D97-AF65-F5344CB8AC3E}">
-        <p14:creationId xmlns:p14="http://schemas.microsoft.com/office/powerpoint/2010/main" val="1273356903"/>
-      </p:ext>
-    </p:extLst>
-  </p:cSld>
-  <p:clrMapOvr>
-    <a:masterClrMapping/>
-  </p:clrMapOvr>
-</p:notes>
-</file>
-
-<file path=ppt/notesSlides/notesSlide11.xml><?xml version="1.0" encoding="utf-8"?>
-<p:notes xmlns:a="http://schemas.openxmlformats.org/drawingml/2006/main" xmlns:r="http://schemas.openxmlformats.org/officeDocument/2006/relationships" xmlns:p="http://schemas.openxmlformats.org/presentationml/2006/main">
-  <p:cSld>
-    <p:spTree>
-      <p:nvGrpSpPr>
-        <p:cNvPr id="1" name="">
-          <a:extLst>
-            <a:ext uri="{FF2B5EF4-FFF2-40B4-BE49-F238E27FC236}">
               <a16:creationId xmlns:a16="http://schemas.microsoft.com/office/drawing/2014/main" id="{93C646D5-34DA-527A-8C34-735DD2B543DB}"/>
             </a:ext>
           </a:extLst>
@@ -984,7 +3238,7 @@
           <a:p>
             <a:fld id="{58CF3599-848A-46DD-AD61-2AB44184B7A0}" type="slidenum">
               <a:rPr lang="en-GB" smtClean="0"/>
-              <a:t>11</a:t>
+              <a:t>10</a:t>
             </a:fld>
             <a:endParaRPr lang="en-GB"/>
           </a:p>
@@ -1003,7 +3257,7 @@
 </p:notes>
 </file>
 
-<file path=ppt/notesSlides/notesSlide12.xml><?xml version="1.0" encoding="utf-8"?>
+<file path=ppt/notesSlides/notesSlide11.xml><?xml version="1.0" encoding="utf-8"?>
 <p:notes xmlns:a="http://schemas.openxmlformats.org/drawingml/2006/main" xmlns:r="http://schemas.openxmlformats.org/officeDocument/2006/relationships" xmlns:p="http://schemas.openxmlformats.org/presentationml/2006/main">
   <p:cSld>
     <p:spTree>
@@ -1100,7 +3354,7 @@
           <a:p>
             <a:fld id="{58CF3599-848A-46DD-AD61-2AB44184B7A0}" type="slidenum">
               <a:rPr lang="en-GB" smtClean="0"/>
-              <a:t>12</a:t>
+              <a:t>11</a:t>
             </a:fld>
             <a:endParaRPr lang="en-GB"/>
           </a:p>
@@ -1119,7 +3373,7 @@
 </p:notes>
 </file>
 
-<file path=ppt/notesSlides/notesSlide13.xml><?xml version="1.0" encoding="utf-8"?>
+<file path=ppt/notesSlides/notesSlide12.xml><?xml version="1.0" encoding="utf-8"?>
 <p:notes xmlns:a="http://schemas.openxmlformats.org/drawingml/2006/main" xmlns:r="http://schemas.openxmlformats.org/officeDocument/2006/relationships" xmlns:p="http://schemas.openxmlformats.org/presentationml/2006/main">
   <p:cSld>
     <p:spTree>
@@ -1216,7 +3470,7 @@
           <a:p>
             <a:fld id="{58CF3599-848A-46DD-AD61-2AB44184B7A0}" type="slidenum">
               <a:rPr lang="en-GB" smtClean="0"/>
-              <a:t>13</a:t>
+              <a:t>12</a:t>
             </a:fld>
             <a:endParaRPr lang="en-GB"/>
           </a:p>
@@ -1235,7 +3489,7 @@
 </p:notes>
 </file>
 
-<file path=ppt/notesSlides/notesSlide14.xml><?xml version="1.0" encoding="utf-8"?>
+<file path=ppt/notesSlides/notesSlide13.xml><?xml version="1.0" encoding="utf-8"?>
 <p:notes xmlns:a="http://schemas.openxmlformats.org/drawingml/2006/main" xmlns:r="http://schemas.openxmlformats.org/officeDocument/2006/relationships" xmlns:p="http://schemas.openxmlformats.org/presentationml/2006/main">
   <p:cSld>
     <p:spTree>
@@ -1329,7 +3583,7 @@
           <a:p>
             <a:fld id="{58CF3599-848A-46DD-AD61-2AB44184B7A0}" type="slidenum">
               <a:rPr lang="en-GB" smtClean="0"/>
-              <a:t>14</a:t>
+              <a:t>13</a:t>
             </a:fld>
             <a:endParaRPr lang="en-GB"/>
           </a:p>
@@ -1469,119 +3723,6 @@
         <p:cNvPr id="1" name="">
           <a:extLst>
             <a:ext uri="{FF2B5EF4-FFF2-40B4-BE49-F238E27FC236}">
-              <a16:creationId xmlns:a16="http://schemas.microsoft.com/office/drawing/2014/main" id="{330CD1ED-2EE9-A225-317F-9AB4BE5A75A9}"/>
-            </a:ext>
-          </a:extLst>
-        </p:cNvPr>
-        <p:cNvGrpSpPr/>
-        <p:nvPr/>
-      </p:nvGrpSpPr>
-      <p:grpSpPr>
-        <a:xfrm>
-          <a:off x="0" y="0"/>
-          <a:ext cx="0" cy="0"/>
-          <a:chOff x="0" y="0"/>
-          <a:chExt cx="0" cy="0"/>
-        </a:xfrm>
-      </p:grpSpPr>
-      <p:sp>
-        <p:nvSpPr>
-          <p:cNvPr id="2" name="Slide Image Placeholder 1">
-            <a:extLst>
-              <a:ext uri="{FF2B5EF4-FFF2-40B4-BE49-F238E27FC236}">
-                <a16:creationId xmlns:a16="http://schemas.microsoft.com/office/drawing/2014/main" id="{832AE2B6-AA66-07BE-EA7C-21F25474A728}"/>
-              </a:ext>
-            </a:extLst>
-          </p:cNvPr>
-          <p:cNvSpPr>
-            <a:spLocks noGrp="1" noRot="1" noChangeAspect="1"/>
-          </p:cNvSpPr>
-          <p:nvPr>
-            <p:ph type="sldImg"/>
-          </p:nvPr>
-        </p:nvSpPr>
-        <p:spPr>
-          <a:xfrm>
-            <a:off x="685800" y="1143000"/>
-            <a:ext cx="5486400" cy="3086100"/>
-          </a:xfrm>
-        </p:spPr>
-      </p:sp>
-      <p:sp>
-        <p:nvSpPr>
-          <p:cNvPr id="3" name="Notes Placeholder 2">
-            <a:extLst>
-              <a:ext uri="{FF2B5EF4-FFF2-40B4-BE49-F238E27FC236}">
-                <a16:creationId xmlns:a16="http://schemas.microsoft.com/office/drawing/2014/main" id="{FFBC50FA-4804-BE98-D607-17640311120C}"/>
-              </a:ext>
-            </a:extLst>
-          </p:cNvPr>
-          <p:cNvSpPr>
-            <a:spLocks noGrp="1"/>
-          </p:cNvSpPr>
-          <p:nvPr>
-            <p:ph type="body" idx="1"/>
-          </p:nvPr>
-        </p:nvSpPr>
-        <p:spPr/>
-        <p:txBody>
-          <a:bodyPr/>
-          <a:lstStyle/>
-          <a:p>
-            <a:endParaRPr lang="en-GB" dirty="0"/>
-          </a:p>
-        </p:txBody>
-      </p:sp>
-      <p:sp>
-        <p:nvSpPr>
-          <p:cNvPr id="4" name="Slide Number Placeholder 3">
-            <a:extLst>
-              <a:ext uri="{FF2B5EF4-FFF2-40B4-BE49-F238E27FC236}">
-                <a16:creationId xmlns:a16="http://schemas.microsoft.com/office/drawing/2014/main" id="{0D5769E8-672C-2FCE-992C-918908609766}"/>
-              </a:ext>
-            </a:extLst>
-          </p:cNvPr>
-          <p:cNvSpPr>
-            <a:spLocks noGrp="1"/>
-          </p:cNvSpPr>
-          <p:nvPr>
-            <p:ph type="sldNum" sz="quarter" idx="5"/>
-          </p:nvPr>
-        </p:nvSpPr>
-        <p:spPr/>
-        <p:txBody>
-          <a:bodyPr/>
-          <a:lstStyle/>
-          <a:p>
-            <a:fld id="{58CF3599-848A-46DD-AD61-2AB44184B7A0}" type="slidenum">
-              <a:rPr lang="en-GB" smtClean="0"/>
-              <a:t>3</a:t>
-            </a:fld>
-            <a:endParaRPr lang="en-GB"/>
-          </a:p>
-        </p:txBody>
-      </p:sp>
-    </p:spTree>
-    <p:extLst>
-      <p:ext uri="{BB962C8B-B14F-4D97-AF65-F5344CB8AC3E}">
-        <p14:creationId xmlns:p14="http://schemas.microsoft.com/office/powerpoint/2010/main" val="1961945452"/>
-      </p:ext>
-    </p:extLst>
-  </p:cSld>
-  <p:clrMapOvr>
-    <a:masterClrMapping/>
-  </p:clrMapOvr>
-</p:notes>
-</file>
-
-<file path=ppt/notesSlides/notesSlide4.xml><?xml version="1.0" encoding="utf-8"?>
-<p:notes xmlns:a="http://schemas.openxmlformats.org/drawingml/2006/main" xmlns:r="http://schemas.openxmlformats.org/officeDocument/2006/relationships" xmlns:p="http://schemas.openxmlformats.org/presentationml/2006/main">
-  <p:cSld>
-    <p:spTree>
-      <p:nvGrpSpPr>
-        <p:cNvPr id="1" name="">
-          <a:extLst>
-            <a:ext uri="{FF2B5EF4-FFF2-40B4-BE49-F238E27FC236}">
               <a16:creationId xmlns:a16="http://schemas.microsoft.com/office/drawing/2014/main" id="{643618BC-6591-EB23-A2FA-89365037704F}"/>
             </a:ext>
           </a:extLst>
@@ -1680,7 +3821,7 @@
           <a:p>
             <a:fld id="{58CF3599-848A-46DD-AD61-2AB44184B7A0}" type="slidenum">
               <a:rPr lang="en-GB" smtClean="0"/>
-              <a:t>4</a:t>
+              <a:t>3</a:t>
             </a:fld>
             <a:endParaRPr lang="en-GB"/>
           </a:p>
@@ -1699,7 +3840,7 @@
 </p:notes>
 </file>
 
-<file path=ppt/notesSlides/notesSlide5.xml><?xml version="1.0" encoding="utf-8"?>
+<file path=ppt/notesSlides/notesSlide4.xml><?xml version="1.0" encoding="utf-8"?>
 <p:notes xmlns:a="http://schemas.openxmlformats.org/drawingml/2006/main" xmlns:r="http://schemas.openxmlformats.org/officeDocument/2006/relationships" xmlns:p="http://schemas.openxmlformats.org/presentationml/2006/main">
   <p:cSld>
     <p:spTree>
@@ -1796,7 +3937,7 @@
           <a:p>
             <a:fld id="{58CF3599-848A-46DD-AD61-2AB44184B7A0}" type="slidenum">
               <a:rPr lang="en-GB" smtClean="0"/>
-              <a:t>5</a:t>
+              <a:t>4</a:t>
             </a:fld>
             <a:endParaRPr lang="en-GB"/>
           </a:p>
@@ -1815,7 +3956,7 @@
 </p:notes>
 </file>
 
-<file path=ppt/notesSlides/notesSlide6.xml><?xml version="1.0" encoding="utf-8"?>
+<file path=ppt/notesSlides/notesSlide5.xml><?xml version="1.0" encoding="utf-8"?>
 <p:notes xmlns:a="http://schemas.openxmlformats.org/drawingml/2006/main" xmlns:r="http://schemas.openxmlformats.org/officeDocument/2006/relationships" xmlns:p="http://schemas.openxmlformats.org/presentationml/2006/main">
   <p:cSld>
     <p:spTree>
@@ -1912,7 +4053,7 @@
           <a:p>
             <a:fld id="{58CF3599-848A-46DD-AD61-2AB44184B7A0}" type="slidenum">
               <a:rPr lang="en-GB" smtClean="0"/>
-              <a:t>6</a:t>
+              <a:t>5</a:t>
             </a:fld>
             <a:endParaRPr lang="en-GB"/>
           </a:p>
@@ -1931,7 +4072,7 @@
 </p:notes>
 </file>
 
-<file path=ppt/notesSlides/notesSlide7.xml><?xml version="1.0" encoding="utf-8"?>
+<file path=ppt/notesSlides/notesSlide6.xml><?xml version="1.0" encoding="utf-8"?>
 <p:notes xmlns:a="http://schemas.openxmlformats.org/drawingml/2006/main" xmlns:r="http://schemas.openxmlformats.org/officeDocument/2006/relationships" xmlns:p="http://schemas.openxmlformats.org/presentationml/2006/main">
   <p:cSld>
     <p:spTree>
@@ -2028,7 +4169,7 @@
           <a:p>
             <a:fld id="{58CF3599-848A-46DD-AD61-2AB44184B7A0}" type="slidenum">
               <a:rPr lang="en-GB" smtClean="0"/>
-              <a:t>7</a:t>
+              <a:t>6</a:t>
             </a:fld>
             <a:endParaRPr lang="en-GB"/>
           </a:p>
@@ -2047,7 +4188,7 @@
 </p:notes>
 </file>
 
-<file path=ppt/notesSlides/notesSlide8.xml><?xml version="1.0" encoding="utf-8"?>
+<file path=ppt/notesSlides/notesSlide7.xml><?xml version="1.0" encoding="utf-8"?>
 <p:notes xmlns:a="http://schemas.openxmlformats.org/drawingml/2006/main" xmlns:r="http://schemas.openxmlformats.org/officeDocument/2006/relationships" xmlns:p="http://schemas.openxmlformats.org/presentationml/2006/main">
   <p:cSld>
     <p:spTree>
@@ -2144,7 +4285,7 @@
           <a:p>
             <a:fld id="{58CF3599-848A-46DD-AD61-2AB44184B7A0}" type="slidenum">
               <a:rPr lang="en-GB" smtClean="0"/>
-              <a:t>8</a:t>
+              <a:t>7</a:t>
             </a:fld>
             <a:endParaRPr lang="en-GB"/>
           </a:p>
@@ -2163,7 +4304,7 @@
 </p:notes>
 </file>
 
-<file path=ppt/notesSlides/notesSlide9.xml><?xml version="1.0" encoding="utf-8"?>
+<file path=ppt/notesSlides/notesSlide8.xml><?xml version="1.0" encoding="utf-8"?>
 <p:notes xmlns:a="http://schemas.openxmlformats.org/drawingml/2006/main" xmlns:r="http://schemas.openxmlformats.org/officeDocument/2006/relationships" xmlns:p="http://schemas.openxmlformats.org/presentationml/2006/main">
   <p:cSld>
     <p:spTree>
@@ -2260,7 +4401,7 @@
           <a:p>
             <a:fld id="{58CF3599-848A-46DD-AD61-2AB44184B7A0}" type="slidenum">
               <a:rPr lang="en-GB" smtClean="0"/>
-              <a:t>9</a:t>
+              <a:t>8</a:t>
             </a:fld>
             <a:endParaRPr lang="en-GB"/>
           </a:p>
@@ -2270,6 +4411,122 @@
     <p:extLst>
       <p:ext uri="{BB962C8B-B14F-4D97-AF65-F5344CB8AC3E}">
         <p14:creationId xmlns:p14="http://schemas.microsoft.com/office/powerpoint/2010/main" val="4212861402"/>
+      </p:ext>
+    </p:extLst>
+  </p:cSld>
+  <p:clrMapOvr>
+    <a:masterClrMapping/>
+  </p:clrMapOvr>
+</p:notes>
+</file>
+
+<file path=ppt/notesSlides/notesSlide9.xml><?xml version="1.0" encoding="utf-8"?>
+<p:notes xmlns:a="http://schemas.openxmlformats.org/drawingml/2006/main" xmlns:r="http://schemas.openxmlformats.org/officeDocument/2006/relationships" xmlns:p="http://schemas.openxmlformats.org/presentationml/2006/main">
+  <p:cSld>
+    <p:spTree>
+      <p:nvGrpSpPr>
+        <p:cNvPr id="1" name="">
+          <a:extLst>
+            <a:ext uri="{FF2B5EF4-FFF2-40B4-BE49-F238E27FC236}">
+              <a16:creationId xmlns:a16="http://schemas.microsoft.com/office/drawing/2014/main" id="{B6028203-D0C6-AB3C-4A69-023A01220774}"/>
+            </a:ext>
+          </a:extLst>
+        </p:cNvPr>
+        <p:cNvGrpSpPr/>
+        <p:nvPr/>
+      </p:nvGrpSpPr>
+      <p:grpSpPr>
+        <a:xfrm>
+          <a:off x="0" y="0"/>
+          <a:ext cx="0" cy="0"/>
+          <a:chOff x="0" y="0"/>
+          <a:chExt cx="0" cy="0"/>
+        </a:xfrm>
+      </p:grpSpPr>
+      <p:sp>
+        <p:nvSpPr>
+          <p:cNvPr id="2" name="Slide Image Placeholder 1">
+            <a:extLst>
+              <a:ext uri="{FF2B5EF4-FFF2-40B4-BE49-F238E27FC236}">
+                <a16:creationId xmlns:a16="http://schemas.microsoft.com/office/drawing/2014/main" id="{0A1DCA94-EEAD-1BC0-12FA-6055BC00330C}"/>
+              </a:ext>
+            </a:extLst>
+          </p:cNvPr>
+          <p:cNvSpPr>
+            <a:spLocks noGrp="1" noRot="1" noChangeAspect="1"/>
+          </p:cNvSpPr>
+          <p:nvPr>
+            <p:ph type="sldImg"/>
+          </p:nvPr>
+        </p:nvSpPr>
+        <p:spPr>
+          <a:xfrm>
+            <a:off x="685800" y="1143000"/>
+            <a:ext cx="5486400" cy="3086100"/>
+          </a:xfrm>
+        </p:spPr>
+      </p:sp>
+      <p:sp>
+        <p:nvSpPr>
+          <p:cNvPr id="3" name="Notes Placeholder 2">
+            <a:extLst>
+              <a:ext uri="{FF2B5EF4-FFF2-40B4-BE49-F238E27FC236}">
+                <a16:creationId xmlns:a16="http://schemas.microsoft.com/office/drawing/2014/main" id="{79FC58D1-CEC6-BAEC-64F8-2D132B7CA955}"/>
+              </a:ext>
+            </a:extLst>
+          </p:cNvPr>
+          <p:cNvSpPr>
+            <a:spLocks noGrp="1"/>
+          </p:cNvSpPr>
+          <p:nvPr>
+            <p:ph type="body" idx="1"/>
+          </p:nvPr>
+        </p:nvSpPr>
+        <p:spPr/>
+        <p:txBody>
+          <a:bodyPr/>
+          <a:lstStyle/>
+          <a:p>
+            <a:r>
+              <a:rPr lang="en-GB" dirty="0"/>
+              <a:t>On a sunny day, she walked through the forest, following a barely visible, winding path, which is a line that twisted and turned, painted by an artist.</a:t>
+            </a:r>
+          </a:p>
+        </p:txBody>
+      </p:sp>
+      <p:sp>
+        <p:nvSpPr>
+          <p:cNvPr id="4" name="Slide Number Placeholder 3">
+            <a:extLst>
+              <a:ext uri="{FF2B5EF4-FFF2-40B4-BE49-F238E27FC236}">
+                <a16:creationId xmlns:a16="http://schemas.microsoft.com/office/drawing/2014/main" id="{C13EC706-7433-600E-C407-B5CE8034B152}"/>
+              </a:ext>
+            </a:extLst>
+          </p:cNvPr>
+          <p:cNvSpPr>
+            <a:spLocks noGrp="1"/>
+          </p:cNvSpPr>
+          <p:nvPr>
+            <p:ph type="sldNum" sz="quarter" idx="5"/>
+          </p:nvPr>
+        </p:nvSpPr>
+        <p:spPr/>
+        <p:txBody>
+          <a:bodyPr/>
+          <a:lstStyle/>
+          <a:p>
+            <a:fld id="{58CF3599-848A-46DD-AD61-2AB44184B7A0}" type="slidenum">
+              <a:rPr lang="en-GB" smtClean="0"/>
+              <a:t>9</a:t>
+            </a:fld>
+            <a:endParaRPr lang="en-GB"/>
+          </a:p>
+        </p:txBody>
+      </p:sp>
+    </p:spTree>
+    <p:extLst>
+      <p:ext uri="{BB962C8B-B14F-4D97-AF65-F5344CB8AC3E}">
+        <p14:creationId xmlns:p14="http://schemas.microsoft.com/office/powerpoint/2010/main" val="1273356903"/>
       </p:ext>
     </p:extLst>
   </p:cSld>
@@ -2410,7 +4667,7 @@
           <a:p>
             <a:fld id="{B10C2946-0780-4143-84D8-9F24BBA41D04}" type="datetime1">
               <a:rPr lang="en-GB" smtClean="0"/>
-              <a:t>05/06/2025</a:t>
+              <a:t>11/06/2025</a:t>
             </a:fld>
             <a:endParaRPr lang="en-GB"/>
           </a:p>
@@ -2575,7 +4832,7 @@
           <a:p>
             <a:fld id="{450F5D1F-7EAA-4D37-BBAC-F496849E7F9E}" type="datetime1">
               <a:rPr lang="en-GB" smtClean="0"/>
-              <a:t>05/06/2025</a:t>
+              <a:t>11/06/2025</a:t>
             </a:fld>
             <a:endParaRPr lang="en-GB"/>
           </a:p>
@@ -2750,7 +5007,7 @@
           <a:p>
             <a:fld id="{CFF3D873-42C4-4355-B6E0-2204B595794B}" type="datetime1">
               <a:rPr lang="en-GB" smtClean="0"/>
-              <a:t>05/06/2025</a:t>
+              <a:t>11/06/2025</a:t>
             </a:fld>
             <a:endParaRPr lang="en-GB"/>
           </a:p>
@@ -2915,7 +5172,7 @@
           <a:p>
             <a:fld id="{41AC8B85-C5BF-4E13-92B4-41144B61F9A2}" type="datetime1">
               <a:rPr lang="en-GB" smtClean="0"/>
-              <a:t>05/06/2025</a:t>
+              <a:t>11/06/2025</a:t>
             </a:fld>
             <a:endParaRPr lang="en-GB"/>
           </a:p>
@@ -3191,7 +5448,7 @@
           <a:p>
             <a:fld id="{4C4B25A2-A77A-4222-8DD7-7B61E208A5FC}" type="datetime1">
               <a:rPr lang="en-GB" smtClean="0"/>
-              <a:t>05/06/2025</a:t>
+              <a:t>11/06/2025</a:t>
             </a:fld>
             <a:endParaRPr lang="en-GB"/>
           </a:p>
@@ -3418,7 +5675,7 @@
           <a:p>
             <a:fld id="{AF35060C-7F52-45B8-BC7F-ACBE18FCBEC3}" type="datetime1">
               <a:rPr lang="en-GB" smtClean="0"/>
-              <a:t>05/06/2025</a:t>
+              <a:t>11/06/2025</a:t>
             </a:fld>
             <a:endParaRPr lang="en-GB"/>
           </a:p>
@@ -3780,7 +6037,7 @@
           <a:p>
             <a:fld id="{9BC0A0DF-C8DD-4276-BE96-FD0449040714}" type="datetime1">
               <a:rPr lang="en-GB" smtClean="0"/>
-              <a:t>05/06/2025</a:t>
+              <a:t>11/06/2025</a:t>
             </a:fld>
             <a:endParaRPr lang="en-GB"/>
           </a:p>
@@ -3893,7 +6150,7 @@
           <a:p>
             <a:fld id="{0AC8BB42-E2B6-420C-804A-2F6403814C41}" type="datetime1">
               <a:rPr lang="en-GB" smtClean="0"/>
-              <a:t>05/06/2025</a:t>
+              <a:t>11/06/2025</a:t>
             </a:fld>
             <a:endParaRPr lang="en-GB"/>
           </a:p>
@@ -3983,7 +6240,7 @@
           <a:p>
             <a:fld id="{34BB551C-EA5B-4FCB-A522-914F4E0BC49E}" type="datetime1">
               <a:rPr lang="en-GB" smtClean="0"/>
-              <a:t>05/06/2025</a:t>
+              <a:t>11/06/2025</a:t>
             </a:fld>
             <a:endParaRPr lang="en-GB"/>
           </a:p>
@@ -4255,7 +6512,7 @@
           <a:p>
             <a:fld id="{4131ABAD-E317-4D83-A1B5-C5568C2C5834}" type="datetime1">
               <a:rPr lang="en-GB" smtClean="0"/>
-              <a:t>05/06/2025</a:t>
+              <a:t>11/06/2025</a:t>
             </a:fld>
             <a:endParaRPr lang="en-GB"/>
           </a:p>
@@ -4503,7 +6760,7 @@
           <a:p>
             <a:fld id="{052B18C8-5A6F-495B-A47F-DE2DCC55E257}" type="datetime1">
               <a:rPr lang="en-GB" smtClean="0"/>
-              <a:t>05/06/2025</a:t>
+              <a:t>11/06/2025</a:t>
             </a:fld>
             <a:endParaRPr lang="en-GB"/>
           </a:p>
@@ -4711,7 +6968,7 @@
           <a:p>
             <a:fld id="{E72D6CE6-0D3B-45D0-96D4-A937637DF48E}" type="datetime1">
               <a:rPr lang="en-GB" smtClean="0"/>
-              <a:t>05/06/2025</a:t>
+              <a:t>11/06/2025</a:t>
             </a:fld>
             <a:endParaRPr lang="en-GB"/>
           </a:p>
@@ -5233,8 +7490,8 @@
         </p:nvSpPr>
         <p:spPr>
           <a:xfrm>
-            <a:off x="1040523" y="1377606"/>
-            <a:ext cx="10678511" cy="2173031"/>
+            <a:off x="1145626" y="736465"/>
+            <a:ext cx="10678511" cy="2157707"/>
           </a:xfrm>
           <a:prstGeom prst="rect">
             <a:avLst/>
@@ -5261,7 +7518,7 @@
                 <a:ea typeface="Aptos" panose="020B0004020202020204" pitchFamily="34" charset="0"/>
                 <a:cs typeface="Times New Roman" panose="02020603050405020304" pitchFamily="18" charset="0"/>
               </a:rPr>
-              <a:t>If you haven’t download R studio, come to me NOW!</a:t>
+              <a:t>Please:</a:t>
             </a:r>
           </a:p>
           <a:p>
@@ -5296,7 +7553,7 @@
                 <a:latin typeface="Times New Roman" panose="02020603050405020304" pitchFamily="18" charset="0"/>
                 <a:cs typeface="Times New Roman" panose="02020603050405020304" pitchFamily="18" charset="0"/>
               </a:rPr>
-              <a:t>Open the slides and the code files for the first part</a:t>
+              <a:t>Open the slides and the code files of basic R</a:t>
             </a:r>
             <a:endParaRPr lang="en-GB" sz="3600" b="1" kern="100" dirty="0">
               <a:latin typeface="Times New Roman" panose="02020603050405020304" pitchFamily="18" charset="0"/>
@@ -5327,7 +7584,7 @@
         <p:cNvPr id="1" name="">
           <a:extLst>
             <a:ext uri="{FF2B5EF4-FFF2-40B4-BE49-F238E27FC236}">
-              <a16:creationId xmlns:a16="http://schemas.microsoft.com/office/drawing/2014/main" id="{3B934B8E-7660-0969-15F9-FA385C6E0D46}"/>
+              <a16:creationId xmlns:a16="http://schemas.microsoft.com/office/drawing/2014/main" id="{024F0D6C-8D22-5110-B05C-093077AFC965}"/>
             </a:ext>
           </a:extLst>
         </p:cNvPr>
@@ -5344,10 +7601,54 @@
       </p:grpSpPr>
       <p:sp>
         <p:nvSpPr>
+          <p:cNvPr id="6" name="Rectangle 5">
+            <a:extLst>
+              <a:ext uri="{FF2B5EF4-FFF2-40B4-BE49-F238E27FC236}">
+                <a16:creationId xmlns:a16="http://schemas.microsoft.com/office/drawing/2014/main" id="{C2A934F6-E78A-1D3A-C625-48A21CEA07BD}"/>
+              </a:ext>
+            </a:extLst>
+          </p:cNvPr>
+          <p:cNvSpPr/>
+          <p:nvPr/>
+        </p:nvSpPr>
+        <p:spPr>
+          <a:xfrm>
+            <a:off x="3510721" y="1347952"/>
+            <a:ext cx="8374384" cy="4870936"/>
+          </a:xfrm>
+          <a:prstGeom prst="rect">
+            <a:avLst/>
+          </a:prstGeom>
+        </p:spPr>
+        <p:style>
+          <a:lnRef idx="2">
+            <a:schemeClr val="accent6"/>
+          </a:lnRef>
+          <a:fillRef idx="1">
+            <a:schemeClr val="lt1"/>
+          </a:fillRef>
+          <a:effectRef idx="0">
+            <a:schemeClr val="accent6"/>
+          </a:effectRef>
+          <a:fontRef idx="minor">
+            <a:schemeClr val="dk1"/>
+          </a:fontRef>
+        </p:style>
+        <p:txBody>
+          <a:bodyPr rtlCol="0" anchor="ctr"/>
+          <a:lstStyle/>
+          <a:p>
+            <a:pPr algn="ctr"/>
+            <a:endParaRPr lang="en-GB" dirty="0"/>
+          </a:p>
+        </p:txBody>
+      </p:sp>
+      <p:sp>
+        <p:nvSpPr>
           <p:cNvPr id="4" name="Slide Number Placeholder 3">
             <a:extLst>
               <a:ext uri="{FF2B5EF4-FFF2-40B4-BE49-F238E27FC236}">
-                <a16:creationId xmlns:a16="http://schemas.microsoft.com/office/drawing/2014/main" id="{EEA4AAB8-6D36-7126-2434-0F4A4C44F25C}"/>
+                <a16:creationId xmlns:a16="http://schemas.microsoft.com/office/drawing/2014/main" id="{2F3C7540-B3C7-1B69-3B11-3831D8B4B365}"/>
               </a:ext>
             </a:extLst>
           </p:cNvPr>
@@ -5376,7 +7677,7 @@
           <p:cNvPr id="3" name="TextBox 2">
             <a:extLst>
               <a:ext uri="{FF2B5EF4-FFF2-40B4-BE49-F238E27FC236}">
-                <a16:creationId xmlns:a16="http://schemas.microsoft.com/office/drawing/2014/main" id="{F0F2C2EB-2065-4E80-F71A-95B36B443B08}"/>
+                <a16:creationId xmlns:a16="http://schemas.microsoft.com/office/drawing/2014/main" id="{D8B20E6F-5178-9A58-4F01-42C4030A58ED}"/>
               </a:ext>
             </a:extLst>
           </p:cNvPr>
@@ -5386,7 +7687,7 @@
         <p:spPr>
           <a:xfrm>
             <a:off x="117975" y="396986"/>
-            <a:ext cx="5252811" cy="808619"/>
+            <a:ext cx="7607128" cy="808619"/>
           </a:xfrm>
           <a:prstGeom prst="rect">
             <a:avLst/>
@@ -5414,7 +7715,157 @@
                 <a:ea typeface="Aptos" panose="020B0004020202020204" pitchFamily="34" charset="0"/>
                 <a:cs typeface="Times New Roman" panose="02020603050405020304" pitchFamily="18" charset="0"/>
               </a:rPr>
-              <a:t>3. Play with dataset</a:t>
+              <a:t>Task 2: customize your dataset</a:t>
+            </a:r>
+          </a:p>
+        </p:txBody>
+      </p:sp>
+      <p:sp>
+        <p:nvSpPr>
+          <p:cNvPr id="12" name="TextBox 11">
+            <a:extLst>
+              <a:ext uri="{FF2B5EF4-FFF2-40B4-BE49-F238E27FC236}">
+                <a16:creationId xmlns:a16="http://schemas.microsoft.com/office/drawing/2014/main" id="{F5AC084D-C83F-89F8-E8A1-74634370DD24}"/>
+              </a:ext>
+            </a:extLst>
+          </p:cNvPr>
+          <p:cNvSpPr txBox="1"/>
+          <p:nvPr/>
+        </p:nvSpPr>
+        <p:spPr>
+          <a:xfrm>
+            <a:off x="3921539" y="1792871"/>
+            <a:ext cx="7246664" cy="3539430"/>
+          </a:xfrm>
+          <a:prstGeom prst="rect">
+            <a:avLst/>
+          </a:prstGeom>
+          <a:noFill/>
+        </p:spPr>
+        <p:txBody>
+          <a:bodyPr wrap="none" rtlCol="0">
+            <a:spAutoFit/>
+          </a:bodyPr>
+          <a:lstStyle/>
+          <a:p>
+            <a:pPr marL="514350" indent="-514350">
+              <a:buAutoNum type="arabicPeriod"/>
+            </a:pPr>
+            <a:r>
+              <a:rPr lang="en-GB" sz="3200" dirty="0">
+                <a:latin typeface="Times New Roman" panose="02020603050405020304" pitchFamily="18" charset="0"/>
+                <a:cs typeface="Times New Roman" panose="02020603050405020304" pitchFamily="18" charset="0"/>
+              </a:rPr>
+              <a:t>Read ‘</a:t>
+            </a:r>
+            <a:r>
+              <a:rPr lang="en-GB" sz="3200" dirty="0" err="1">
+                <a:latin typeface="Times New Roman" panose="02020603050405020304" pitchFamily="18" charset="0"/>
+                <a:cs typeface="Times New Roman" panose="02020603050405020304" pitchFamily="18" charset="0"/>
+              </a:rPr>
+              <a:t>psych_data</a:t>
+            </a:r>
+            <a:r>
+              <a:rPr lang="en-GB" sz="3200" dirty="0">
+                <a:latin typeface="Times New Roman" panose="02020603050405020304" pitchFamily="18" charset="0"/>
+                <a:cs typeface="Times New Roman" panose="02020603050405020304" pitchFamily="18" charset="0"/>
+              </a:rPr>
+              <a:t>’</a:t>
+            </a:r>
+          </a:p>
+          <a:p>
+            <a:pPr marL="514350" indent="-514350">
+              <a:buFontTx/>
+              <a:buAutoNum type="arabicPeriod"/>
+            </a:pPr>
+            <a:r>
+              <a:rPr lang="en-GB" sz="3200" dirty="0">
+                <a:latin typeface="Times New Roman" panose="02020603050405020304" pitchFamily="18" charset="0"/>
+                <a:cs typeface="Times New Roman" panose="02020603050405020304" pitchFamily="18" charset="0"/>
+              </a:rPr>
+              <a:t>Remove columns related to </a:t>
+            </a:r>
+            <a:r>
+              <a:rPr lang="en-GB" sz="3200" b="1" dirty="0">
+                <a:latin typeface="Times New Roman" panose="02020603050405020304" pitchFamily="18" charset="0"/>
+                <a:cs typeface="Times New Roman" panose="02020603050405020304" pitchFamily="18" charset="0"/>
+              </a:rPr>
+              <a:t>Task 2, age</a:t>
+            </a:r>
+            <a:endParaRPr lang="en-GB" sz="3200" dirty="0">
+              <a:latin typeface="Times New Roman" panose="02020603050405020304" pitchFamily="18" charset="0"/>
+              <a:cs typeface="Times New Roman" panose="02020603050405020304" pitchFamily="18" charset="0"/>
+            </a:endParaRPr>
+          </a:p>
+          <a:p>
+            <a:pPr marL="514350" indent="-514350">
+              <a:buAutoNum type="arabicPeriod"/>
+            </a:pPr>
+            <a:r>
+              <a:rPr lang="en-GB" sz="3200" dirty="0">
+                <a:latin typeface="Times New Roman" panose="02020603050405020304" pitchFamily="18" charset="0"/>
+                <a:cs typeface="Times New Roman" panose="02020603050405020304" pitchFamily="18" charset="0"/>
+              </a:rPr>
+              <a:t>Only keep </a:t>
+            </a:r>
+            <a:r>
+              <a:rPr lang="en-GB" sz="3200" b="1" dirty="0">
+                <a:latin typeface="Times New Roman" panose="02020603050405020304" pitchFamily="18" charset="0"/>
+                <a:cs typeface="Times New Roman" panose="02020603050405020304" pitchFamily="18" charset="0"/>
+              </a:rPr>
+              <a:t>accurate Task 1 </a:t>
+            </a:r>
+            <a:r>
+              <a:rPr lang="en-GB" sz="3200" dirty="0">
+                <a:latin typeface="Times New Roman" panose="02020603050405020304" pitchFamily="18" charset="0"/>
+                <a:cs typeface="Times New Roman" panose="02020603050405020304" pitchFamily="18" charset="0"/>
+              </a:rPr>
+              <a:t>data</a:t>
+            </a:r>
+          </a:p>
+          <a:p>
+            <a:pPr marL="514350" indent="-514350">
+              <a:buAutoNum type="arabicPeriod"/>
+            </a:pPr>
+            <a:r>
+              <a:rPr lang="en-GB" sz="3200" dirty="0">
+                <a:latin typeface="Times New Roman" panose="02020603050405020304" pitchFamily="18" charset="0"/>
+                <a:cs typeface="Times New Roman" panose="02020603050405020304" pitchFamily="18" charset="0"/>
+              </a:rPr>
+              <a:t>Delete the rows with NA</a:t>
+            </a:r>
+          </a:p>
+          <a:p>
+            <a:pPr marL="514350" indent="-514350">
+              <a:buAutoNum type="arabicPeriod"/>
+            </a:pPr>
+            <a:r>
+              <a:rPr lang="en-GB" sz="3200" dirty="0">
+                <a:latin typeface="Times New Roman" panose="02020603050405020304" pitchFamily="18" charset="0"/>
+                <a:cs typeface="Times New Roman" panose="02020603050405020304" pitchFamily="18" charset="0"/>
+              </a:rPr>
+              <a:t>Transfer this data to long format</a:t>
+            </a:r>
+          </a:p>
+          <a:p>
+            <a:pPr marL="514350" indent="-514350">
+              <a:buAutoNum type="arabicPeriod"/>
+            </a:pPr>
+            <a:r>
+              <a:rPr lang="en-GB" sz="3200" dirty="0">
+                <a:latin typeface="Times New Roman" panose="02020603050405020304" pitchFamily="18" charset="0"/>
+                <a:cs typeface="Times New Roman" panose="02020603050405020304" pitchFamily="18" charset="0"/>
+              </a:rPr>
+              <a:t>Reorder the column: </a:t>
+            </a:r>
+          </a:p>
+          <a:p>
+            <a:r>
+              <a:rPr lang="en-GB" sz="3200" dirty="0">
+                <a:latin typeface="Times New Roman" panose="02020603050405020304" pitchFamily="18" charset="0"/>
+                <a:cs typeface="Times New Roman" panose="02020603050405020304" pitchFamily="18" charset="0"/>
+              </a:rPr>
+              <a:t> subject-gender-wellbeing-score-RT</a:t>
             </a:r>
           </a:p>
         </p:txBody>
@@ -5424,7 +7875,7 @@
           <p:cNvPr id="19" name="Rectangle 18">
             <a:extLst>
               <a:ext uri="{FF2B5EF4-FFF2-40B4-BE49-F238E27FC236}">
-                <a16:creationId xmlns:a16="http://schemas.microsoft.com/office/drawing/2014/main" id="{4925C502-7A17-D8FD-76BC-F4B25D797FDA}"/>
+                <a16:creationId xmlns:a16="http://schemas.microsoft.com/office/drawing/2014/main" id="{33F7B7CF-7ABF-A241-A8FA-FB07846D0427}"/>
               </a:ext>
             </a:extLst>
           </p:cNvPr>
@@ -5473,7 +7924,7 @@
           <p:cNvPr id="20" name="TextBox 19">
             <a:extLst>
               <a:ext uri="{FF2B5EF4-FFF2-40B4-BE49-F238E27FC236}">
-                <a16:creationId xmlns:a16="http://schemas.microsoft.com/office/drawing/2014/main" id="{112082C1-B6A8-4417-C3D4-F8FA4B21C28D}"/>
+                <a16:creationId xmlns:a16="http://schemas.microsoft.com/office/drawing/2014/main" id="{CBEABAE6-428C-BB4A-E7F1-482A6B89B8B8}"/>
               </a:ext>
             </a:extLst>
           </p:cNvPr>
@@ -5535,7 +7986,7 @@
           <p:cNvPr id="21" name="TextBox 20">
             <a:extLst>
               <a:ext uri="{FF2B5EF4-FFF2-40B4-BE49-F238E27FC236}">
-                <a16:creationId xmlns:a16="http://schemas.microsoft.com/office/drawing/2014/main" id="{E1CF1381-FF75-8797-CAEE-A782704D159D}"/>
+                <a16:creationId xmlns:a16="http://schemas.microsoft.com/office/drawing/2014/main" id="{CB8F04AA-EE31-27FD-C90A-F22F4DE2D083}"/>
               </a:ext>
             </a:extLst>
           </p:cNvPr>
@@ -5565,16 +8016,14 @@
               <a:spcAft>
                 <a:spcPts val="800"/>
               </a:spcAft>
-              <a:buAutoNum type="arabicPeriod"/>
             </a:pPr>
             <a:r>
               <a:rPr lang="en-GB" sz="2800" b="1" kern="100" dirty="0">
-                <a:effectLst/>
                 <a:latin typeface="Times New Roman" panose="02020603050405020304" pitchFamily="18" charset="0"/>
                 <a:ea typeface="Aptos" panose="020B0004020202020204" pitchFamily="34" charset="0"/>
                 <a:cs typeface="Times New Roman" panose="02020603050405020304" pitchFamily="18" charset="0"/>
               </a:rPr>
-              <a:t>&lt;- : alt + -</a:t>
+              <a:t>1. run: ctrl + shift</a:t>
             </a:r>
           </a:p>
           <a:p>
@@ -5592,16 +8041,7 @@
                 <a:ea typeface="Aptos" panose="020B0004020202020204" pitchFamily="34" charset="0"/>
                 <a:cs typeface="Times New Roman" panose="02020603050405020304" pitchFamily="18" charset="0"/>
               </a:rPr>
-              <a:t>2. </a:t>
-            </a:r>
-            <a:r>
-              <a:rPr lang="en-GB" sz="2800" b="1" kern="100" dirty="0">
-                <a:effectLst/>
-                <a:latin typeface="Times New Roman" panose="02020603050405020304" pitchFamily="18" charset="0"/>
-                <a:ea typeface="Aptos" panose="020B0004020202020204" pitchFamily="34" charset="0"/>
-                <a:cs typeface="Times New Roman" panose="02020603050405020304" pitchFamily="18" charset="0"/>
-              </a:rPr>
-              <a:t>run: alt + shift</a:t>
+              <a:t>2. &lt;- : alt + -</a:t>
             </a:r>
           </a:p>
         </p:txBody>
@@ -5611,7 +8051,7 @@
           <p:cNvPr id="22" name="TextBox 21">
             <a:extLst>
               <a:ext uri="{FF2B5EF4-FFF2-40B4-BE49-F238E27FC236}">
-                <a16:creationId xmlns:a16="http://schemas.microsoft.com/office/drawing/2014/main" id="{DAE05228-6D23-19B8-BD0D-9F9B8825C0A1}"/>
+                <a16:creationId xmlns:a16="http://schemas.microsoft.com/office/drawing/2014/main" id="{3C1D9CE2-04FC-89D7-F2E4-979A552A344E}"/>
               </a:ext>
             </a:extLst>
           </p:cNvPr>
@@ -5664,7 +8104,7 @@
           <p:cNvPr id="23" name="TextBox 22">
             <a:extLst>
               <a:ext uri="{FF2B5EF4-FFF2-40B4-BE49-F238E27FC236}">
-                <a16:creationId xmlns:a16="http://schemas.microsoft.com/office/drawing/2014/main" id="{997CFBBC-CDB5-927E-CFA4-9E531A1BBDBD}"/>
+                <a16:creationId xmlns:a16="http://schemas.microsoft.com/office/drawing/2014/main" id="{DA13DA29-57B8-1353-4671-C9624F4CFD5D}"/>
               </a:ext>
             </a:extLst>
           </p:cNvPr>
@@ -5702,6 +8142,25 @@
                 <a:ea typeface="Aptos" panose="020B0004020202020204" pitchFamily="34" charset="0"/>
                 <a:cs typeface="Times New Roman" panose="02020603050405020304" pitchFamily="18" charset="0"/>
               </a:rPr>
+              <a:t>package?</a:t>
+            </a:r>
+          </a:p>
+          <a:p>
+            <a:pPr marL="514350" indent="-514350">
+              <a:lnSpc>
+                <a:spcPct val="115000"/>
+              </a:lnSpc>
+              <a:spcAft>
+                <a:spcPts val="800"/>
+              </a:spcAft>
+              <a:buAutoNum type="arabicPeriod"/>
+            </a:pPr>
+            <a:r>
+              <a:rPr lang="en-GB" sz="2800" b="1" kern="100" dirty="0">
+                <a:latin typeface="Times New Roman" panose="02020603050405020304" pitchFamily="18" charset="0"/>
+                <a:ea typeface="Aptos" panose="020B0004020202020204" pitchFamily="34" charset="0"/>
+                <a:cs typeface="Times New Roman" panose="02020603050405020304" pitchFamily="18" charset="0"/>
+              </a:rPr>
               <a:t>c( )</a:t>
             </a:r>
           </a:p>
@@ -5722,207 +8181,15 @@
                 <a:ea typeface="Aptos" panose="020B0004020202020204" pitchFamily="34" charset="0"/>
                 <a:cs typeface="Times New Roman" panose="02020603050405020304" pitchFamily="18" charset="0"/>
               </a:rPr>
-              <a:t>is.na()</a:t>
-            </a:r>
-          </a:p>
-          <a:p>
-            <a:pPr marL="514350" indent="-514350">
-              <a:lnSpc>
-                <a:spcPct val="115000"/>
-              </a:lnSpc>
-              <a:spcAft>
-                <a:spcPts val="800"/>
-              </a:spcAft>
-              <a:buFontTx/>
-              <a:buAutoNum type="arabicPeriod"/>
-            </a:pPr>
-            <a:r>
-              <a:rPr lang="en-GB" sz="2800" b="1" kern="100" dirty="0">
-                <a:latin typeface="Times New Roman" panose="02020603050405020304" pitchFamily="18" charset="0"/>
-                <a:ea typeface="Aptos" panose="020B0004020202020204" pitchFamily="34" charset="0"/>
-                <a:cs typeface="Times New Roman" panose="02020603050405020304" pitchFamily="18" charset="0"/>
-              </a:rPr>
-              <a:t>==</a:t>
-            </a:r>
-          </a:p>
-        </p:txBody>
-      </p:sp>
-      <p:pic>
-        <p:nvPicPr>
-          <p:cNvPr id="10" name="Picture 9">
-            <a:extLst>
-              <a:ext uri="{FF2B5EF4-FFF2-40B4-BE49-F238E27FC236}">
-                <a16:creationId xmlns:a16="http://schemas.microsoft.com/office/drawing/2014/main" id="{220370E4-0821-D490-8FAE-9176289569DC}"/>
-              </a:ext>
-            </a:extLst>
-          </p:cNvPr>
-          <p:cNvPicPr>
-            <a:picLocks noChangeAspect="1"/>
-          </p:cNvPicPr>
-          <p:nvPr/>
-        </p:nvPicPr>
-        <p:blipFill>
-          <a:blip r:embed="rId3"/>
-          <a:stretch>
-            <a:fillRect/>
-          </a:stretch>
-        </p:blipFill>
-        <p:spPr>
-          <a:xfrm>
-            <a:off x="4040154" y="1920308"/>
-            <a:ext cx="7514656" cy="3901051"/>
-          </a:xfrm>
-          <a:prstGeom prst="rect">
-            <a:avLst/>
-          </a:prstGeom>
-        </p:spPr>
-      </p:pic>
-      <p:sp>
-        <p:nvSpPr>
-          <p:cNvPr id="2" name="TextBox 1">
-            <a:extLst>
-              <a:ext uri="{FF2B5EF4-FFF2-40B4-BE49-F238E27FC236}">
-                <a16:creationId xmlns:a16="http://schemas.microsoft.com/office/drawing/2014/main" id="{7B226C50-0B3C-C7D8-4898-510AE24EB129}"/>
-              </a:ext>
-            </a:extLst>
-          </p:cNvPr>
-          <p:cNvSpPr txBox="1"/>
-          <p:nvPr/>
-        </p:nvSpPr>
-        <p:spPr>
-          <a:xfrm>
-            <a:off x="3963990" y="1273977"/>
-            <a:ext cx="2813591" cy="646331"/>
-          </a:xfrm>
-          <a:prstGeom prst="rect">
-            <a:avLst/>
-          </a:prstGeom>
-          <a:noFill/>
-        </p:spPr>
-        <p:txBody>
-          <a:bodyPr wrap="none" rtlCol="0">
-            <a:spAutoFit/>
-          </a:bodyPr>
-          <a:lstStyle/>
-          <a:p>
-            <a:r>
-              <a:rPr lang="en-GB" sz="3600" b="1" dirty="0">
-                <a:latin typeface="Times New Roman" panose="02020603050405020304" pitchFamily="18" charset="0"/>
-                <a:cs typeface="Times New Roman" panose="02020603050405020304" pitchFamily="18" charset="0"/>
-              </a:rPr>
-              <a:t>Long Format</a:t>
-            </a:r>
-          </a:p>
-        </p:txBody>
-      </p:sp>
-      <p:sp>
-        <p:nvSpPr>
-          <p:cNvPr id="6" name="Rectangle 5">
-            <a:extLst>
-              <a:ext uri="{FF2B5EF4-FFF2-40B4-BE49-F238E27FC236}">
-                <a16:creationId xmlns:a16="http://schemas.microsoft.com/office/drawing/2014/main" id="{93F51E43-A415-98C8-B791-435D5E51DA5B}"/>
-              </a:ext>
-            </a:extLst>
-          </p:cNvPr>
-          <p:cNvSpPr/>
-          <p:nvPr/>
-        </p:nvSpPr>
-        <p:spPr>
-          <a:xfrm>
-            <a:off x="3995192" y="2509799"/>
-            <a:ext cx="7559618" cy="548711"/>
-          </a:xfrm>
-          <a:prstGeom prst="rect">
-            <a:avLst/>
-          </a:prstGeom>
-          <a:noFill/>
-          <a:ln>
-            <a:solidFill>
-              <a:srgbClr val="FF0000"/>
-            </a:solidFill>
-          </a:ln>
-        </p:spPr>
-        <p:style>
-          <a:lnRef idx="2">
-            <a:schemeClr val="accent1">
-              <a:shade val="15000"/>
-            </a:schemeClr>
-          </a:lnRef>
-          <a:fillRef idx="1">
-            <a:schemeClr val="accent1"/>
-          </a:fillRef>
-          <a:effectRef idx="0">
-            <a:schemeClr val="accent1"/>
-          </a:effectRef>
-          <a:fontRef idx="minor">
-            <a:schemeClr val="lt1"/>
-          </a:fontRef>
-        </p:style>
-        <p:txBody>
-          <a:bodyPr rtlCol="0" anchor="ctr"/>
-          <a:lstStyle/>
-          <a:p>
-            <a:pPr algn="ctr"/>
-            <a:endParaRPr lang="en-GB"/>
-          </a:p>
-        </p:txBody>
-      </p:sp>
-      <p:sp>
-        <p:nvSpPr>
-          <p:cNvPr id="7" name="Rectangle 6">
-            <a:extLst>
-              <a:ext uri="{FF2B5EF4-FFF2-40B4-BE49-F238E27FC236}">
-                <a16:creationId xmlns:a16="http://schemas.microsoft.com/office/drawing/2014/main" id="{E5A16FB6-6EF9-6BB0-15F7-10A416E3533E}"/>
-              </a:ext>
-            </a:extLst>
-          </p:cNvPr>
-          <p:cNvSpPr/>
-          <p:nvPr/>
-        </p:nvSpPr>
-        <p:spPr>
-          <a:xfrm>
-            <a:off x="4040154" y="4165579"/>
-            <a:ext cx="7559618" cy="548711"/>
-          </a:xfrm>
-          <a:prstGeom prst="rect">
-            <a:avLst/>
-          </a:prstGeom>
-          <a:noFill/>
-          <a:ln>
-            <a:solidFill>
-              <a:srgbClr val="FF0000"/>
-            </a:solidFill>
-          </a:ln>
-        </p:spPr>
-        <p:style>
-          <a:lnRef idx="2">
-            <a:schemeClr val="accent1">
-              <a:shade val="15000"/>
-            </a:schemeClr>
-          </a:lnRef>
-          <a:fillRef idx="1">
-            <a:schemeClr val="accent1"/>
-          </a:fillRef>
-          <a:effectRef idx="0">
-            <a:schemeClr val="accent1"/>
-          </a:effectRef>
-          <a:fontRef idx="minor">
-            <a:schemeClr val="lt1"/>
-          </a:fontRef>
-        </p:style>
-        <p:txBody>
-          <a:bodyPr rtlCol="0" anchor="ctr"/>
-          <a:lstStyle/>
-          <a:p>
-            <a:pPr algn="ctr"/>
-            <a:endParaRPr lang="en-GB"/>
+              <a:t>na.rm = TRUE</a:t>
+            </a:r>
           </a:p>
         </p:txBody>
       </p:sp>
     </p:spTree>
     <p:extLst>
       <p:ext uri="{BB962C8B-B14F-4D97-AF65-F5344CB8AC3E}">
-        <p14:creationId xmlns:p14="http://schemas.microsoft.com/office/powerpoint/2010/main" val="2075197998"/>
+        <p14:creationId xmlns:p14="http://schemas.microsoft.com/office/powerpoint/2010/main" val="3343366501"/>
       </p:ext>
     </p:extLst>
   </p:cSld>
@@ -5940,7 +8207,7 @@
         <p:cNvPr id="1" name="">
           <a:extLst>
             <a:ext uri="{FF2B5EF4-FFF2-40B4-BE49-F238E27FC236}">
-              <a16:creationId xmlns:a16="http://schemas.microsoft.com/office/drawing/2014/main" id="{024F0D6C-8D22-5110-B05C-093077AFC965}"/>
+              <a16:creationId xmlns:a16="http://schemas.microsoft.com/office/drawing/2014/main" id="{640B1663-4FCF-FB63-0556-8DBF8535FD2F}"/>
             </a:ext>
           </a:extLst>
         </p:cNvPr>
@@ -5957,10 +8224,573 @@
       </p:grpSpPr>
       <p:sp>
         <p:nvSpPr>
+          <p:cNvPr id="4" name="Slide Number Placeholder 3">
+            <a:extLst>
+              <a:ext uri="{FF2B5EF4-FFF2-40B4-BE49-F238E27FC236}">
+                <a16:creationId xmlns:a16="http://schemas.microsoft.com/office/drawing/2014/main" id="{FC8606A3-C769-4E4A-197D-9D295E4FF1AB}"/>
+              </a:ext>
+            </a:extLst>
+          </p:cNvPr>
+          <p:cNvSpPr>
+            <a:spLocks noGrp="1"/>
+          </p:cNvSpPr>
+          <p:nvPr>
+            <p:ph type="sldNum" sz="quarter" idx="12"/>
+          </p:nvPr>
+        </p:nvSpPr>
+        <p:spPr/>
+        <p:txBody>
+          <a:bodyPr/>
+          <a:lstStyle/>
+          <a:p>
+            <a:fld id="{5166AB3F-E072-48B3-A098-F27821F9BD73}" type="slidenum">
+              <a:rPr lang="en-GB" smtClean="0"/>
+              <a:t>11</a:t>
+            </a:fld>
+            <a:endParaRPr lang="en-GB" dirty="0"/>
+          </a:p>
+        </p:txBody>
+      </p:sp>
+      <p:sp>
+        <p:nvSpPr>
+          <p:cNvPr id="3" name="TextBox 2">
+            <a:extLst>
+              <a:ext uri="{FF2B5EF4-FFF2-40B4-BE49-F238E27FC236}">
+                <a16:creationId xmlns:a16="http://schemas.microsoft.com/office/drawing/2014/main" id="{61E230D1-CDAF-83A5-C22B-29612AF18125}"/>
+              </a:ext>
+            </a:extLst>
+          </p:cNvPr>
+          <p:cNvSpPr txBox="1"/>
+          <p:nvPr/>
+        </p:nvSpPr>
+        <p:spPr>
+          <a:xfrm>
+            <a:off x="117975" y="396986"/>
+            <a:ext cx="8353363" cy="808619"/>
+          </a:xfrm>
+          <a:prstGeom prst="rect">
+            <a:avLst/>
+          </a:prstGeom>
+          <a:noFill/>
+        </p:spPr>
+        <p:txBody>
+          <a:bodyPr wrap="square">
+            <a:spAutoFit/>
+          </a:bodyPr>
+          <a:lstStyle/>
+          <a:p>
+            <a:pPr algn="ctr">
+              <a:lnSpc>
+                <a:spcPct val="115000"/>
+              </a:lnSpc>
+              <a:spcAft>
+                <a:spcPts val="800"/>
+              </a:spcAft>
+            </a:pPr>
+            <a:r>
+              <a:rPr lang="en-GB" sz="4400" b="1" kern="100" dirty="0">
+                <a:latin typeface="Times New Roman" panose="02020603050405020304" pitchFamily="18" charset="0"/>
+                <a:ea typeface="Aptos" panose="020B0004020202020204" pitchFamily="34" charset="0"/>
+                <a:cs typeface="Times New Roman" panose="02020603050405020304" pitchFamily="18" charset="0"/>
+              </a:rPr>
+              <a:t>4.</a:t>
+            </a:r>
+            <a:r>
+              <a:rPr lang="en-GB" sz="4400" b="1" kern="100" dirty="0">
+                <a:effectLst/>
+                <a:latin typeface="Times New Roman" panose="02020603050405020304" pitchFamily="18" charset="0"/>
+                <a:ea typeface="Aptos" panose="020B0004020202020204" pitchFamily="34" charset="0"/>
+                <a:cs typeface="Times New Roman" panose="02020603050405020304" pitchFamily="18" charset="0"/>
+              </a:rPr>
+              <a:t> Advanced data transformation</a:t>
+            </a:r>
+          </a:p>
+        </p:txBody>
+      </p:sp>
+      <p:sp>
+        <p:nvSpPr>
+          <p:cNvPr id="19" name="Rectangle 18">
+            <a:extLst>
+              <a:ext uri="{FF2B5EF4-FFF2-40B4-BE49-F238E27FC236}">
+                <a16:creationId xmlns:a16="http://schemas.microsoft.com/office/drawing/2014/main" id="{0DA94D61-B2E6-2916-390B-820CCF54FEE6}"/>
+              </a:ext>
+            </a:extLst>
+          </p:cNvPr>
+          <p:cNvSpPr/>
+          <p:nvPr/>
+        </p:nvSpPr>
+        <p:spPr>
+          <a:xfrm>
+            <a:off x="325821" y="1334814"/>
+            <a:ext cx="3058510" cy="2094186"/>
+          </a:xfrm>
+          <a:prstGeom prst="rect">
+            <a:avLst/>
+          </a:prstGeom>
+          <a:ln>
+            <a:solidFill>
+              <a:srgbClr val="FF0000"/>
+            </a:solidFill>
+          </a:ln>
+        </p:spPr>
+        <p:style>
+          <a:lnRef idx="2">
+            <a:schemeClr val="accent6"/>
+          </a:lnRef>
+          <a:fillRef idx="1">
+            <a:schemeClr val="lt1"/>
+          </a:fillRef>
+          <a:effectRef idx="0">
+            <a:schemeClr val="accent6"/>
+          </a:effectRef>
+          <a:fontRef idx="minor">
+            <a:schemeClr val="dk1"/>
+          </a:fontRef>
+        </p:style>
+        <p:txBody>
+          <a:bodyPr rtlCol="0" anchor="ctr"/>
+          <a:lstStyle/>
+          <a:p>
+            <a:pPr algn="ctr"/>
+            <a:endParaRPr lang="en-GB" dirty="0"/>
+          </a:p>
+        </p:txBody>
+      </p:sp>
+      <p:sp>
+        <p:nvSpPr>
+          <p:cNvPr id="20" name="TextBox 19">
+            <a:extLst>
+              <a:ext uri="{FF2B5EF4-FFF2-40B4-BE49-F238E27FC236}">
+                <a16:creationId xmlns:a16="http://schemas.microsoft.com/office/drawing/2014/main" id="{21887C21-7C2E-C9EF-F75E-31BC0052AC15}"/>
+              </a:ext>
+            </a:extLst>
+          </p:cNvPr>
+          <p:cNvSpPr txBox="1"/>
+          <p:nvPr/>
+        </p:nvSpPr>
+        <p:spPr>
+          <a:xfrm>
+            <a:off x="224526" y="1372209"/>
+            <a:ext cx="3261100" cy="548099"/>
+          </a:xfrm>
+          <a:prstGeom prst="rect">
+            <a:avLst/>
+          </a:prstGeom>
+          <a:noFill/>
+        </p:spPr>
+        <p:txBody>
+          <a:bodyPr wrap="square">
+            <a:spAutoFit/>
+          </a:bodyPr>
+          <a:lstStyle/>
+          <a:p>
+            <a:pPr algn="ctr">
+              <a:lnSpc>
+                <a:spcPct val="115000"/>
+              </a:lnSpc>
+              <a:spcAft>
+                <a:spcPts val="800"/>
+              </a:spcAft>
+            </a:pPr>
+            <a:r>
+              <a:rPr lang="en-GB" sz="2800" b="1" kern="100" dirty="0">
+                <a:effectLst/>
+                <a:latin typeface="Times New Roman" panose="02020603050405020304" pitchFamily="18" charset="0"/>
+                <a:ea typeface="Aptos" panose="020B0004020202020204" pitchFamily="34" charset="0"/>
+                <a:cs typeface="Times New Roman" panose="02020603050405020304" pitchFamily="18" charset="0"/>
+              </a:rPr>
+              <a:t>Shortcut</a:t>
+            </a:r>
+            <a:r>
+              <a:rPr lang="en-GB" sz="2800" b="1" kern="100" dirty="0">
+                <a:latin typeface="Times New Roman" panose="02020603050405020304" pitchFamily="18" charset="0"/>
+                <a:ea typeface="Aptos" panose="020B0004020202020204" pitchFamily="34" charset="0"/>
+                <a:cs typeface="Times New Roman" panose="02020603050405020304" pitchFamily="18" charset="0"/>
+              </a:rPr>
+              <a:t>s</a:t>
+            </a:r>
+            <a:endParaRPr lang="en-GB" sz="2800" b="1" kern="100" dirty="0">
+              <a:effectLst/>
+              <a:latin typeface="Times New Roman" panose="02020603050405020304" pitchFamily="18" charset="0"/>
+              <a:ea typeface="Aptos" panose="020B0004020202020204" pitchFamily="34" charset="0"/>
+              <a:cs typeface="Times New Roman" panose="02020603050405020304" pitchFamily="18" charset="0"/>
+            </a:endParaRPr>
+          </a:p>
+        </p:txBody>
+      </p:sp>
+      <p:sp>
+        <p:nvSpPr>
+          <p:cNvPr id="21" name="TextBox 20">
+            <a:extLst>
+              <a:ext uri="{FF2B5EF4-FFF2-40B4-BE49-F238E27FC236}">
+                <a16:creationId xmlns:a16="http://schemas.microsoft.com/office/drawing/2014/main" id="{404BAEBF-AC2A-6C04-2ED1-1A43832E5898}"/>
+              </a:ext>
+            </a:extLst>
+          </p:cNvPr>
+          <p:cNvSpPr txBox="1"/>
+          <p:nvPr/>
+        </p:nvSpPr>
+        <p:spPr>
+          <a:xfrm>
+            <a:off x="433285" y="2049517"/>
+            <a:ext cx="3261100" cy="1146211"/>
+          </a:xfrm>
+          <a:prstGeom prst="rect">
+            <a:avLst/>
+          </a:prstGeom>
+          <a:noFill/>
+        </p:spPr>
+        <p:txBody>
+          <a:bodyPr wrap="square">
+            <a:spAutoFit/>
+          </a:bodyPr>
+          <a:lstStyle/>
+          <a:p>
+            <a:pPr>
+              <a:lnSpc>
+                <a:spcPct val="115000"/>
+              </a:lnSpc>
+              <a:spcAft>
+                <a:spcPts val="800"/>
+              </a:spcAft>
+            </a:pPr>
+            <a:r>
+              <a:rPr lang="en-GB" sz="2800" b="1" kern="100" dirty="0">
+                <a:latin typeface="Times New Roman" panose="02020603050405020304" pitchFamily="18" charset="0"/>
+                <a:ea typeface="Aptos" panose="020B0004020202020204" pitchFamily="34" charset="0"/>
+                <a:cs typeface="Times New Roman" panose="02020603050405020304" pitchFamily="18" charset="0"/>
+              </a:rPr>
+              <a:t>1. run: ctrl + shift</a:t>
+            </a:r>
+          </a:p>
+          <a:p>
+            <a:pPr>
+              <a:lnSpc>
+                <a:spcPct val="115000"/>
+              </a:lnSpc>
+              <a:spcAft>
+                <a:spcPts val="800"/>
+              </a:spcAft>
+            </a:pPr>
+            <a:r>
+              <a:rPr lang="en-GB" sz="2800" b="1" kern="100" dirty="0">
+                <a:latin typeface="Times New Roman" panose="02020603050405020304" pitchFamily="18" charset="0"/>
+                <a:ea typeface="Aptos" panose="020B0004020202020204" pitchFamily="34" charset="0"/>
+                <a:cs typeface="Times New Roman" panose="02020603050405020304" pitchFamily="18" charset="0"/>
+              </a:rPr>
+              <a:t>2. &lt;- : alt + -</a:t>
+            </a:r>
+          </a:p>
+        </p:txBody>
+      </p:sp>
+      <p:sp>
+        <p:nvSpPr>
+          <p:cNvPr id="2" name="Rectangle 1">
+            <a:extLst>
+              <a:ext uri="{FF2B5EF4-FFF2-40B4-BE49-F238E27FC236}">
+                <a16:creationId xmlns:a16="http://schemas.microsoft.com/office/drawing/2014/main" id="{BDC9B973-0820-6990-2C19-20BD4A177284}"/>
+              </a:ext>
+            </a:extLst>
+          </p:cNvPr>
+          <p:cNvSpPr/>
+          <p:nvPr/>
+        </p:nvSpPr>
+        <p:spPr>
+          <a:xfrm>
+            <a:off x="3765063" y="1334814"/>
+            <a:ext cx="7102634" cy="5021536"/>
+          </a:xfrm>
+          <a:prstGeom prst="rect">
+            <a:avLst/>
+          </a:prstGeom>
+          <a:ln>
+            <a:solidFill>
+              <a:srgbClr val="FF0000"/>
+            </a:solidFill>
+          </a:ln>
+        </p:spPr>
+        <p:style>
+          <a:lnRef idx="2">
+            <a:schemeClr val="accent6"/>
+          </a:lnRef>
+          <a:fillRef idx="1">
+            <a:schemeClr val="lt1"/>
+          </a:fillRef>
+          <a:effectRef idx="0">
+            <a:schemeClr val="accent6"/>
+          </a:effectRef>
+          <a:fontRef idx="minor">
+            <a:schemeClr val="dk1"/>
+          </a:fontRef>
+        </p:style>
+        <p:txBody>
+          <a:bodyPr rtlCol="0" anchor="ctr"/>
+          <a:lstStyle/>
+          <a:p>
+            <a:pPr algn="ctr"/>
+            <a:endParaRPr lang="en-GB" dirty="0"/>
+          </a:p>
+        </p:txBody>
+      </p:sp>
+      <p:sp>
+        <p:nvSpPr>
+          <p:cNvPr id="7" name="TextBox 6">
+            <a:extLst>
+              <a:ext uri="{FF2B5EF4-FFF2-40B4-BE49-F238E27FC236}">
+                <a16:creationId xmlns:a16="http://schemas.microsoft.com/office/drawing/2014/main" id="{4693364B-318E-C998-2FA7-84449547678A}"/>
+              </a:ext>
+            </a:extLst>
+          </p:cNvPr>
+          <p:cNvSpPr txBox="1"/>
+          <p:nvPr/>
+        </p:nvSpPr>
+        <p:spPr>
+          <a:xfrm>
+            <a:off x="5685830" y="1334814"/>
+            <a:ext cx="3261100" cy="548099"/>
+          </a:xfrm>
+          <a:prstGeom prst="rect">
+            <a:avLst/>
+          </a:prstGeom>
+          <a:noFill/>
+        </p:spPr>
+        <p:txBody>
+          <a:bodyPr wrap="square">
+            <a:spAutoFit/>
+          </a:bodyPr>
+          <a:lstStyle/>
+          <a:p>
+            <a:pPr algn="ctr">
+              <a:lnSpc>
+                <a:spcPct val="115000"/>
+              </a:lnSpc>
+              <a:spcAft>
+                <a:spcPts val="800"/>
+              </a:spcAft>
+            </a:pPr>
+            <a:r>
+              <a:rPr lang="en-GB" sz="2800" b="1" kern="100" dirty="0">
+                <a:latin typeface="Times New Roman" panose="02020603050405020304" pitchFamily="18" charset="0"/>
+                <a:ea typeface="Aptos" panose="020B0004020202020204" pitchFamily="34" charset="0"/>
+                <a:cs typeface="Times New Roman" panose="02020603050405020304" pitchFamily="18" charset="0"/>
+              </a:rPr>
+              <a:t>Notice</a:t>
+            </a:r>
+            <a:endParaRPr lang="en-GB" sz="2800" b="1" kern="100" dirty="0">
+              <a:effectLst/>
+              <a:latin typeface="Times New Roman" panose="02020603050405020304" pitchFamily="18" charset="0"/>
+              <a:ea typeface="Aptos" panose="020B0004020202020204" pitchFamily="34" charset="0"/>
+              <a:cs typeface="Times New Roman" panose="02020603050405020304" pitchFamily="18" charset="0"/>
+            </a:endParaRPr>
+          </a:p>
+        </p:txBody>
+      </p:sp>
+      <p:sp>
+        <p:nvSpPr>
+          <p:cNvPr id="9" name="TextBox 8">
+            <a:extLst>
+              <a:ext uri="{FF2B5EF4-FFF2-40B4-BE49-F238E27FC236}">
+                <a16:creationId xmlns:a16="http://schemas.microsoft.com/office/drawing/2014/main" id="{858C6D6A-9574-961B-9B45-87D582A2A690}"/>
+              </a:ext>
+            </a:extLst>
+          </p:cNvPr>
+          <p:cNvSpPr txBox="1"/>
+          <p:nvPr/>
+        </p:nvSpPr>
+        <p:spPr>
+          <a:xfrm>
+            <a:off x="3973822" y="1920308"/>
+            <a:ext cx="3261100" cy="3538661"/>
+          </a:xfrm>
+          <a:prstGeom prst="rect">
+            <a:avLst/>
+          </a:prstGeom>
+          <a:noFill/>
+        </p:spPr>
+        <p:txBody>
+          <a:bodyPr wrap="square">
+            <a:spAutoFit/>
+          </a:bodyPr>
+          <a:lstStyle/>
+          <a:p>
+            <a:pPr marL="514350" indent="-514350">
+              <a:lnSpc>
+                <a:spcPct val="115000"/>
+              </a:lnSpc>
+              <a:spcAft>
+                <a:spcPts val="800"/>
+              </a:spcAft>
+              <a:buAutoNum type="arabicPeriod"/>
+            </a:pPr>
+            <a:r>
+              <a:rPr lang="en-GB" sz="2800" b="1" kern="100" dirty="0">
+                <a:latin typeface="Times New Roman" panose="02020603050405020304" pitchFamily="18" charset="0"/>
+                <a:ea typeface="Aptos" panose="020B0004020202020204" pitchFamily="34" charset="0"/>
+                <a:cs typeface="Times New Roman" panose="02020603050405020304" pitchFamily="18" charset="0"/>
+              </a:rPr>
+              <a:t>c( )</a:t>
+            </a:r>
+          </a:p>
+          <a:p>
+            <a:pPr marL="514350" indent="-514350">
+              <a:lnSpc>
+                <a:spcPct val="115000"/>
+              </a:lnSpc>
+              <a:spcAft>
+                <a:spcPts val="800"/>
+              </a:spcAft>
+              <a:buFontTx/>
+              <a:buAutoNum type="arabicPeriod"/>
+            </a:pPr>
+            <a:r>
+              <a:rPr lang="en-GB" sz="2800" b="1" kern="100" dirty="0">
+                <a:latin typeface="Times New Roman" panose="02020603050405020304" pitchFamily="18" charset="0"/>
+                <a:ea typeface="Aptos" panose="020B0004020202020204" pitchFamily="34" charset="0"/>
+                <a:cs typeface="Times New Roman" panose="02020603050405020304" pitchFamily="18" charset="0"/>
+              </a:rPr>
+              <a:t>is.na()</a:t>
+            </a:r>
+          </a:p>
+          <a:p>
+            <a:pPr marL="514350" indent="-514350">
+              <a:lnSpc>
+                <a:spcPct val="115000"/>
+              </a:lnSpc>
+              <a:spcAft>
+                <a:spcPts val="800"/>
+              </a:spcAft>
+              <a:buFontTx/>
+              <a:buAutoNum type="arabicPeriod"/>
+            </a:pPr>
+            <a:r>
+              <a:rPr lang="en-GB" sz="2800" b="1" kern="100" dirty="0" err="1">
+                <a:latin typeface="Times New Roman" panose="02020603050405020304" pitchFamily="18" charset="0"/>
+                <a:ea typeface="Aptos" panose="020B0004020202020204" pitchFamily="34" charset="0"/>
+                <a:cs typeface="Times New Roman" panose="02020603050405020304" pitchFamily="18" charset="0"/>
+              </a:rPr>
+              <a:t>complete.cases</a:t>
+            </a:r>
+            <a:r>
+              <a:rPr lang="en-GB" sz="2800" b="1" kern="100" dirty="0">
+                <a:latin typeface="Times New Roman" panose="02020603050405020304" pitchFamily="18" charset="0"/>
+                <a:ea typeface="Aptos" panose="020B0004020202020204" pitchFamily="34" charset="0"/>
+                <a:cs typeface="Times New Roman" panose="02020603050405020304" pitchFamily="18" charset="0"/>
+              </a:rPr>
+              <a:t>()</a:t>
+            </a:r>
+          </a:p>
+          <a:p>
+            <a:pPr marL="514350" indent="-514350">
+              <a:lnSpc>
+                <a:spcPct val="115000"/>
+              </a:lnSpc>
+              <a:spcAft>
+                <a:spcPts val="800"/>
+              </a:spcAft>
+              <a:buFontTx/>
+              <a:buAutoNum type="arabicPeriod"/>
+            </a:pPr>
+            <a:r>
+              <a:rPr lang="en-GB" sz="2800" b="1" kern="100" dirty="0">
+                <a:latin typeface="Times New Roman" panose="02020603050405020304" pitchFamily="18" charset="0"/>
+                <a:ea typeface="Aptos" panose="020B0004020202020204" pitchFamily="34" charset="0"/>
+                <a:cs typeface="Times New Roman" panose="02020603050405020304" pitchFamily="18" charset="0"/>
+              </a:rPr>
+              <a:t>which()</a:t>
+            </a:r>
+          </a:p>
+          <a:p>
+            <a:pPr marL="514350" indent="-514350">
+              <a:lnSpc>
+                <a:spcPct val="115000"/>
+              </a:lnSpc>
+              <a:spcAft>
+                <a:spcPts val="800"/>
+              </a:spcAft>
+              <a:buFontTx/>
+              <a:buAutoNum type="arabicPeriod"/>
+            </a:pPr>
+            <a:r>
+              <a:rPr lang="en-GB" sz="2800" b="1" kern="100" dirty="0">
+                <a:latin typeface="Times New Roman" panose="02020603050405020304" pitchFamily="18" charset="0"/>
+                <a:ea typeface="Aptos" panose="020B0004020202020204" pitchFamily="34" charset="0"/>
+                <a:cs typeface="Times New Roman" panose="02020603050405020304" pitchFamily="18" charset="0"/>
+              </a:rPr>
+              <a:t>%&gt;%</a:t>
+            </a:r>
+          </a:p>
+          <a:p>
+            <a:pPr marL="514350" indent="-514350">
+              <a:lnSpc>
+                <a:spcPct val="115000"/>
+              </a:lnSpc>
+              <a:spcAft>
+                <a:spcPts val="800"/>
+              </a:spcAft>
+              <a:buFontTx/>
+              <a:buAutoNum type="arabicPeriod"/>
+            </a:pPr>
+            <a:r>
+              <a:rPr lang="en-GB" sz="2800" b="1" kern="100" dirty="0" err="1">
+                <a:latin typeface="Times New Roman" panose="02020603050405020304" pitchFamily="18" charset="0"/>
+                <a:ea typeface="Aptos" panose="020B0004020202020204" pitchFamily="34" charset="0"/>
+                <a:cs typeface="Times New Roman" panose="02020603050405020304" pitchFamily="18" charset="0"/>
+              </a:rPr>
+              <a:t>group_by</a:t>
+            </a:r>
+            <a:r>
+              <a:rPr lang="en-GB" sz="2800" b="1" kern="100" dirty="0">
+                <a:latin typeface="Times New Roman" panose="02020603050405020304" pitchFamily="18" charset="0"/>
+                <a:ea typeface="Aptos" panose="020B0004020202020204" pitchFamily="34" charset="0"/>
+                <a:cs typeface="Times New Roman" panose="02020603050405020304" pitchFamily="18" charset="0"/>
+              </a:rPr>
+              <a:t>()</a:t>
+            </a:r>
+          </a:p>
+        </p:txBody>
+      </p:sp>
+    </p:spTree>
+    <p:extLst>
+      <p:ext uri="{BB962C8B-B14F-4D97-AF65-F5344CB8AC3E}">
+        <p14:creationId xmlns:p14="http://schemas.microsoft.com/office/powerpoint/2010/main" val="3717963987"/>
+      </p:ext>
+    </p:extLst>
+  </p:cSld>
+  <p:clrMapOvr>
+    <a:masterClrMapping/>
+  </p:clrMapOvr>
+</p:sld>
+</file>
+
+<file path=ppt/slides/slide12.xml><?xml version="1.0" encoding="utf-8"?>
+<p:sld xmlns:a="http://schemas.openxmlformats.org/drawingml/2006/main" xmlns:r="http://schemas.openxmlformats.org/officeDocument/2006/relationships" xmlns:p="http://schemas.openxmlformats.org/presentationml/2006/main">
+  <p:cSld>
+    <p:spTree>
+      <p:nvGrpSpPr>
+        <p:cNvPr id="1" name="">
+          <a:extLst>
+            <a:ext uri="{FF2B5EF4-FFF2-40B4-BE49-F238E27FC236}">
+              <a16:creationId xmlns:a16="http://schemas.microsoft.com/office/drawing/2014/main" id="{DBC87335-C217-B910-844C-0C137BE66702}"/>
+            </a:ext>
+          </a:extLst>
+        </p:cNvPr>
+        <p:cNvGrpSpPr/>
+        <p:nvPr/>
+      </p:nvGrpSpPr>
+      <p:grpSpPr>
+        <a:xfrm>
+          <a:off x="0" y="0"/>
+          <a:ext cx="0" cy="0"/>
+          <a:chOff x="0" y="0"/>
+          <a:chExt cx="0" cy="0"/>
+        </a:xfrm>
+      </p:grpSpPr>
+      <p:sp>
+        <p:nvSpPr>
           <p:cNvPr id="6" name="Rectangle 5">
             <a:extLst>
               <a:ext uri="{FF2B5EF4-FFF2-40B4-BE49-F238E27FC236}">
-                <a16:creationId xmlns:a16="http://schemas.microsoft.com/office/drawing/2014/main" id="{C2A934F6-E78A-1D3A-C625-48A21CEA07BD}"/>
+                <a16:creationId xmlns:a16="http://schemas.microsoft.com/office/drawing/2014/main" id="{07571297-2B1B-F0D3-C375-74E48215EF3B}"/>
               </a:ext>
             </a:extLst>
           </p:cNvPr>
@@ -6004,7 +8834,7 @@
           <p:cNvPr id="4" name="Slide Number Placeholder 3">
             <a:extLst>
               <a:ext uri="{FF2B5EF4-FFF2-40B4-BE49-F238E27FC236}">
-                <a16:creationId xmlns:a16="http://schemas.microsoft.com/office/drawing/2014/main" id="{2F3C7540-B3C7-1B69-3B11-3831D8B4B365}"/>
+                <a16:creationId xmlns:a16="http://schemas.microsoft.com/office/drawing/2014/main" id="{DB822318-3C06-01D4-BB4B-06FE15142702}"/>
               </a:ext>
             </a:extLst>
           </p:cNvPr>
@@ -6022,7 +8852,7 @@
           <a:p>
             <a:fld id="{5166AB3F-E072-48B3-A098-F27821F9BD73}" type="slidenum">
               <a:rPr lang="en-GB" smtClean="0"/>
-              <a:t>11</a:t>
+              <a:t>12</a:t>
             </a:fld>
             <a:endParaRPr lang="en-GB" dirty="0"/>
           </a:p>
@@ -6033,7 +8863,7 @@
           <p:cNvPr id="3" name="TextBox 2">
             <a:extLst>
               <a:ext uri="{FF2B5EF4-FFF2-40B4-BE49-F238E27FC236}">
-                <a16:creationId xmlns:a16="http://schemas.microsoft.com/office/drawing/2014/main" id="{D8B20E6F-5178-9A58-4F01-42C4030A58ED}"/>
+                <a16:creationId xmlns:a16="http://schemas.microsoft.com/office/drawing/2014/main" id="{ED70C8B9-16B6-3042-DB64-C8D50E23A8D0}"/>
               </a:ext>
             </a:extLst>
           </p:cNvPr>
@@ -6043,7 +8873,7 @@
         <p:spPr>
           <a:xfrm>
             <a:off x="117975" y="396986"/>
-            <a:ext cx="7607128" cy="808619"/>
+            <a:ext cx="9614604" cy="808619"/>
           </a:xfrm>
           <a:prstGeom prst="rect">
             <a:avLst/>
@@ -6071,7 +8901,24 @@
                 <a:ea typeface="Aptos" panose="020B0004020202020204" pitchFamily="34" charset="0"/>
                 <a:cs typeface="Times New Roman" panose="02020603050405020304" pitchFamily="18" charset="0"/>
               </a:rPr>
-              <a:t>Task 2: customize your dataset</a:t>
+              <a:t>Task </a:t>
+            </a:r>
+            <a:r>
+              <a:rPr lang="en-GB" sz="4400" b="1" kern="100" dirty="0">
+                <a:latin typeface="Times New Roman" panose="02020603050405020304" pitchFamily="18" charset="0"/>
+                <a:ea typeface="Aptos" panose="020B0004020202020204" pitchFamily="34" charset="0"/>
+                <a:cs typeface="Times New Roman" panose="02020603050405020304" pitchFamily="18" charset="0"/>
+              </a:rPr>
+              <a:t>3</a:t>
+            </a:r>
+            <a:r>
+              <a:rPr lang="en-GB" sz="4400" b="1" kern="100" dirty="0">
+                <a:effectLst/>
+                <a:latin typeface="Times New Roman" panose="02020603050405020304" pitchFamily="18" charset="0"/>
+                <a:ea typeface="Aptos" panose="020B0004020202020204" pitchFamily="34" charset="0"/>
+                <a:cs typeface="Times New Roman" panose="02020603050405020304" pitchFamily="18" charset="0"/>
+              </a:rPr>
+              <a:t>: write your code in a clean way</a:t>
             </a:r>
           </a:p>
         </p:txBody>
@@ -6081,7 +8928,7 @@
           <p:cNvPr id="12" name="TextBox 11">
             <a:extLst>
               <a:ext uri="{FF2B5EF4-FFF2-40B4-BE49-F238E27FC236}">
-                <a16:creationId xmlns:a16="http://schemas.microsoft.com/office/drawing/2014/main" id="{F5AC084D-C83F-89F8-E8A1-74634370DD24}"/>
+                <a16:creationId xmlns:a16="http://schemas.microsoft.com/office/drawing/2014/main" id="{5A698FA5-3E7F-CF2C-BFD0-0CA49BE1C2C2}"/>
               </a:ext>
             </a:extLst>
           </p:cNvPr>
@@ -6091,7 +8938,7 @@
         <p:spPr>
           <a:xfrm>
             <a:off x="3921539" y="1792871"/>
-            <a:ext cx="7246664" cy="3539430"/>
+            <a:ext cx="7356061" cy="3539430"/>
           </a:xfrm>
           <a:prstGeom prst="rect">
             <a:avLst/>
@@ -6099,7 +8946,7 @@
           <a:noFill/>
         </p:spPr>
         <p:txBody>
-          <a:bodyPr wrap="none" rtlCol="0">
+          <a:bodyPr wrap="square" rtlCol="0">
             <a:spAutoFit/>
           </a:bodyPr>
           <a:lstStyle/>
@@ -6131,30 +8978,6 @@
           </a:p>
           <a:p>
             <a:pPr marL="514350" indent="-514350">
-              <a:buFontTx/>
-              <a:buAutoNum type="arabicPeriod"/>
-            </a:pPr>
-            <a:r>
-              <a:rPr lang="en-GB" sz="3200" dirty="0">
-                <a:latin typeface="Times New Roman" panose="02020603050405020304" pitchFamily="18" charset="0"/>
-                <a:cs typeface="Times New Roman" panose="02020603050405020304" pitchFamily="18" charset="0"/>
-              </a:rPr>
-              <a:t>Remove columns related to </a:t>
-            </a:r>
-            <a:r>
-              <a:rPr lang="en-GB" sz="3200" b="1" dirty="0">
-                <a:latin typeface="Times New Roman" panose="02020603050405020304" pitchFamily="18" charset="0"/>
-                <a:cs typeface="Times New Roman" panose="02020603050405020304" pitchFamily="18" charset="0"/>
-              </a:rPr>
-              <a:t>Task 2, age</a:t>
-            </a:r>
-            <a:endParaRPr lang="en-GB" sz="3200" dirty="0">
-              <a:latin typeface="Times New Roman" panose="02020603050405020304" pitchFamily="18" charset="0"/>
-              <a:cs typeface="Times New Roman" panose="02020603050405020304" pitchFamily="18" charset="0"/>
-            </a:endParaRPr>
-          </a:p>
-          <a:p>
-            <a:pPr marL="514350" indent="-514350">
               <a:buAutoNum type="arabicPeriod"/>
             </a:pPr>
             <a:r>
@@ -6176,52 +8999,43 @@
                 <a:latin typeface="Times New Roman" panose="02020603050405020304" pitchFamily="18" charset="0"/>
                 <a:cs typeface="Times New Roman" panose="02020603050405020304" pitchFamily="18" charset="0"/>
               </a:rPr>
-              <a:t>data</a:t>
-            </a:r>
-          </a:p>
-          <a:p>
-            <a:pPr marL="514350" indent="-514350">
-              <a:buAutoNum type="arabicPeriod"/>
-            </a:pPr>
+              <a:t>data and </a:t>
+            </a:r>
+            <a:r>
+              <a:rPr lang="en-GB" sz="3200" b="1" dirty="0" err="1">
+                <a:latin typeface="Times New Roman" panose="02020603050405020304" pitchFamily="18" charset="0"/>
+                <a:cs typeface="Times New Roman" panose="02020603050405020304" pitchFamily="18" charset="0"/>
+              </a:rPr>
+              <a:t>Anxiety_Score</a:t>
+            </a:r>
+            <a:r>
+              <a:rPr lang="en-GB" sz="3200" b="1" dirty="0">
+                <a:latin typeface="Times New Roman" panose="02020603050405020304" pitchFamily="18" charset="0"/>
+                <a:cs typeface="Times New Roman" panose="02020603050405020304" pitchFamily="18" charset="0"/>
+              </a:rPr>
+              <a:t> &gt;15</a:t>
+            </a:r>
+          </a:p>
+          <a:p>
             <a:r>
               <a:rPr lang="en-GB" sz="3200" dirty="0">
                 <a:latin typeface="Times New Roman" panose="02020603050405020304" pitchFamily="18" charset="0"/>
                 <a:cs typeface="Times New Roman" panose="02020603050405020304" pitchFamily="18" charset="0"/>
               </a:rPr>
-              <a:t>Delete the rows with NA</a:t>
-            </a:r>
-          </a:p>
-          <a:p>
-            <a:pPr marL="514350" indent="-514350">
-              <a:buAutoNum type="arabicPeriod"/>
-            </a:pPr>
+              <a:t>3. Calculate the mean reaction time (RT) separately for each gender in Task 1 and Task 2</a:t>
+            </a:r>
+            <a:endParaRPr lang="en-GB" sz="3200" b="1" dirty="0">
+              <a:latin typeface="Times New Roman" panose="02020603050405020304" pitchFamily="18" charset="0"/>
+              <a:cs typeface="Times New Roman" panose="02020603050405020304" pitchFamily="18" charset="0"/>
+            </a:endParaRPr>
+          </a:p>
+          <a:p>
             <a:r>
               <a:rPr lang="en-GB" sz="3200" dirty="0">
                 <a:latin typeface="Times New Roman" panose="02020603050405020304" pitchFamily="18" charset="0"/>
                 <a:cs typeface="Times New Roman" panose="02020603050405020304" pitchFamily="18" charset="0"/>
               </a:rPr>
-              <a:t>Transfer this data to long format</a:t>
-            </a:r>
-          </a:p>
-          <a:p>
-            <a:pPr marL="514350" indent="-514350">
-              <a:buAutoNum type="arabicPeriod"/>
-            </a:pPr>
-            <a:r>
-              <a:rPr lang="en-GB" sz="3200" dirty="0">
-                <a:latin typeface="Times New Roman" panose="02020603050405020304" pitchFamily="18" charset="0"/>
-                <a:cs typeface="Times New Roman" panose="02020603050405020304" pitchFamily="18" charset="0"/>
-              </a:rPr>
-              <a:t>Reorder the column: </a:t>
-            </a:r>
-          </a:p>
-          <a:p>
-            <a:r>
-              <a:rPr lang="en-GB" sz="3200" dirty="0">
-                <a:latin typeface="Times New Roman" panose="02020603050405020304" pitchFamily="18" charset="0"/>
-                <a:cs typeface="Times New Roman" panose="02020603050405020304" pitchFamily="18" charset="0"/>
-              </a:rPr>
-              <a:t> subject-gender-wellbeing-score-RT</a:t>
+              <a:t> </a:t>
             </a:r>
           </a:p>
         </p:txBody>
@@ -6231,7 +9045,7 @@
           <p:cNvPr id="19" name="Rectangle 18">
             <a:extLst>
               <a:ext uri="{FF2B5EF4-FFF2-40B4-BE49-F238E27FC236}">
-                <a16:creationId xmlns:a16="http://schemas.microsoft.com/office/drawing/2014/main" id="{33F7B7CF-7ABF-A241-A8FA-FB07846D0427}"/>
+                <a16:creationId xmlns:a16="http://schemas.microsoft.com/office/drawing/2014/main" id="{F98E7ECD-5E57-45D3-8905-E873C112E116}"/>
               </a:ext>
             </a:extLst>
           </p:cNvPr>
@@ -6280,7 +9094,7 @@
           <p:cNvPr id="20" name="TextBox 19">
             <a:extLst>
               <a:ext uri="{FF2B5EF4-FFF2-40B4-BE49-F238E27FC236}">
-                <a16:creationId xmlns:a16="http://schemas.microsoft.com/office/drawing/2014/main" id="{CBEABAE6-428C-BB4A-E7F1-482A6B89B8B8}"/>
+                <a16:creationId xmlns:a16="http://schemas.microsoft.com/office/drawing/2014/main" id="{C2F10832-8883-1975-D2EA-F8FDDD4F03B2}"/>
               </a:ext>
             </a:extLst>
           </p:cNvPr>
@@ -6342,7 +9156,7 @@
           <p:cNvPr id="21" name="TextBox 20">
             <a:extLst>
               <a:ext uri="{FF2B5EF4-FFF2-40B4-BE49-F238E27FC236}">
-                <a16:creationId xmlns:a16="http://schemas.microsoft.com/office/drawing/2014/main" id="{CB8F04AA-EE31-27FD-C90A-F22F4DE2D083}"/>
+                <a16:creationId xmlns:a16="http://schemas.microsoft.com/office/drawing/2014/main" id="{F2CD0024-A6E5-EE48-1AC0-3E4D95FF0E78}"/>
               </a:ext>
             </a:extLst>
           </p:cNvPr>
@@ -6372,16 +9186,14 @@
               <a:spcAft>
                 <a:spcPts val="800"/>
               </a:spcAft>
-              <a:buAutoNum type="arabicPeriod"/>
             </a:pPr>
             <a:r>
               <a:rPr lang="en-GB" sz="2800" b="1" kern="100" dirty="0">
-                <a:effectLst/>
                 <a:latin typeface="Times New Roman" panose="02020603050405020304" pitchFamily="18" charset="0"/>
                 <a:ea typeface="Aptos" panose="020B0004020202020204" pitchFamily="34" charset="0"/>
                 <a:cs typeface="Times New Roman" panose="02020603050405020304" pitchFamily="18" charset="0"/>
               </a:rPr>
-              <a:t>&lt;- : alt + -</a:t>
+              <a:t>1. run: ctrl + shift</a:t>
             </a:r>
           </a:p>
           <a:p>
@@ -6399,1208 +9211,7 @@
                 <a:ea typeface="Aptos" panose="020B0004020202020204" pitchFamily="34" charset="0"/>
                 <a:cs typeface="Times New Roman" panose="02020603050405020304" pitchFamily="18" charset="0"/>
               </a:rPr>
-              <a:t>2. </a:t>
-            </a:r>
-            <a:r>
-              <a:rPr lang="en-GB" sz="2800" b="1" kern="100" dirty="0">
-                <a:effectLst/>
-                <a:latin typeface="Times New Roman" panose="02020603050405020304" pitchFamily="18" charset="0"/>
-                <a:ea typeface="Aptos" panose="020B0004020202020204" pitchFamily="34" charset="0"/>
-                <a:cs typeface="Times New Roman" panose="02020603050405020304" pitchFamily="18" charset="0"/>
-              </a:rPr>
-              <a:t>run: alt + shift</a:t>
-            </a:r>
-          </a:p>
-        </p:txBody>
-      </p:sp>
-      <p:sp>
-        <p:nvSpPr>
-          <p:cNvPr id="22" name="TextBox 21">
-            <a:extLst>
-              <a:ext uri="{FF2B5EF4-FFF2-40B4-BE49-F238E27FC236}">
-                <a16:creationId xmlns:a16="http://schemas.microsoft.com/office/drawing/2014/main" id="{3C1D9CE2-04FC-89D7-F2E4-979A552A344E}"/>
-              </a:ext>
-            </a:extLst>
-          </p:cNvPr>
-          <p:cNvSpPr txBox="1"/>
-          <p:nvPr/>
-        </p:nvSpPr>
-        <p:spPr>
-          <a:xfrm>
-            <a:off x="123231" y="3491541"/>
-            <a:ext cx="3261100" cy="548099"/>
-          </a:xfrm>
-          <a:prstGeom prst="rect">
-            <a:avLst/>
-          </a:prstGeom>
-          <a:noFill/>
-        </p:spPr>
-        <p:txBody>
-          <a:bodyPr wrap="square">
-            <a:spAutoFit/>
-          </a:bodyPr>
-          <a:lstStyle/>
-          <a:p>
-            <a:pPr algn="ctr">
-              <a:lnSpc>
-                <a:spcPct val="115000"/>
-              </a:lnSpc>
-              <a:spcAft>
-                <a:spcPts val="800"/>
-              </a:spcAft>
-            </a:pPr>
-            <a:r>
-              <a:rPr lang="en-GB" sz="2800" b="1" kern="100" dirty="0">
-                <a:latin typeface="Times New Roman" panose="02020603050405020304" pitchFamily="18" charset="0"/>
-                <a:ea typeface="Aptos" panose="020B0004020202020204" pitchFamily="34" charset="0"/>
-                <a:cs typeface="Times New Roman" panose="02020603050405020304" pitchFamily="18" charset="0"/>
-              </a:rPr>
-              <a:t>Notice</a:t>
-            </a:r>
-            <a:endParaRPr lang="en-GB" sz="2800" b="1" kern="100" dirty="0">
-              <a:effectLst/>
-              <a:latin typeface="Times New Roman" panose="02020603050405020304" pitchFamily="18" charset="0"/>
-              <a:ea typeface="Aptos" panose="020B0004020202020204" pitchFamily="34" charset="0"/>
-              <a:cs typeface="Times New Roman" panose="02020603050405020304" pitchFamily="18" charset="0"/>
-            </a:endParaRPr>
-          </a:p>
-        </p:txBody>
-      </p:sp>
-      <p:sp>
-        <p:nvSpPr>
-          <p:cNvPr id="23" name="TextBox 22">
-            <a:extLst>
-              <a:ext uri="{FF2B5EF4-FFF2-40B4-BE49-F238E27FC236}">
-                <a16:creationId xmlns:a16="http://schemas.microsoft.com/office/drawing/2014/main" id="{DA13DA29-57B8-1353-4671-C9624F4CFD5D}"/>
-              </a:ext>
-            </a:extLst>
-          </p:cNvPr>
-          <p:cNvSpPr txBox="1"/>
-          <p:nvPr/>
-        </p:nvSpPr>
-        <p:spPr>
-          <a:xfrm>
-            <a:off x="300726" y="4206244"/>
-            <a:ext cx="3261100" cy="1744324"/>
-          </a:xfrm>
-          <a:prstGeom prst="rect">
-            <a:avLst/>
-          </a:prstGeom>
-          <a:noFill/>
-        </p:spPr>
-        <p:txBody>
-          <a:bodyPr wrap="square">
-            <a:spAutoFit/>
-          </a:bodyPr>
-          <a:lstStyle/>
-          <a:p>
-            <a:pPr marL="514350" indent="-514350">
-              <a:lnSpc>
-                <a:spcPct val="115000"/>
-              </a:lnSpc>
-              <a:spcAft>
-                <a:spcPts val="800"/>
-              </a:spcAft>
-              <a:buAutoNum type="arabicPeriod"/>
-            </a:pPr>
-            <a:r>
-              <a:rPr lang="en-GB" sz="2800" b="1" kern="100" dirty="0">
-                <a:latin typeface="Times New Roman" panose="02020603050405020304" pitchFamily="18" charset="0"/>
-                <a:ea typeface="Aptos" panose="020B0004020202020204" pitchFamily="34" charset="0"/>
-                <a:cs typeface="Times New Roman" panose="02020603050405020304" pitchFamily="18" charset="0"/>
-              </a:rPr>
-              <a:t>package?</a:t>
-            </a:r>
-          </a:p>
-          <a:p>
-            <a:pPr marL="514350" indent="-514350">
-              <a:lnSpc>
-                <a:spcPct val="115000"/>
-              </a:lnSpc>
-              <a:spcAft>
-                <a:spcPts val="800"/>
-              </a:spcAft>
-              <a:buAutoNum type="arabicPeriod"/>
-            </a:pPr>
-            <a:r>
-              <a:rPr lang="en-GB" sz="2800" b="1" kern="100" dirty="0">
-                <a:latin typeface="Times New Roman" panose="02020603050405020304" pitchFamily="18" charset="0"/>
-                <a:ea typeface="Aptos" panose="020B0004020202020204" pitchFamily="34" charset="0"/>
-                <a:cs typeface="Times New Roman" panose="02020603050405020304" pitchFamily="18" charset="0"/>
-              </a:rPr>
-              <a:t>c( )</a:t>
-            </a:r>
-          </a:p>
-          <a:p>
-            <a:pPr marL="514350" indent="-514350">
-              <a:lnSpc>
-                <a:spcPct val="115000"/>
-              </a:lnSpc>
-              <a:spcAft>
-                <a:spcPts val="800"/>
-              </a:spcAft>
-              <a:buFontTx/>
-              <a:buAutoNum type="arabicPeriod"/>
-            </a:pPr>
-            <a:r>
-              <a:rPr lang="en-GB" sz="2800" b="1" kern="100" dirty="0">
-                <a:latin typeface="Times New Roman" panose="02020603050405020304" pitchFamily="18" charset="0"/>
-                <a:ea typeface="Aptos" panose="020B0004020202020204" pitchFamily="34" charset="0"/>
-                <a:cs typeface="Times New Roman" panose="02020603050405020304" pitchFamily="18" charset="0"/>
-              </a:rPr>
-              <a:t>na.rm = TRUE</a:t>
-            </a:r>
-          </a:p>
-        </p:txBody>
-      </p:sp>
-    </p:spTree>
-    <p:extLst>
-      <p:ext uri="{BB962C8B-B14F-4D97-AF65-F5344CB8AC3E}">
-        <p14:creationId xmlns:p14="http://schemas.microsoft.com/office/powerpoint/2010/main" val="3343366501"/>
-      </p:ext>
-    </p:extLst>
-  </p:cSld>
-  <p:clrMapOvr>
-    <a:masterClrMapping/>
-  </p:clrMapOvr>
-</p:sld>
-</file>
-
-<file path=ppt/slides/slide12.xml><?xml version="1.0" encoding="utf-8"?>
-<p:sld xmlns:a="http://schemas.openxmlformats.org/drawingml/2006/main" xmlns:r="http://schemas.openxmlformats.org/officeDocument/2006/relationships" xmlns:p="http://schemas.openxmlformats.org/presentationml/2006/main">
-  <p:cSld>
-    <p:spTree>
-      <p:nvGrpSpPr>
-        <p:cNvPr id="1" name="">
-          <a:extLst>
-            <a:ext uri="{FF2B5EF4-FFF2-40B4-BE49-F238E27FC236}">
-              <a16:creationId xmlns:a16="http://schemas.microsoft.com/office/drawing/2014/main" id="{640B1663-4FCF-FB63-0556-8DBF8535FD2F}"/>
-            </a:ext>
-          </a:extLst>
-        </p:cNvPr>
-        <p:cNvGrpSpPr/>
-        <p:nvPr/>
-      </p:nvGrpSpPr>
-      <p:grpSpPr>
-        <a:xfrm>
-          <a:off x="0" y="0"/>
-          <a:ext cx="0" cy="0"/>
-          <a:chOff x="0" y="0"/>
-          <a:chExt cx="0" cy="0"/>
-        </a:xfrm>
-      </p:grpSpPr>
-      <p:sp>
-        <p:nvSpPr>
-          <p:cNvPr id="4" name="Slide Number Placeholder 3">
-            <a:extLst>
-              <a:ext uri="{FF2B5EF4-FFF2-40B4-BE49-F238E27FC236}">
-                <a16:creationId xmlns:a16="http://schemas.microsoft.com/office/drawing/2014/main" id="{FC8606A3-C769-4E4A-197D-9D295E4FF1AB}"/>
-              </a:ext>
-            </a:extLst>
-          </p:cNvPr>
-          <p:cNvSpPr>
-            <a:spLocks noGrp="1"/>
-          </p:cNvSpPr>
-          <p:nvPr>
-            <p:ph type="sldNum" sz="quarter" idx="12"/>
-          </p:nvPr>
-        </p:nvSpPr>
-        <p:spPr/>
-        <p:txBody>
-          <a:bodyPr/>
-          <a:lstStyle/>
-          <a:p>
-            <a:fld id="{5166AB3F-E072-48B3-A098-F27821F9BD73}" type="slidenum">
-              <a:rPr lang="en-GB" smtClean="0"/>
-              <a:t>12</a:t>
-            </a:fld>
-            <a:endParaRPr lang="en-GB" dirty="0"/>
-          </a:p>
-        </p:txBody>
-      </p:sp>
-      <p:sp>
-        <p:nvSpPr>
-          <p:cNvPr id="3" name="TextBox 2">
-            <a:extLst>
-              <a:ext uri="{FF2B5EF4-FFF2-40B4-BE49-F238E27FC236}">
-                <a16:creationId xmlns:a16="http://schemas.microsoft.com/office/drawing/2014/main" id="{61E230D1-CDAF-83A5-C22B-29612AF18125}"/>
-              </a:ext>
-            </a:extLst>
-          </p:cNvPr>
-          <p:cNvSpPr txBox="1"/>
-          <p:nvPr/>
-        </p:nvSpPr>
-        <p:spPr>
-          <a:xfrm>
-            <a:off x="117975" y="396986"/>
-            <a:ext cx="8353363" cy="808619"/>
-          </a:xfrm>
-          <a:prstGeom prst="rect">
-            <a:avLst/>
-          </a:prstGeom>
-          <a:noFill/>
-        </p:spPr>
-        <p:txBody>
-          <a:bodyPr wrap="square">
-            <a:spAutoFit/>
-          </a:bodyPr>
-          <a:lstStyle/>
-          <a:p>
-            <a:pPr algn="ctr">
-              <a:lnSpc>
-                <a:spcPct val="115000"/>
-              </a:lnSpc>
-              <a:spcAft>
-                <a:spcPts val="800"/>
-              </a:spcAft>
-            </a:pPr>
-            <a:r>
-              <a:rPr lang="en-GB" sz="4400" b="1" kern="100" dirty="0">
-                <a:latin typeface="Times New Roman" panose="02020603050405020304" pitchFamily="18" charset="0"/>
-                <a:ea typeface="Aptos" panose="020B0004020202020204" pitchFamily="34" charset="0"/>
-                <a:cs typeface="Times New Roman" panose="02020603050405020304" pitchFamily="18" charset="0"/>
-              </a:rPr>
-              <a:t>4.</a:t>
-            </a:r>
-            <a:r>
-              <a:rPr lang="en-GB" sz="4400" b="1" kern="100" dirty="0">
-                <a:effectLst/>
-                <a:latin typeface="Times New Roman" panose="02020603050405020304" pitchFamily="18" charset="0"/>
-                <a:ea typeface="Aptos" panose="020B0004020202020204" pitchFamily="34" charset="0"/>
-                <a:cs typeface="Times New Roman" panose="02020603050405020304" pitchFamily="18" charset="0"/>
-              </a:rPr>
-              <a:t> Advanced data transformation</a:t>
-            </a:r>
-          </a:p>
-        </p:txBody>
-      </p:sp>
-      <p:sp>
-        <p:nvSpPr>
-          <p:cNvPr id="19" name="Rectangle 18">
-            <a:extLst>
-              <a:ext uri="{FF2B5EF4-FFF2-40B4-BE49-F238E27FC236}">
-                <a16:creationId xmlns:a16="http://schemas.microsoft.com/office/drawing/2014/main" id="{0DA94D61-B2E6-2916-390B-820CCF54FEE6}"/>
-              </a:ext>
-            </a:extLst>
-          </p:cNvPr>
-          <p:cNvSpPr/>
-          <p:nvPr/>
-        </p:nvSpPr>
-        <p:spPr>
-          <a:xfrm>
-            <a:off x="325821" y="1334814"/>
-            <a:ext cx="3058510" cy="2094186"/>
-          </a:xfrm>
-          <a:prstGeom prst="rect">
-            <a:avLst/>
-          </a:prstGeom>
-          <a:ln>
-            <a:solidFill>
-              <a:srgbClr val="FF0000"/>
-            </a:solidFill>
-          </a:ln>
-        </p:spPr>
-        <p:style>
-          <a:lnRef idx="2">
-            <a:schemeClr val="accent6"/>
-          </a:lnRef>
-          <a:fillRef idx="1">
-            <a:schemeClr val="lt1"/>
-          </a:fillRef>
-          <a:effectRef idx="0">
-            <a:schemeClr val="accent6"/>
-          </a:effectRef>
-          <a:fontRef idx="minor">
-            <a:schemeClr val="dk1"/>
-          </a:fontRef>
-        </p:style>
-        <p:txBody>
-          <a:bodyPr rtlCol="0" anchor="ctr"/>
-          <a:lstStyle/>
-          <a:p>
-            <a:pPr algn="ctr"/>
-            <a:endParaRPr lang="en-GB" dirty="0"/>
-          </a:p>
-        </p:txBody>
-      </p:sp>
-      <p:sp>
-        <p:nvSpPr>
-          <p:cNvPr id="20" name="TextBox 19">
-            <a:extLst>
-              <a:ext uri="{FF2B5EF4-FFF2-40B4-BE49-F238E27FC236}">
-                <a16:creationId xmlns:a16="http://schemas.microsoft.com/office/drawing/2014/main" id="{21887C21-7C2E-C9EF-F75E-31BC0052AC15}"/>
-              </a:ext>
-            </a:extLst>
-          </p:cNvPr>
-          <p:cNvSpPr txBox="1"/>
-          <p:nvPr/>
-        </p:nvSpPr>
-        <p:spPr>
-          <a:xfrm>
-            <a:off x="224526" y="1372209"/>
-            <a:ext cx="3261100" cy="548099"/>
-          </a:xfrm>
-          <a:prstGeom prst="rect">
-            <a:avLst/>
-          </a:prstGeom>
-          <a:noFill/>
-        </p:spPr>
-        <p:txBody>
-          <a:bodyPr wrap="square">
-            <a:spAutoFit/>
-          </a:bodyPr>
-          <a:lstStyle/>
-          <a:p>
-            <a:pPr algn="ctr">
-              <a:lnSpc>
-                <a:spcPct val="115000"/>
-              </a:lnSpc>
-              <a:spcAft>
-                <a:spcPts val="800"/>
-              </a:spcAft>
-            </a:pPr>
-            <a:r>
-              <a:rPr lang="en-GB" sz="2800" b="1" kern="100" dirty="0">
-                <a:effectLst/>
-                <a:latin typeface="Times New Roman" panose="02020603050405020304" pitchFamily="18" charset="0"/>
-                <a:ea typeface="Aptos" panose="020B0004020202020204" pitchFamily="34" charset="0"/>
-                <a:cs typeface="Times New Roman" panose="02020603050405020304" pitchFamily="18" charset="0"/>
-              </a:rPr>
-              <a:t>Shortcut</a:t>
-            </a:r>
-            <a:r>
-              <a:rPr lang="en-GB" sz="2800" b="1" kern="100" dirty="0">
-                <a:latin typeface="Times New Roman" panose="02020603050405020304" pitchFamily="18" charset="0"/>
-                <a:ea typeface="Aptos" panose="020B0004020202020204" pitchFamily="34" charset="0"/>
-                <a:cs typeface="Times New Roman" panose="02020603050405020304" pitchFamily="18" charset="0"/>
-              </a:rPr>
-              <a:t>s</a:t>
-            </a:r>
-            <a:endParaRPr lang="en-GB" sz="2800" b="1" kern="100" dirty="0">
-              <a:effectLst/>
-              <a:latin typeface="Times New Roman" panose="02020603050405020304" pitchFamily="18" charset="0"/>
-              <a:ea typeface="Aptos" panose="020B0004020202020204" pitchFamily="34" charset="0"/>
-              <a:cs typeface="Times New Roman" panose="02020603050405020304" pitchFamily="18" charset="0"/>
-            </a:endParaRPr>
-          </a:p>
-        </p:txBody>
-      </p:sp>
-      <p:sp>
-        <p:nvSpPr>
-          <p:cNvPr id="21" name="TextBox 20">
-            <a:extLst>
-              <a:ext uri="{FF2B5EF4-FFF2-40B4-BE49-F238E27FC236}">
-                <a16:creationId xmlns:a16="http://schemas.microsoft.com/office/drawing/2014/main" id="{404BAEBF-AC2A-6C04-2ED1-1A43832E5898}"/>
-              </a:ext>
-            </a:extLst>
-          </p:cNvPr>
-          <p:cNvSpPr txBox="1"/>
-          <p:nvPr/>
-        </p:nvSpPr>
-        <p:spPr>
-          <a:xfrm>
-            <a:off x="433285" y="2049517"/>
-            <a:ext cx="3261100" cy="1146211"/>
-          </a:xfrm>
-          <a:prstGeom prst="rect">
-            <a:avLst/>
-          </a:prstGeom>
-          <a:noFill/>
-        </p:spPr>
-        <p:txBody>
-          <a:bodyPr wrap="square">
-            <a:spAutoFit/>
-          </a:bodyPr>
-          <a:lstStyle/>
-          <a:p>
-            <a:pPr>
-              <a:lnSpc>
-                <a:spcPct val="115000"/>
-              </a:lnSpc>
-              <a:spcAft>
-                <a:spcPts val="800"/>
-              </a:spcAft>
-              <a:buAutoNum type="arabicPeriod"/>
-            </a:pPr>
-            <a:r>
-              <a:rPr lang="en-GB" sz="2800" b="1" kern="100" dirty="0">
-                <a:effectLst/>
-                <a:latin typeface="Times New Roman" panose="02020603050405020304" pitchFamily="18" charset="0"/>
-                <a:ea typeface="Aptos" panose="020B0004020202020204" pitchFamily="34" charset="0"/>
-                <a:cs typeface="Times New Roman" panose="02020603050405020304" pitchFamily="18" charset="0"/>
-              </a:rPr>
-              <a:t>&lt;- : alt + -</a:t>
-            </a:r>
-          </a:p>
-          <a:p>
-            <a:pPr>
-              <a:lnSpc>
-                <a:spcPct val="115000"/>
-              </a:lnSpc>
-              <a:spcAft>
-                <a:spcPts val="800"/>
-              </a:spcAft>
-            </a:pPr>
-            <a:r>
-              <a:rPr lang="en-GB" sz="2800" b="1" kern="100" dirty="0">
-                <a:latin typeface="Times New Roman" panose="02020603050405020304" pitchFamily="18" charset="0"/>
-                <a:ea typeface="Aptos" panose="020B0004020202020204" pitchFamily="34" charset="0"/>
-                <a:cs typeface="Times New Roman" panose="02020603050405020304" pitchFamily="18" charset="0"/>
-              </a:rPr>
-              <a:t>2. </a:t>
-            </a:r>
-            <a:r>
-              <a:rPr lang="en-GB" sz="2800" b="1" kern="100" dirty="0">
-                <a:effectLst/>
-                <a:latin typeface="Times New Roman" panose="02020603050405020304" pitchFamily="18" charset="0"/>
-                <a:ea typeface="Aptos" panose="020B0004020202020204" pitchFamily="34" charset="0"/>
-                <a:cs typeface="Times New Roman" panose="02020603050405020304" pitchFamily="18" charset="0"/>
-              </a:rPr>
-              <a:t>run: alt + shift</a:t>
-            </a:r>
-          </a:p>
-        </p:txBody>
-      </p:sp>
-      <p:sp>
-        <p:nvSpPr>
-          <p:cNvPr id="2" name="Rectangle 1">
-            <a:extLst>
-              <a:ext uri="{FF2B5EF4-FFF2-40B4-BE49-F238E27FC236}">
-                <a16:creationId xmlns:a16="http://schemas.microsoft.com/office/drawing/2014/main" id="{BDC9B973-0820-6990-2C19-20BD4A177284}"/>
-              </a:ext>
-            </a:extLst>
-          </p:cNvPr>
-          <p:cNvSpPr/>
-          <p:nvPr/>
-        </p:nvSpPr>
-        <p:spPr>
-          <a:xfrm>
-            <a:off x="3765063" y="1334814"/>
-            <a:ext cx="7102634" cy="5021536"/>
-          </a:xfrm>
-          <a:prstGeom prst="rect">
-            <a:avLst/>
-          </a:prstGeom>
-          <a:ln>
-            <a:solidFill>
-              <a:srgbClr val="FF0000"/>
-            </a:solidFill>
-          </a:ln>
-        </p:spPr>
-        <p:style>
-          <a:lnRef idx="2">
-            <a:schemeClr val="accent6"/>
-          </a:lnRef>
-          <a:fillRef idx="1">
-            <a:schemeClr val="lt1"/>
-          </a:fillRef>
-          <a:effectRef idx="0">
-            <a:schemeClr val="accent6"/>
-          </a:effectRef>
-          <a:fontRef idx="minor">
-            <a:schemeClr val="dk1"/>
-          </a:fontRef>
-        </p:style>
-        <p:txBody>
-          <a:bodyPr rtlCol="0" anchor="ctr"/>
-          <a:lstStyle/>
-          <a:p>
-            <a:pPr algn="ctr"/>
-            <a:endParaRPr lang="en-GB" dirty="0"/>
-          </a:p>
-        </p:txBody>
-      </p:sp>
-      <p:sp>
-        <p:nvSpPr>
-          <p:cNvPr id="7" name="TextBox 6">
-            <a:extLst>
-              <a:ext uri="{FF2B5EF4-FFF2-40B4-BE49-F238E27FC236}">
-                <a16:creationId xmlns:a16="http://schemas.microsoft.com/office/drawing/2014/main" id="{4693364B-318E-C998-2FA7-84449547678A}"/>
-              </a:ext>
-            </a:extLst>
-          </p:cNvPr>
-          <p:cNvSpPr txBox="1"/>
-          <p:nvPr/>
-        </p:nvSpPr>
-        <p:spPr>
-          <a:xfrm>
-            <a:off x="5685830" y="1334814"/>
-            <a:ext cx="3261100" cy="548099"/>
-          </a:xfrm>
-          <a:prstGeom prst="rect">
-            <a:avLst/>
-          </a:prstGeom>
-          <a:noFill/>
-        </p:spPr>
-        <p:txBody>
-          <a:bodyPr wrap="square">
-            <a:spAutoFit/>
-          </a:bodyPr>
-          <a:lstStyle/>
-          <a:p>
-            <a:pPr algn="ctr">
-              <a:lnSpc>
-                <a:spcPct val="115000"/>
-              </a:lnSpc>
-              <a:spcAft>
-                <a:spcPts val="800"/>
-              </a:spcAft>
-            </a:pPr>
-            <a:r>
-              <a:rPr lang="en-GB" sz="2800" b="1" kern="100" dirty="0">
-                <a:latin typeface="Times New Roman" panose="02020603050405020304" pitchFamily="18" charset="0"/>
-                <a:ea typeface="Aptos" panose="020B0004020202020204" pitchFamily="34" charset="0"/>
-                <a:cs typeface="Times New Roman" panose="02020603050405020304" pitchFamily="18" charset="0"/>
-              </a:rPr>
-              <a:t>Notice</a:t>
-            </a:r>
-            <a:endParaRPr lang="en-GB" sz="2800" b="1" kern="100" dirty="0">
-              <a:effectLst/>
-              <a:latin typeface="Times New Roman" panose="02020603050405020304" pitchFamily="18" charset="0"/>
-              <a:ea typeface="Aptos" panose="020B0004020202020204" pitchFamily="34" charset="0"/>
-              <a:cs typeface="Times New Roman" panose="02020603050405020304" pitchFamily="18" charset="0"/>
-            </a:endParaRPr>
-          </a:p>
-        </p:txBody>
-      </p:sp>
-      <p:sp>
-        <p:nvSpPr>
-          <p:cNvPr id="9" name="TextBox 8">
-            <a:extLst>
-              <a:ext uri="{FF2B5EF4-FFF2-40B4-BE49-F238E27FC236}">
-                <a16:creationId xmlns:a16="http://schemas.microsoft.com/office/drawing/2014/main" id="{858C6D6A-9574-961B-9B45-87D582A2A690}"/>
-              </a:ext>
-            </a:extLst>
-          </p:cNvPr>
-          <p:cNvSpPr txBox="1"/>
-          <p:nvPr/>
-        </p:nvSpPr>
-        <p:spPr>
-          <a:xfrm>
-            <a:off x="3973822" y="1920308"/>
-            <a:ext cx="3261100" cy="3538661"/>
-          </a:xfrm>
-          <a:prstGeom prst="rect">
-            <a:avLst/>
-          </a:prstGeom>
-          <a:noFill/>
-        </p:spPr>
-        <p:txBody>
-          <a:bodyPr wrap="square">
-            <a:spAutoFit/>
-          </a:bodyPr>
-          <a:lstStyle/>
-          <a:p>
-            <a:pPr marL="514350" indent="-514350">
-              <a:lnSpc>
-                <a:spcPct val="115000"/>
-              </a:lnSpc>
-              <a:spcAft>
-                <a:spcPts val="800"/>
-              </a:spcAft>
-              <a:buAutoNum type="arabicPeriod"/>
-            </a:pPr>
-            <a:r>
-              <a:rPr lang="en-GB" sz="2800" b="1" kern="100" dirty="0">
-                <a:latin typeface="Times New Roman" panose="02020603050405020304" pitchFamily="18" charset="0"/>
-                <a:ea typeface="Aptos" panose="020B0004020202020204" pitchFamily="34" charset="0"/>
-                <a:cs typeface="Times New Roman" panose="02020603050405020304" pitchFamily="18" charset="0"/>
-              </a:rPr>
-              <a:t>c( )</a:t>
-            </a:r>
-          </a:p>
-          <a:p>
-            <a:pPr marL="514350" indent="-514350">
-              <a:lnSpc>
-                <a:spcPct val="115000"/>
-              </a:lnSpc>
-              <a:spcAft>
-                <a:spcPts val="800"/>
-              </a:spcAft>
-              <a:buFontTx/>
-              <a:buAutoNum type="arabicPeriod"/>
-            </a:pPr>
-            <a:r>
-              <a:rPr lang="en-GB" sz="2800" b="1" kern="100" dirty="0">
-                <a:latin typeface="Times New Roman" panose="02020603050405020304" pitchFamily="18" charset="0"/>
-                <a:ea typeface="Aptos" panose="020B0004020202020204" pitchFamily="34" charset="0"/>
-                <a:cs typeface="Times New Roman" panose="02020603050405020304" pitchFamily="18" charset="0"/>
-              </a:rPr>
-              <a:t>is.na()</a:t>
-            </a:r>
-          </a:p>
-          <a:p>
-            <a:pPr marL="514350" indent="-514350">
-              <a:lnSpc>
-                <a:spcPct val="115000"/>
-              </a:lnSpc>
-              <a:spcAft>
-                <a:spcPts val="800"/>
-              </a:spcAft>
-              <a:buFontTx/>
-              <a:buAutoNum type="arabicPeriod"/>
-            </a:pPr>
-            <a:r>
-              <a:rPr lang="en-GB" sz="2800" b="1" kern="100" dirty="0" err="1">
-                <a:latin typeface="Times New Roman" panose="02020603050405020304" pitchFamily="18" charset="0"/>
-                <a:ea typeface="Aptos" panose="020B0004020202020204" pitchFamily="34" charset="0"/>
-                <a:cs typeface="Times New Roman" panose="02020603050405020304" pitchFamily="18" charset="0"/>
-              </a:rPr>
-              <a:t>complete.cases</a:t>
-            </a:r>
-            <a:r>
-              <a:rPr lang="en-GB" sz="2800" b="1" kern="100" dirty="0">
-                <a:latin typeface="Times New Roman" panose="02020603050405020304" pitchFamily="18" charset="0"/>
-                <a:ea typeface="Aptos" panose="020B0004020202020204" pitchFamily="34" charset="0"/>
-                <a:cs typeface="Times New Roman" panose="02020603050405020304" pitchFamily="18" charset="0"/>
-              </a:rPr>
-              <a:t>()</a:t>
-            </a:r>
-          </a:p>
-          <a:p>
-            <a:pPr marL="514350" indent="-514350">
-              <a:lnSpc>
-                <a:spcPct val="115000"/>
-              </a:lnSpc>
-              <a:spcAft>
-                <a:spcPts val="800"/>
-              </a:spcAft>
-              <a:buFontTx/>
-              <a:buAutoNum type="arabicPeriod"/>
-            </a:pPr>
-            <a:r>
-              <a:rPr lang="en-GB" sz="2800" b="1" kern="100" dirty="0">
-                <a:latin typeface="Times New Roman" panose="02020603050405020304" pitchFamily="18" charset="0"/>
-                <a:ea typeface="Aptos" panose="020B0004020202020204" pitchFamily="34" charset="0"/>
-                <a:cs typeface="Times New Roman" panose="02020603050405020304" pitchFamily="18" charset="0"/>
-              </a:rPr>
-              <a:t>which()</a:t>
-            </a:r>
-          </a:p>
-          <a:p>
-            <a:pPr marL="514350" indent="-514350">
-              <a:lnSpc>
-                <a:spcPct val="115000"/>
-              </a:lnSpc>
-              <a:spcAft>
-                <a:spcPts val="800"/>
-              </a:spcAft>
-              <a:buFontTx/>
-              <a:buAutoNum type="arabicPeriod"/>
-            </a:pPr>
-            <a:r>
-              <a:rPr lang="en-GB" sz="2800" b="1" kern="100" dirty="0">
-                <a:latin typeface="Times New Roman" panose="02020603050405020304" pitchFamily="18" charset="0"/>
-                <a:ea typeface="Aptos" panose="020B0004020202020204" pitchFamily="34" charset="0"/>
-                <a:cs typeface="Times New Roman" panose="02020603050405020304" pitchFamily="18" charset="0"/>
-              </a:rPr>
-              <a:t>%&gt;%</a:t>
-            </a:r>
-          </a:p>
-          <a:p>
-            <a:pPr marL="514350" indent="-514350">
-              <a:lnSpc>
-                <a:spcPct val="115000"/>
-              </a:lnSpc>
-              <a:spcAft>
-                <a:spcPts val="800"/>
-              </a:spcAft>
-              <a:buFontTx/>
-              <a:buAutoNum type="arabicPeriod"/>
-            </a:pPr>
-            <a:r>
-              <a:rPr lang="en-GB" sz="2800" b="1" kern="100" dirty="0" err="1">
-                <a:latin typeface="Times New Roman" panose="02020603050405020304" pitchFamily="18" charset="0"/>
-                <a:ea typeface="Aptos" panose="020B0004020202020204" pitchFamily="34" charset="0"/>
-                <a:cs typeface="Times New Roman" panose="02020603050405020304" pitchFamily="18" charset="0"/>
-              </a:rPr>
-              <a:t>group_by</a:t>
-            </a:r>
-            <a:r>
-              <a:rPr lang="en-GB" sz="2800" b="1" kern="100" dirty="0">
-                <a:latin typeface="Times New Roman" panose="02020603050405020304" pitchFamily="18" charset="0"/>
-                <a:ea typeface="Aptos" panose="020B0004020202020204" pitchFamily="34" charset="0"/>
-                <a:cs typeface="Times New Roman" panose="02020603050405020304" pitchFamily="18" charset="0"/>
-              </a:rPr>
-              <a:t>()</a:t>
-            </a:r>
-          </a:p>
-        </p:txBody>
-      </p:sp>
-    </p:spTree>
-    <p:extLst>
-      <p:ext uri="{BB962C8B-B14F-4D97-AF65-F5344CB8AC3E}">
-        <p14:creationId xmlns:p14="http://schemas.microsoft.com/office/powerpoint/2010/main" val="3717963987"/>
-      </p:ext>
-    </p:extLst>
-  </p:cSld>
-  <p:clrMapOvr>
-    <a:masterClrMapping/>
-  </p:clrMapOvr>
-</p:sld>
-</file>
-
-<file path=ppt/slides/slide13.xml><?xml version="1.0" encoding="utf-8"?>
-<p:sld xmlns:a="http://schemas.openxmlformats.org/drawingml/2006/main" xmlns:r="http://schemas.openxmlformats.org/officeDocument/2006/relationships" xmlns:p="http://schemas.openxmlformats.org/presentationml/2006/main">
-  <p:cSld>
-    <p:spTree>
-      <p:nvGrpSpPr>
-        <p:cNvPr id="1" name="">
-          <a:extLst>
-            <a:ext uri="{FF2B5EF4-FFF2-40B4-BE49-F238E27FC236}">
-              <a16:creationId xmlns:a16="http://schemas.microsoft.com/office/drawing/2014/main" id="{DBC87335-C217-B910-844C-0C137BE66702}"/>
-            </a:ext>
-          </a:extLst>
-        </p:cNvPr>
-        <p:cNvGrpSpPr/>
-        <p:nvPr/>
-      </p:nvGrpSpPr>
-      <p:grpSpPr>
-        <a:xfrm>
-          <a:off x="0" y="0"/>
-          <a:ext cx="0" cy="0"/>
-          <a:chOff x="0" y="0"/>
-          <a:chExt cx="0" cy="0"/>
-        </a:xfrm>
-      </p:grpSpPr>
-      <p:sp>
-        <p:nvSpPr>
-          <p:cNvPr id="6" name="Rectangle 5">
-            <a:extLst>
-              <a:ext uri="{FF2B5EF4-FFF2-40B4-BE49-F238E27FC236}">
-                <a16:creationId xmlns:a16="http://schemas.microsoft.com/office/drawing/2014/main" id="{07571297-2B1B-F0D3-C375-74E48215EF3B}"/>
-              </a:ext>
-            </a:extLst>
-          </p:cNvPr>
-          <p:cNvSpPr/>
-          <p:nvPr/>
-        </p:nvSpPr>
-        <p:spPr>
-          <a:xfrm>
-            <a:off x="3510721" y="1347952"/>
-            <a:ext cx="8374384" cy="4870936"/>
-          </a:xfrm>
-          <a:prstGeom prst="rect">
-            <a:avLst/>
-          </a:prstGeom>
-        </p:spPr>
-        <p:style>
-          <a:lnRef idx="2">
-            <a:schemeClr val="accent6"/>
-          </a:lnRef>
-          <a:fillRef idx="1">
-            <a:schemeClr val="lt1"/>
-          </a:fillRef>
-          <a:effectRef idx="0">
-            <a:schemeClr val="accent6"/>
-          </a:effectRef>
-          <a:fontRef idx="minor">
-            <a:schemeClr val="dk1"/>
-          </a:fontRef>
-        </p:style>
-        <p:txBody>
-          <a:bodyPr rtlCol="0" anchor="ctr"/>
-          <a:lstStyle/>
-          <a:p>
-            <a:pPr algn="ctr"/>
-            <a:endParaRPr lang="en-GB" dirty="0"/>
-          </a:p>
-        </p:txBody>
-      </p:sp>
-      <p:sp>
-        <p:nvSpPr>
-          <p:cNvPr id="4" name="Slide Number Placeholder 3">
-            <a:extLst>
-              <a:ext uri="{FF2B5EF4-FFF2-40B4-BE49-F238E27FC236}">
-                <a16:creationId xmlns:a16="http://schemas.microsoft.com/office/drawing/2014/main" id="{DB822318-3C06-01D4-BB4B-06FE15142702}"/>
-              </a:ext>
-            </a:extLst>
-          </p:cNvPr>
-          <p:cNvSpPr>
-            <a:spLocks noGrp="1"/>
-          </p:cNvSpPr>
-          <p:nvPr>
-            <p:ph type="sldNum" sz="quarter" idx="12"/>
-          </p:nvPr>
-        </p:nvSpPr>
-        <p:spPr/>
-        <p:txBody>
-          <a:bodyPr/>
-          <a:lstStyle/>
-          <a:p>
-            <a:fld id="{5166AB3F-E072-48B3-A098-F27821F9BD73}" type="slidenum">
-              <a:rPr lang="en-GB" smtClean="0"/>
-              <a:t>13</a:t>
-            </a:fld>
-            <a:endParaRPr lang="en-GB" dirty="0"/>
-          </a:p>
-        </p:txBody>
-      </p:sp>
-      <p:sp>
-        <p:nvSpPr>
-          <p:cNvPr id="3" name="TextBox 2">
-            <a:extLst>
-              <a:ext uri="{FF2B5EF4-FFF2-40B4-BE49-F238E27FC236}">
-                <a16:creationId xmlns:a16="http://schemas.microsoft.com/office/drawing/2014/main" id="{ED70C8B9-16B6-3042-DB64-C8D50E23A8D0}"/>
-              </a:ext>
-            </a:extLst>
-          </p:cNvPr>
-          <p:cNvSpPr txBox="1"/>
-          <p:nvPr/>
-        </p:nvSpPr>
-        <p:spPr>
-          <a:xfrm>
-            <a:off x="117975" y="396986"/>
-            <a:ext cx="9614604" cy="808619"/>
-          </a:xfrm>
-          <a:prstGeom prst="rect">
-            <a:avLst/>
-          </a:prstGeom>
-          <a:noFill/>
-        </p:spPr>
-        <p:txBody>
-          <a:bodyPr wrap="square">
-            <a:spAutoFit/>
-          </a:bodyPr>
-          <a:lstStyle/>
-          <a:p>
-            <a:pPr algn="ctr">
-              <a:lnSpc>
-                <a:spcPct val="115000"/>
-              </a:lnSpc>
-              <a:spcAft>
-                <a:spcPts val="800"/>
-              </a:spcAft>
-            </a:pPr>
-            <a:r>
-              <a:rPr lang="en-GB" sz="4400" b="1" kern="100" dirty="0">
-                <a:effectLst/>
-                <a:latin typeface="Times New Roman" panose="02020603050405020304" pitchFamily="18" charset="0"/>
-                <a:ea typeface="Aptos" panose="020B0004020202020204" pitchFamily="34" charset="0"/>
-                <a:cs typeface="Times New Roman" panose="02020603050405020304" pitchFamily="18" charset="0"/>
-              </a:rPr>
-              <a:t>Task </a:t>
-            </a:r>
-            <a:r>
-              <a:rPr lang="en-GB" sz="4400" b="1" kern="100" dirty="0">
-                <a:latin typeface="Times New Roman" panose="02020603050405020304" pitchFamily="18" charset="0"/>
-                <a:ea typeface="Aptos" panose="020B0004020202020204" pitchFamily="34" charset="0"/>
-                <a:cs typeface="Times New Roman" panose="02020603050405020304" pitchFamily="18" charset="0"/>
-              </a:rPr>
-              <a:t>3</a:t>
-            </a:r>
-            <a:r>
-              <a:rPr lang="en-GB" sz="4400" b="1" kern="100" dirty="0">
-                <a:effectLst/>
-                <a:latin typeface="Times New Roman" panose="02020603050405020304" pitchFamily="18" charset="0"/>
-                <a:ea typeface="Aptos" panose="020B0004020202020204" pitchFamily="34" charset="0"/>
-                <a:cs typeface="Times New Roman" panose="02020603050405020304" pitchFamily="18" charset="0"/>
-              </a:rPr>
-              <a:t>: write your code in a clean way</a:t>
-            </a:r>
-          </a:p>
-        </p:txBody>
-      </p:sp>
-      <p:sp>
-        <p:nvSpPr>
-          <p:cNvPr id="12" name="TextBox 11">
-            <a:extLst>
-              <a:ext uri="{FF2B5EF4-FFF2-40B4-BE49-F238E27FC236}">
-                <a16:creationId xmlns:a16="http://schemas.microsoft.com/office/drawing/2014/main" id="{5A698FA5-3E7F-CF2C-BFD0-0CA49BE1C2C2}"/>
-              </a:ext>
-            </a:extLst>
-          </p:cNvPr>
-          <p:cNvSpPr txBox="1"/>
-          <p:nvPr/>
-        </p:nvSpPr>
-        <p:spPr>
-          <a:xfrm>
-            <a:off x="3921539" y="1792871"/>
-            <a:ext cx="7356061" cy="3539430"/>
-          </a:xfrm>
-          <a:prstGeom prst="rect">
-            <a:avLst/>
-          </a:prstGeom>
-          <a:noFill/>
-        </p:spPr>
-        <p:txBody>
-          <a:bodyPr wrap="square" rtlCol="0">
-            <a:spAutoFit/>
-          </a:bodyPr>
-          <a:lstStyle/>
-          <a:p>
-            <a:pPr marL="514350" indent="-514350">
-              <a:buAutoNum type="arabicPeriod"/>
-            </a:pPr>
-            <a:r>
-              <a:rPr lang="en-GB" sz="3200" dirty="0">
-                <a:latin typeface="Times New Roman" panose="02020603050405020304" pitchFamily="18" charset="0"/>
-                <a:cs typeface="Times New Roman" panose="02020603050405020304" pitchFamily="18" charset="0"/>
-              </a:rPr>
-              <a:t>Read ‘</a:t>
-            </a:r>
-            <a:r>
-              <a:rPr lang="en-GB" sz="3200" dirty="0" err="1">
-                <a:latin typeface="Times New Roman" panose="02020603050405020304" pitchFamily="18" charset="0"/>
-                <a:cs typeface="Times New Roman" panose="02020603050405020304" pitchFamily="18" charset="0"/>
-              </a:rPr>
-              <a:t>psych_data</a:t>
-            </a:r>
-            <a:r>
-              <a:rPr lang="en-GB" sz="3200" dirty="0">
-                <a:latin typeface="Times New Roman" panose="02020603050405020304" pitchFamily="18" charset="0"/>
-                <a:cs typeface="Times New Roman" panose="02020603050405020304" pitchFamily="18" charset="0"/>
-              </a:rPr>
-              <a:t>’</a:t>
-            </a:r>
-          </a:p>
-          <a:p>
-            <a:pPr marL="514350" indent="-514350">
-              <a:buAutoNum type="arabicPeriod"/>
-            </a:pPr>
-            <a:r>
-              <a:rPr lang="en-GB" sz="3200" dirty="0">
-                <a:latin typeface="Times New Roman" panose="02020603050405020304" pitchFamily="18" charset="0"/>
-                <a:cs typeface="Times New Roman" panose="02020603050405020304" pitchFamily="18" charset="0"/>
-              </a:rPr>
-              <a:t>Only keep </a:t>
-            </a:r>
-            <a:r>
-              <a:rPr lang="en-GB" sz="3200" b="1" dirty="0">
-                <a:latin typeface="Times New Roman" panose="02020603050405020304" pitchFamily="18" charset="0"/>
-                <a:cs typeface="Times New Roman" panose="02020603050405020304" pitchFamily="18" charset="0"/>
-              </a:rPr>
-              <a:t>accurate Task 1 </a:t>
-            </a:r>
-            <a:r>
-              <a:rPr lang="en-GB" sz="3200" dirty="0">
-                <a:latin typeface="Times New Roman" panose="02020603050405020304" pitchFamily="18" charset="0"/>
-                <a:cs typeface="Times New Roman" panose="02020603050405020304" pitchFamily="18" charset="0"/>
-              </a:rPr>
-              <a:t>data and </a:t>
-            </a:r>
-            <a:r>
-              <a:rPr lang="en-GB" sz="3200" b="1" dirty="0" err="1">
-                <a:latin typeface="Times New Roman" panose="02020603050405020304" pitchFamily="18" charset="0"/>
-                <a:cs typeface="Times New Roman" panose="02020603050405020304" pitchFamily="18" charset="0"/>
-              </a:rPr>
-              <a:t>Anxiety_Score</a:t>
-            </a:r>
-            <a:r>
-              <a:rPr lang="en-GB" sz="3200" b="1" dirty="0">
-                <a:latin typeface="Times New Roman" panose="02020603050405020304" pitchFamily="18" charset="0"/>
-                <a:cs typeface="Times New Roman" panose="02020603050405020304" pitchFamily="18" charset="0"/>
-              </a:rPr>
-              <a:t> &gt;15</a:t>
-            </a:r>
-          </a:p>
-          <a:p>
-            <a:r>
-              <a:rPr lang="en-GB" sz="3200" dirty="0">
-                <a:latin typeface="Times New Roman" panose="02020603050405020304" pitchFamily="18" charset="0"/>
-                <a:cs typeface="Times New Roman" panose="02020603050405020304" pitchFamily="18" charset="0"/>
-              </a:rPr>
-              <a:t>3. Calculate the mean reaction time (RT) separately for each gender in Task 1 and Task 2</a:t>
-            </a:r>
-            <a:endParaRPr lang="en-GB" sz="3200" b="1" dirty="0">
-              <a:latin typeface="Times New Roman" panose="02020603050405020304" pitchFamily="18" charset="0"/>
-              <a:cs typeface="Times New Roman" panose="02020603050405020304" pitchFamily="18" charset="0"/>
-            </a:endParaRPr>
-          </a:p>
-          <a:p>
-            <a:r>
-              <a:rPr lang="en-GB" sz="3200" dirty="0">
-                <a:latin typeface="Times New Roman" panose="02020603050405020304" pitchFamily="18" charset="0"/>
-                <a:cs typeface="Times New Roman" panose="02020603050405020304" pitchFamily="18" charset="0"/>
-              </a:rPr>
-              <a:t> </a:t>
-            </a:r>
-          </a:p>
-        </p:txBody>
-      </p:sp>
-      <p:sp>
-        <p:nvSpPr>
-          <p:cNvPr id="19" name="Rectangle 18">
-            <a:extLst>
-              <a:ext uri="{FF2B5EF4-FFF2-40B4-BE49-F238E27FC236}">
-                <a16:creationId xmlns:a16="http://schemas.microsoft.com/office/drawing/2014/main" id="{F98E7ECD-5E57-45D3-8905-E873C112E116}"/>
-              </a:ext>
-            </a:extLst>
-          </p:cNvPr>
-          <p:cNvSpPr/>
-          <p:nvPr/>
-        </p:nvSpPr>
-        <p:spPr>
-          <a:xfrm>
-            <a:off x="325821" y="1334814"/>
-            <a:ext cx="3058510" cy="5021536"/>
-          </a:xfrm>
-          <a:prstGeom prst="rect">
-            <a:avLst/>
-          </a:prstGeom>
-          <a:ln>
-            <a:solidFill>
-              <a:srgbClr val="FF0000"/>
-            </a:solidFill>
-          </a:ln>
-        </p:spPr>
-        <p:style>
-          <a:lnRef idx="2">
-            <a:schemeClr val="accent6"/>
-          </a:lnRef>
-          <a:fillRef idx="1">
-            <a:schemeClr val="lt1"/>
-          </a:fillRef>
-          <a:effectRef idx="0">
-            <a:schemeClr val="accent6"/>
-          </a:effectRef>
-          <a:fontRef idx="minor">
-            <a:schemeClr val="dk1"/>
-          </a:fontRef>
-        </p:style>
-        <p:txBody>
-          <a:bodyPr rtlCol="0" anchor="ctr"/>
-          <a:lstStyle/>
-          <a:p>
-            <a:pPr algn="ctr"/>
-            <a:endParaRPr lang="en-GB" dirty="0"/>
-          </a:p>
-        </p:txBody>
-      </p:sp>
-      <p:sp>
-        <p:nvSpPr>
-          <p:cNvPr id="20" name="TextBox 19">
-            <a:extLst>
-              <a:ext uri="{FF2B5EF4-FFF2-40B4-BE49-F238E27FC236}">
-                <a16:creationId xmlns:a16="http://schemas.microsoft.com/office/drawing/2014/main" id="{C2F10832-8883-1975-D2EA-F8FDDD4F03B2}"/>
-              </a:ext>
-            </a:extLst>
-          </p:cNvPr>
-          <p:cNvSpPr txBox="1"/>
-          <p:nvPr/>
-        </p:nvSpPr>
-        <p:spPr>
-          <a:xfrm>
-            <a:off x="224526" y="1372209"/>
-            <a:ext cx="3261100" cy="548099"/>
-          </a:xfrm>
-          <a:prstGeom prst="rect">
-            <a:avLst/>
-          </a:prstGeom>
-          <a:noFill/>
-        </p:spPr>
-        <p:txBody>
-          <a:bodyPr wrap="square">
-            <a:spAutoFit/>
-          </a:bodyPr>
-          <a:lstStyle/>
-          <a:p>
-            <a:pPr algn="ctr">
-              <a:lnSpc>
-                <a:spcPct val="115000"/>
-              </a:lnSpc>
-              <a:spcAft>
-                <a:spcPts val="800"/>
-              </a:spcAft>
-            </a:pPr>
-            <a:r>
-              <a:rPr lang="en-GB" sz="2800" b="1" kern="100" dirty="0">
-                <a:effectLst/>
-                <a:latin typeface="Times New Roman" panose="02020603050405020304" pitchFamily="18" charset="0"/>
-                <a:ea typeface="Aptos" panose="020B0004020202020204" pitchFamily="34" charset="0"/>
-                <a:cs typeface="Times New Roman" panose="02020603050405020304" pitchFamily="18" charset="0"/>
-              </a:rPr>
-              <a:t>Shortcut</a:t>
-            </a:r>
-            <a:r>
-              <a:rPr lang="en-GB" sz="2800" b="1" kern="100" dirty="0">
-                <a:latin typeface="Times New Roman" panose="02020603050405020304" pitchFamily="18" charset="0"/>
-                <a:ea typeface="Aptos" panose="020B0004020202020204" pitchFamily="34" charset="0"/>
-                <a:cs typeface="Times New Roman" panose="02020603050405020304" pitchFamily="18" charset="0"/>
-              </a:rPr>
-              <a:t>s</a:t>
-            </a:r>
-            <a:endParaRPr lang="en-GB" sz="2800" b="1" kern="100" dirty="0">
-              <a:effectLst/>
-              <a:latin typeface="Times New Roman" panose="02020603050405020304" pitchFamily="18" charset="0"/>
-              <a:ea typeface="Aptos" panose="020B0004020202020204" pitchFamily="34" charset="0"/>
-              <a:cs typeface="Times New Roman" panose="02020603050405020304" pitchFamily="18" charset="0"/>
-            </a:endParaRPr>
-          </a:p>
-        </p:txBody>
-      </p:sp>
-      <p:sp>
-        <p:nvSpPr>
-          <p:cNvPr id="21" name="TextBox 20">
-            <a:extLst>
-              <a:ext uri="{FF2B5EF4-FFF2-40B4-BE49-F238E27FC236}">
-                <a16:creationId xmlns:a16="http://schemas.microsoft.com/office/drawing/2014/main" id="{F2CD0024-A6E5-EE48-1AC0-3E4D95FF0E78}"/>
-              </a:ext>
-            </a:extLst>
-          </p:cNvPr>
-          <p:cNvSpPr txBox="1"/>
-          <p:nvPr/>
-        </p:nvSpPr>
-        <p:spPr>
-          <a:xfrm>
-            <a:off x="433285" y="2049517"/>
-            <a:ext cx="3261100" cy="1146211"/>
-          </a:xfrm>
-          <a:prstGeom prst="rect">
-            <a:avLst/>
-          </a:prstGeom>
-          <a:noFill/>
-        </p:spPr>
-        <p:txBody>
-          <a:bodyPr wrap="square">
-            <a:spAutoFit/>
-          </a:bodyPr>
-          <a:lstStyle/>
-          <a:p>
-            <a:pPr>
-              <a:lnSpc>
-                <a:spcPct val="115000"/>
-              </a:lnSpc>
-              <a:spcAft>
-                <a:spcPts val="800"/>
-              </a:spcAft>
-              <a:buAutoNum type="arabicPeriod"/>
-            </a:pPr>
-            <a:r>
-              <a:rPr lang="en-GB" sz="2800" b="1" kern="100" dirty="0">
-                <a:effectLst/>
-                <a:latin typeface="Times New Roman" panose="02020603050405020304" pitchFamily="18" charset="0"/>
-                <a:ea typeface="Aptos" panose="020B0004020202020204" pitchFamily="34" charset="0"/>
-                <a:cs typeface="Times New Roman" panose="02020603050405020304" pitchFamily="18" charset="0"/>
-              </a:rPr>
-              <a:t>&lt;- : alt + -</a:t>
-            </a:r>
-          </a:p>
-          <a:p>
-            <a:pPr>
-              <a:lnSpc>
-                <a:spcPct val="115000"/>
-              </a:lnSpc>
-              <a:spcAft>
-                <a:spcPts val="800"/>
-              </a:spcAft>
-            </a:pPr>
-            <a:r>
-              <a:rPr lang="en-GB" sz="2800" b="1" kern="100" dirty="0">
-                <a:latin typeface="Times New Roman" panose="02020603050405020304" pitchFamily="18" charset="0"/>
-                <a:ea typeface="Aptos" panose="020B0004020202020204" pitchFamily="34" charset="0"/>
-                <a:cs typeface="Times New Roman" panose="02020603050405020304" pitchFamily="18" charset="0"/>
-              </a:rPr>
-              <a:t>2. </a:t>
-            </a:r>
-            <a:r>
-              <a:rPr lang="en-GB" sz="2800" b="1" kern="100" dirty="0">
-                <a:effectLst/>
-                <a:latin typeface="Times New Roman" panose="02020603050405020304" pitchFamily="18" charset="0"/>
-                <a:ea typeface="Aptos" panose="020B0004020202020204" pitchFamily="34" charset="0"/>
-                <a:cs typeface="Times New Roman" panose="02020603050405020304" pitchFamily="18" charset="0"/>
-              </a:rPr>
-              <a:t>run: alt + shift</a:t>
+              <a:t>2. &lt;- : alt + -</a:t>
             </a:r>
           </a:p>
         </p:txBody>
@@ -7758,7 +9369,7 @@
 </p:sld>
 </file>
 
-<file path=ppt/slides/slide14.xml><?xml version="1.0" encoding="utf-8"?>
+<file path=ppt/slides/slide13.xml><?xml version="1.0" encoding="utf-8"?>
 <p:sld xmlns:a="http://schemas.openxmlformats.org/drawingml/2006/main" xmlns:r="http://schemas.openxmlformats.org/officeDocument/2006/relationships" xmlns:p="http://schemas.openxmlformats.org/presentationml/2006/main">
   <p:cSld>
     <p:spTree>
@@ -7783,6 +9394,87 @@
       </p:grpSpPr>
       <p:sp>
         <p:nvSpPr>
+          <p:cNvPr id="7" name="TextBox 6">
+            <a:extLst>
+              <a:ext uri="{FF2B5EF4-FFF2-40B4-BE49-F238E27FC236}">
+                <a16:creationId xmlns:a16="http://schemas.microsoft.com/office/drawing/2014/main" id="{0F64656E-0472-673C-3C52-7E2CDC15B29A}"/>
+              </a:ext>
+            </a:extLst>
+          </p:cNvPr>
+          <p:cNvSpPr txBox="1"/>
+          <p:nvPr/>
+        </p:nvSpPr>
+        <p:spPr>
+          <a:xfrm>
+            <a:off x="838200" y="365127"/>
+            <a:ext cx="10515600" cy="1325563"/>
+          </a:xfrm>
+          <a:prstGeom prst="rect">
+            <a:avLst/>
+          </a:prstGeom>
+        </p:spPr>
+        <p:txBody>
+          <a:bodyPr vert="horz" lIns="91440" tIns="45720" rIns="91440" bIns="45720" rtlCol="0" anchor="ctr">
+            <a:normAutofit/>
+          </a:bodyPr>
+          <a:lstStyle/>
+          <a:p>
+            <a:pPr defTabSz="914344">
+              <a:lnSpc>
+                <a:spcPct val="90000"/>
+              </a:lnSpc>
+              <a:spcBef>
+                <a:spcPct val="0"/>
+              </a:spcBef>
+              <a:spcAft>
+                <a:spcPts val="800"/>
+              </a:spcAft>
+            </a:pPr>
+            <a:r>
+              <a:rPr lang="en-US" sz="4400" b="1">
+                <a:effectLst/>
+                <a:latin typeface="+mj-lt"/>
+                <a:ea typeface="+mj-ea"/>
+                <a:cs typeface="+mj-cs"/>
+              </a:rPr>
+              <a:t>Congratulations!</a:t>
+            </a:r>
+          </a:p>
+        </p:txBody>
+      </p:sp>
+      <p:pic>
+        <p:nvPicPr>
+          <p:cNvPr id="3" name="Picture 2">
+            <a:extLst>
+              <a:ext uri="{FF2B5EF4-FFF2-40B4-BE49-F238E27FC236}">
+                <a16:creationId xmlns:a16="http://schemas.microsoft.com/office/drawing/2014/main" id="{4E5870FA-C412-5C8C-CAD6-80850566BB0C}"/>
+              </a:ext>
+            </a:extLst>
+          </p:cNvPr>
+          <p:cNvPicPr>
+            <a:picLocks noChangeAspect="1"/>
+          </p:cNvPicPr>
+          <p:nvPr/>
+        </p:nvPicPr>
+        <p:blipFill>
+          <a:blip r:embed="rId3"/>
+          <a:stretch>
+            <a:fillRect/>
+          </a:stretch>
+        </p:blipFill>
+        <p:spPr>
+          <a:xfrm>
+            <a:off x="3042429" y="1825625"/>
+            <a:ext cx="6107141" cy="4351338"/>
+          </a:xfrm>
+          <a:prstGeom prst="rect">
+            <a:avLst/>
+          </a:prstGeom>
+          <a:noFill/>
+        </p:spPr>
+      </p:pic>
+      <p:sp>
+        <p:nvSpPr>
           <p:cNvPr id="4" name="Slide Number Placeholder 3">
             <a:extLst>
               <a:ext uri="{FF2B5EF4-FFF2-40B4-BE49-F238E27FC236}">
@@ -7797,25 +9489,48 @@
             <p:ph type="sldNum" sz="quarter" idx="12"/>
           </p:nvPr>
         </p:nvSpPr>
-        <p:spPr/>
-        <p:txBody>
-          <a:bodyPr/>
+        <p:spPr>
+          <a:xfrm>
+            <a:off x="8610600" y="6356350"/>
+            <a:ext cx="2743200" cy="365125"/>
+          </a:xfrm>
+        </p:spPr>
+        <p:txBody>
+          <a:bodyPr vert="horz" lIns="91440" tIns="45720" rIns="91440" bIns="45720" rtlCol="0" anchor="ctr">
+            <a:normAutofit/>
+          </a:bodyPr>
           <a:lstStyle/>
           <a:p>
+            <a:pPr>
+              <a:lnSpc>
+                <a:spcPct val="90000"/>
+              </a:lnSpc>
+              <a:spcAft>
+                <a:spcPts val="600"/>
+              </a:spcAft>
+            </a:pPr>
             <a:fld id="{5166AB3F-E072-48B3-A098-F27821F9BD73}" type="slidenum">
               <a:rPr lang="en-GB" smtClean="0"/>
-              <a:t>14</a:t>
+              <a:pPr>
+                <a:lnSpc>
+                  <a:spcPct val="90000"/>
+                </a:lnSpc>
+                <a:spcAft>
+                  <a:spcPts val="600"/>
+                </a:spcAft>
+              </a:pPr>
+              <a:t>13</a:t>
             </a:fld>
-            <a:endParaRPr lang="en-GB" dirty="0"/>
-          </a:p>
-        </p:txBody>
-      </p:sp>
-      <p:sp>
-        <p:nvSpPr>
-          <p:cNvPr id="7" name="TextBox 6">
+            <a:endParaRPr lang="en-GB"/>
+          </a:p>
+        </p:txBody>
+      </p:sp>
+      <p:sp>
+        <p:nvSpPr>
+          <p:cNvPr id="5" name="TextBox 4">
             <a:extLst>
               <a:ext uri="{FF2B5EF4-FFF2-40B4-BE49-F238E27FC236}">
-                <a16:creationId xmlns:a16="http://schemas.microsoft.com/office/drawing/2014/main" id="{0F64656E-0472-673C-3C52-7E2CDC15B29A}"/>
+                <a16:creationId xmlns:a16="http://schemas.microsoft.com/office/drawing/2014/main" id="{00EAC0D1-6D60-0339-6608-E6E213B02AB6}"/>
               </a:ext>
             </a:extLst>
           </p:cNvPr>
@@ -7824,90 +9539,28 @@
         </p:nvSpPr>
         <p:spPr>
           <a:xfrm>
-            <a:off x="2097994" y="2781035"/>
-            <a:ext cx="7708158" cy="808619"/>
+            <a:off x="8502949" y="6200485"/>
+            <a:ext cx="3521715" cy="584775"/>
           </a:xfrm>
           <a:prstGeom prst="rect">
             <a:avLst/>
           </a:prstGeom>
-          <a:noFill/>
+          <a:solidFill>
+            <a:schemeClr val="bg1"/>
+          </a:solidFill>
         </p:spPr>
         <p:txBody>
-          <a:bodyPr wrap="square">
+          <a:bodyPr wrap="square" rtlCol="0">
             <a:spAutoFit/>
           </a:bodyPr>
           <a:lstStyle/>
           <a:p>
-            <a:pPr algn="ctr">
-              <a:lnSpc>
-                <a:spcPct val="115000"/>
-              </a:lnSpc>
-              <a:spcAft>
-                <a:spcPts val="800"/>
-              </a:spcAft>
-            </a:pPr>
-            <a:r>
-              <a:rPr lang="en-GB" sz="4400" b="1" kern="100" dirty="0">
-                <a:effectLst/>
+            <a:r>
+              <a:rPr lang="en-GB" sz="3200" b="1" dirty="0">
                 <a:latin typeface="Times New Roman" panose="02020603050405020304" pitchFamily="18" charset="0"/>
-                <a:ea typeface="Aptos" panose="020B0004020202020204" pitchFamily="34" charset="0"/>
                 <a:cs typeface="Times New Roman" panose="02020603050405020304" pitchFamily="18" charset="0"/>
               </a:rPr>
-              <a:t>Congratulations!</a:t>
-            </a:r>
-          </a:p>
-        </p:txBody>
-      </p:sp>
-      <p:sp>
-        <p:nvSpPr>
-          <p:cNvPr id="2" name="Rectangle 1">
-            <a:extLst>
-              <a:ext uri="{FF2B5EF4-FFF2-40B4-BE49-F238E27FC236}">
-                <a16:creationId xmlns:a16="http://schemas.microsoft.com/office/drawing/2014/main" id="{340EFB71-BA6B-D714-926B-A5F8107A2059}"/>
-              </a:ext>
-            </a:extLst>
-          </p:cNvPr>
-          <p:cNvSpPr/>
-          <p:nvPr/>
-        </p:nvSpPr>
-        <p:spPr>
-          <a:xfrm>
-            <a:off x="966952" y="998483"/>
-            <a:ext cx="1818289" cy="1629103"/>
-          </a:xfrm>
-          <a:prstGeom prst="rect">
-            <a:avLst/>
-          </a:prstGeom>
-        </p:spPr>
-        <p:style>
-          <a:lnRef idx="2">
-            <a:schemeClr val="accent6"/>
-          </a:lnRef>
-          <a:fillRef idx="1">
-            <a:schemeClr val="lt1"/>
-          </a:fillRef>
-          <a:effectRef idx="0">
-            <a:schemeClr val="accent6"/>
-          </a:effectRef>
-          <a:fontRef idx="minor">
-            <a:schemeClr val="dk1"/>
-          </a:fontRef>
-        </p:style>
-        <p:txBody>
-          <a:bodyPr rtlCol="0" anchor="ctr"/>
-          <a:lstStyle/>
-          <a:p>
-            <a:pPr algn="ctr"/>
-            <a:r>
-              <a:rPr lang="en-GB" dirty="0"/>
-              <a:t>Feedback</a:t>
-            </a:r>
-          </a:p>
-          <a:p>
-            <a:pPr algn="ctr"/>
-            <a:r>
-              <a:rPr lang="en-GB" dirty="0"/>
-              <a:t>Questions</a:t>
+              <a:t>Facilitator: Sutong</a:t>
             </a:r>
           </a:p>
         </p:txBody>
@@ -8095,119 +9748,14 @@
 <file path=ppt/slides/slide3.xml><?xml version="1.0" encoding="utf-8"?>
 <p:sld xmlns:a="http://schemas.openxmlformats.org/drawingml/2006/main" xmlns:r="http://schemas.openxmlformats.org/officeDocument/2006/relationships" xmlns:p="http://schemas.openxmlformats.org/presentationml/2006/main">
   <p:cSld>
-    <p:spTree>
-      <p:nvGrpSpPr>
-        <p:cNvPr id="1" name="">
-          <a:extLst>
-            <a:ext uri="{FF2B5EF4-FFF2-40B4-BE49-F238E27FC236}">
-              <a16:creationId xmlns:a16="http://schemas.microsoft.com/office/drawing/2014/main" id="{D76F6833-B62A-531F-F1CB-5A96D1781922}"/>
-            </a:ext>
-          </a:extLst>
-        </p:cNvPr>
-        <p:cNvGrpSpPr/>
-        <p:nvPr/>
-      </p:nvGrpSpPr>
-      <p:grpSpPr>
-        <a:xfrm>
-          <a:off x="0" y="0"/>
-          <a:ext cx="0" cy="0"/>
-          <a:chOff x="0" y="0"/>
-          <a:chExt cx="0" cy="0"/>
-        </a:xfrm>
-      </p:grpSpPr>
-      <p:sp>
-        <p:nvSpPr>
-          <p:cNvPr id="4" name="Slide Number Placeholder 3">
-            <a:extLst>
-              <a:ext uri="{FF2B5EF4-FFF2-40B4-BE49-F238E27FC236}">
-                <a16:creationId xmlns:a16="http://schemas.microsoft.com/office/drawing/2014/main" id="{A672BEB5-858B-FC9F-1ABB-859C2E770286}"/>
-              </a:ext>
-            </a:extLst>
-          </p:cNvPr>
-          <p:cNvSpPr>
-            <a:spLocks noGrp="1"/>
-          </p:cNvSpPr>
-          <p:nvPr>
-            <p:ph type="sldNum" sz="quarter" idx="12"/>
-          </p:nvPr>
-        </p:nvSpPr>
-        <p:spPr/>
-        <p:txBody>
-          <a:bodyPr/>
-          <a:lstStyle/>
-          <a:p>
-            <a:fld id="{5166AB3F-E072-48B3-A098-F27821F9BD73}" type="slidenum">
-              <a:rPr lang="en-GB" smtClean="0"/>
-              <a:t>3</a:t>
-            </a:fld>
-            <a:endParaRPr lang="en-GB" dirty="0"/>
-          </a:p>
-        </p:txBody>
-      </p:sp>
-      <p:sp>
-        <p:nvSpPr>
-          <p:cNvPr id="7" name="TextBox 6">
-            <a:extLst>
-              <a:ext uri="{FF2B5EF4-FFF2-40B4-BE49-F238E27FC236}">
-                <a16:creationId xmlns:a16="http://schemas.microsoft.com/office/drawing/2014/main" id="{5A6007DF-C1C5-E127-A68F-9431DE19CBE9}"/>
-              </a:ext>
-            </a:extLst>
-          </p:cNvPr>
-          <p:cNvSpPr txBox="1"/>
-          <p:nvPr/>
-        </p:nvSpPr>
-        <p:spPr>
-          <a:xfrm>
-            <a:off x="2097994" y="2781035"/>
-            <a:ext cx="7708158" cy="808619"/>
-          </a:xfrm>
-          <a:prstGeom prst="rect">
-            <a:avLst/>
-          </a:prstGeom>
-          <a:noFill/>
-        </p:spPr>
-        <p:txBody>
-          <a:bodyPr wrap="square">
-            <a:spAutoFit/>
-          </a:bodyPr>
-          <a:lstStyle/>
-          <a:p>
-            <a:pPr algn="ctr">
-              <a:lnSpc>
-                <a:spcPct val="115000"/>
-              </a:lnSpc>
-              <a:spcAft>
-                <a:spcPts val="800"/>
-              </a:spcAft>
-            </a:pPr>
-            <a:r>
-              <a:rPr lang="en-GB" sz="4400" b="1" kern="100" dirty="0">
-                <a:effectLst/>
-                <a:latin typeface="Times New Roman" panose="02020603050405020304" pitchFamily="18" charset="0"/>
-                <a:ea typeface="Aptos" panose="020B0004020202020204" pitchFamily="34" charset="0"/>
-                <a:cs typeface="Times New Roman" panose="02020603050405020304" pitchFamily="18" charset="0"/>
-              </a:rPr>
-              <a:t>Basic Operation of R studio</a:t>
-            </a:r>
-          </a:p>
-        </p:txBody>
-      </p:sp>
-    </p:spTree>
-    <p:extLst>
-      <p:ext uri="{BB962C8B-B14F-4D97-AF65-F5344CB8AC3E}">
-        <p14:creationId xmlns:p14="http://schemas.microsoft.com/office/powerpoint/2010/main" val="521727680"/>
-      </p:ext>
-    </p:extLst>
-  </p:cSld>
-  <p:clrMapOvr>
-    <a:masterClrMapping/>
-  </p:clrMapOvr>
-</p:sld>
-</file>
-
-<file path=ppt/slides/slide4.xml><?xml version="1.0" encoding="utf-8"?>
-<p:sld xmlns:a="http://schemas.openxmlformats.org/drawingml/2006/main" xmlns:r="http://schemas.openxmlformats.org/officeDocument/2006/relationships" xmlns:p="http://schemas.openxmlformats.org/presentationml/2006/main">
-  <p:cSld>
+    <p:bg>
+      <p:bgPr>
+        <a:solidFill>
+          <a:schemeClr val="bg1"/>
+        </a:solidFill>
+        <a:effectLst/>
+      </p:bgPr>
+    </p:bg>
     <p:spTree>
       <p:nvGrpSpPr>
         <p:cNvPr id="1" name="">
@@ -8230,6 +9778,89 @@
       </p:grpSpPr>
       <p:sp>
         <p:nvSpPr>
+          <p:cNvPr id="12" name="Title 1">
+            <a:extLst>
+              <a:ext uri="{FF2B5EF4-FFF2-40B4-BE49-F238E27FC236}">
+                <a16:creationId xmlns:a16="http://schemas.microsoft.com/office/drawing/2014/main" id="{3ED993C5-A742-F1D3-3AE8-FD17C68D15F8}"/>
+              </a:ext>
+            </a:extLst>
+          </p:cNvPr>
+          <p:cNvSpPr>
+            <a:spLocks noGrp="1"/>
+          </p:cNvSpPr>
+          <p:nvPr>
+            <p:ph type="title"/>
+          </p:nvPr>
+        </p:nvSpPr>
+        <p:spPr>
+          <a:xfrm>
+            <a:off x="656355" y="247936"/>
+            <a:ext cx="4597747" cy="1616203"/>
+          </a:xfrm>
+        </p:spPr>
+        <p:txBody>
+          <a:bodyPr vert="horz" lIns="91440" tIns="45720" rIns="91440" bIns="45720" rtlCol="0" anchor="b">
+            <a:normAutofit/>
+          </a:bodyPr>
+          <a:lstStyle/>
+          <a:p>
+            <a:pPr defTabSz="914400"/>
+            <a:r>
+              <a:rPr lang="en-US" sz="4000" b="1" kern="1200" dirty="0">
+                <a:solidFill>
+                  <a:schemeClr val="tx1"/>
+                </a:solidFill>
+                <a:latin typeface="+mj-lt"/>
+                <a:ea typeface="+mj-ea"/>
+                <a:cs typeface="+mj-cs"/>
+              </a:rPr>
+              <a:t>Basic Operation of R studio</a:t>
+            </a:r>
+            <a:endParaRPr lang="en-US" sz="4000" kern="1200" dirty="0">
+              <a:solidFill>
+                <a:schemeClr val="tx1"/>
+              </a:solidFill>
+              <a:latin typeface="+mj-lt"/>
+              <a:ea typeface="+mj-ea"/>
+              <a:cs typeface="+mj-cs"/>
+            </a:endParaRPr>
+          </a:p>
+        </p:txBody>
+      </p:sp>
+      <p:pic>
+        <p:nvPicPr>
+          <p:cNvPr id="5" name="Picture 4">
+            <a:extLst>
+              <a:ext uri="{FF2B5EF4-FFF2-40B4-BE49-F238E27FC236}">
+                <a16:creationId xmlns:a16="http://schemas.microsoft.com/office/drawing/2014/main" id="{FB547F85-39CB-45E7-D90E-26BDFD7FD450}"/>
+              </a:ext>
+            </a:extLst>
+          </p:cNvPr>
+          <p:cNvPicPr>
+            <a:picLocks noChangeAspect="1"/>
+          </p:cNvPicPr>
+          <p:nvPr/>
+        </p:nvPicPr>
+        <p:blipFill>
+          <a:blip r:embed="rId3"/>
+          <a:srcRect r="17365" b="1"/>
+          <a:stretch>
+            <a:fillRect/>
+          </a:stretch>
+        </p:blipFill>
+        <p:spPr>
+          <a:xfrm>
+            <a:off x="6096001" y="1291469"/>
+            <a:ext cx="5319062" cy="4199980"/>
+          </a:xfrm>
+          <a:prstGeom prst="rect">
+            <a:avLst/>
+          </a:prstGeom>
+          <a:noFill/>
+        </p:spPr>
+      </p:pic>
+      <p:sp>
+        <p:nvSpPr>
           <p:cNvPr id="4" name="Slide Number Placeholder 3">
             <a:extLst>
               <a:ext uri="{FF2B5EF4-FFF2-40B4-BE49-F238E27FC236}">
@@ -8244,25 +9875,257 @@
             <p:ph type="sldNum" sz="quarter" idx="12"/>
           </p:nvPr>
         </p:nvSpPr>
-        <p:spPr/>
-        <p:txBody>
-          <a:bodyPr/>
+        <p:spPr>
+          <a:xfrm>
+            <a:off x="8610600" y="6356350"/>
+            <a:ext cx="2743200" cy="365125"/>
+          </a:xfrm>
+        </p:spPr>
+        <p:txBody>
+          <a:bodyPr vert="horz" lIns="91440" tIns="45720" rIns="91440" bIns="45720" rtlCol="0" anchor="ctr">
+            <a:normAutofit/>
+          </a:bodyPr>
           <a:lstStyle/>
           <a:p>
+            <a:pPr defTabSz="914400">
+              <a:spcAft>
+                <a:spcPts val="600"/>
+              </a:spcAft>
+            </a:pPr>
             <a:fld id="{5166AB3F-E072-48B3-A098-F27821F9BD73}" type="slidenum">
-              <a:rPr lang="en-GB" smtClean="0"/>
-              <a:t>4</a:t>
+              <a:rPr lang="en-US" smtClean="0">
+                <a:solidFill>
+                  <a:schemeClr val="tx1">
+                    <a:tint val="75000"/>
+                  </a:schemeClr>
+                </a:solidFill>
+              </a:rPr>
+              <a:pPr defTabSz="914400">
+                <a:spcAft>
+                  <a:spcPts val="600"/>
+                </a:spcAft>
+              </a:pPr>
+              <a:t>3</a:t>
             </a:fld>
-            <a:endParaRPr lang="en-GB" dirty="0"/>
-          </a:p>
-        </p:txBody>
-      </p:sp>
-      <p:sp>
-        <p:nvSpPr>
-          <p:cNvPr id="7" name="TextBox 6">
+            <a:endParaRPr lang="en-US">
+              <a:solidFill>
+                <a:schemeClr val="tx1">
+                  <a:tint val="75000"/>
+                </a:schemeClr>
+              </a:solidFill>
+            </a:endParaRPr>
+          </a:p>
+        </p:txBody>
+      </p:sp>
+      <p:grpSp>
+        <p:nvGrpSpPr>
+          <p:cNvPr id="26" name="Group 25">
             <a:extLst>
               <a:ext uri="{FF2B5EF4-FFF2-40B4-BE49-F238E27FC236}">
-                <a16:creationId xmlns:a16="http://schemas.microsoft.com/office/drawing/2014/main" id="{F847DE7B-EB87-1D62-4B9C-A26CE2E44CE6}"/>
+                <a16:creationId xmlns:a16="http://schemas.microsoft.com/office/drawing/2014/main" id="{1FD67D68-9B83-C338-8342-3348D8F22347}"/>
+              </a:ext>
+              <a:ext uri="{C183D7F6-B498-43B3-948B-1728B52AA6E4}">
+                <adec:decorative xmlns:adec="http://schemas.microsoft.com/office/drawing/2017/decorative" val="1"/>
+              </a:ext>
+            </a:extLst>
+          </p:cNvPr>
+          <p:cNvGrpSpPr>
+            <a:grpSpLocks noGrp="1" noUngrp="1" noRot="1" noChangeAspect="1" noMove="1" noResize="1"/>
+          </p:cNvGrpSpPr>
+          <p:nvPr>
+            <p:extLst>
+              <p:ext uri="{386F3935-93C4-4BCD-93E2-E3B085C9AB24}">
+                <p16:designElem xmlns:p16="http://schemas.microsoft.com/office/powerpoint/2015/main" val="1"/>
+              </p:ext>
+            </p:extLst>
+          </p:nvPr>
+        </p:nvGrpSpPr>
+        <p:grpSpPr>
+          <a:xfrm>
+            <a:off x="-5025" y="6737718"/>
+            <a:ext cx="12207200" cy="123363"/>
+            <a:chOff x="-5025" y="6737718"/>
+            <a:chExt cx="12207200" cy="123363"/>
+          </a:xfrm>
+        </p:grpSpPr>
+        <p:sp>
+          <p:nvSpPr>
+            <p:cNvPr id="27" name="Rectangle 26">
+              <a:extLst>
+                <a:ext uri="{FF2B5EF4-FFF2-40B4-BE49-F238E27FC236}">
+                  <a16:creationId xmlns:a16="http://schemas.microsoft.com/office/drawing/2014/main" id="{1E397F34-6B84-0D3B-0F29-B1D134B3B885}"/>
+                </a:ext>
+                <a:ext uri="{C183D7F6-B498-43B3-948B-1728B52AA6E4}">
+                  <adec:decorative xmlns:adec="http://schemas.microsoft.com/office/drawing/2017/decorative" val="1"/>
+                </a:ext>
+              </a:extLst>
+            </p:cNvPr>
+            <p:cNvSpPr/>
+            <p:nvPr>
+              <p:extLst>
+                <p:ext uri="{386F3935-93C4-4BCD-93E2-E3B085C9AB24}">
+                  <p16:designElem xmlns:p16="http://schemas.microsoft.com/office/powerpoint/2015/main" val="1"/>
+                </p:ext>
+              </p:extLst>
+            </p:nvPr>
+          </p:nvSpPr>
+          <p:spPr>
+            <a:xfrm rot="5400000" flipH="1">
+              <a:off x="6036894" y="695800"/>
+              <a:ext cx="123362" cy="12207199"/>
+            </a:xfrm>
+            <a:prstGeom prst="rect">
+              <a:avLst/>
+            </a:prstGeom>
+            <a:gradFill>
+              <a:gsLst>
+                <a:gs pos="0">
+                  <a:schemeClr val="accent5"/>
+                </a:gs>
+                <a:gs pos="100000">
+                  <a:schemeClr val="accent2"/>
+                </a:gs>
+              </a:gsLst>
+              <a:lin ang="1800000" scaled="0"/>
+            </a:gradFill>
+            <a:ln>
+              <a:noFill/>
+            </a:ln>
+          </p:spPr>
+          <p:style>
+            <a:lnRef idx="2">
+              <a:schemeClr val="accent1">
+                <a:shade val="50000"/>
+              </a:schemeClr>
+            </a:lnRef>
+            <a:fillRef idx="1">
+              <a:schemeClr val="accent1"/>
+            </a:fillRef>
+            <a:effectRef idx="0">
+              <a:schemeClr val="accent1"/>
+            </a:effectRef>
+            <a:fontRef idx="minor">
+              <a:schemeClr val="lt1"/>
+            </a:fontRef>
+          </p:style>
+          <p:txBody>
+            <a:bodyPr rtlCol="0" anchor="ctr"/>
+            <a:lstStyle/>
+            <a:p>
+              <a:pPr algn="ctr"/>
+              <a:endParaRPr lang="en-US"/>
+            </a:p>
+          </p:txBody>
+        </p:sp>
+        <p:sp>
+          <p:nvSpPr>
+            <p:cNvPr id="28" name="Rectangle 27">
+              <a:extLst>
+                <a:ext uri="{FF2B5EF4-FFF2-40B4-BE49-F238E27FC236}">
+                  <a16:creationId xmlns:a16="http://schemas.microsoft.com/office/drawing/2014/main" id="{9BD98075-BFC1-BE9C-7FB7-23FE55E43393}"/>
+                </a:ext>
+                <a:ext uri="{C183D7F6-B498-43B3-948B-1728B52AA6E4}">
+                  <adec:decorative xmlns:adec="http://schemas.microsoft.com/office/drawing/2017/decorative" val="1"/>
+                </a:ext>
+              </a:extLst>
+            </p:cNvPr>
+            <p:cNvSpPr/>
+            <p:nvPr>
+              <p:extLst>
+                <p:ext uri="{386F3935-93C4-4BCD-93E2-E3B085C9AB24}">
+                  <p16:designElem xmlns:p16="http://schemas.microsoft.com/office/powerpoint/2015/main" val="1"/>
+                </p:ext>
+              </p:extLst>
+            </p:nvPr>
+          </p:nvSpPr>
+          <p:spPr>
+            <a:xfrm rot="16200000">
+              <a:off x="9176406" y="3835311"/>
+              <a:ext cx="123362" cy="5928176"/>
+            </a:xfrm>
+            <a:prstGeom prst="rect">
+              <a:avLst/>
+            </a:prstGeom>
+            <a:gradFill>
+              <a:gsLst>
+                <a:gs pos="19000">
+                  <a:schemeClr val="accent5">
+                    <a:alpha val="0"/>
+                  </a:schemeClr>
+                </a:gs>
+                <a:gs pos="100000">
+                  <a:schemeClr val="accent5">
+                    <a:lumMod val="60000"/>
+                    <a:lumOff val="40000"/>
+                  </a:schemeClr>
+                </a:gs>
+              </a:gsLst>
+              <a:lin ang="600000" scaled="0"/>
+            </a:gradFill>
+            <a:ln>
+              <a:noFill/>
+            </a:ln>
+          </p:spPr>
+          <p:style>
+            <a:lnRef idx="2">
+              <a:schemeClr val="accent1">
+                <a:shade val="50000"/>
+              </a:schemeClr>
+            </a:lnRef>
+            <a:fillRef idx="1">
+              <a:schemeClr val="accent1"/>
+            </a:fillRef>
+            <a:effectRef idx="0">
+              <a:schemeClr val="accent1"/>
+            </a:effectRef>
+            <a:fontRef idx="minor">
+              <a:schemeClr val="lt1"/>
+            </a:fontRef>
+          </p:style>
+          <p:txBody>
+            <a:bodyPr rtlCol="0" anchor="ctr"/>
+            <a:lstStyle/>
+            <a:p>
+              <a:pPr algn="ctr"/>
+              <a:endParaRPr lang="en-US"/>
+            </a:p>
+          </p:txBody>
+        </p:sp>
+      </p:grpSp>
+      <p:graphicFrame>
+        <p:nvGraphicFramePr>
+          <p:cNvPr id="21" name="TextBox 6">
+            <a:extLst>
+              <a:ext uri="{FF2B5EF4-FFF2-40B4-BE49-F238E27FC236}">
+                <a16:creationId xmlns:a16="http://schemas.microsoft.com/office/drawing/2014/main" id="{AF9C8E12-DDD7-0093-53A1-DAFAC2A0A2F5}"/>
+              </a:ext>
+            </a:extLst>
+          </p:cNvPr>
+          <p:cNvGraphicFramePr/>
+          <p:nvPr>
+            <p:extLst>
+              <p:ext uri="{D42A27DB-BD31-4B8C-83A1-F6EECF244321}">
+                <p14:modId xmlns:p14="http://schemas.microsoft.com/office/powerpoint/2010/main" val="480227554"/>
+              </p:ext>
+            </p:extLst>
+          </p:nvPr>
+        </p:nvGraphicFramePr>
+        <p:xfrm>
+          <a:off x="476913" y="2021582"/>
+          <a:ext cx="5397306" cy="4004643"/>
+        </p:xfrm>
+        <a:graphic>
+          <a:graphicData uri="http://schemas.openxmlformats.org/drawingml/2006/diagram">
+            <dgm:relIds xmlns:dgm="http://schemas.openxmlformats.org/drawingml/2006/diagram" xmlns:r="http://schemas.openxmlformats.org/officeDocument/2006/relationships" r:dm="rId4" r:lo="rId5" r:qs="rId6" r:cs="rId7"/>
+          </a:graphicData>
+        </a:graphic>
+      </p:graphicFrame>
+      <p:sp>
+        <p:nvSpPr>
+          <p:cNvPr id="2" name="TextBox 1">
+            <a:extLst>
+              <a:ext uri="{FF2B5EF4-FFF2-40B4-BE49-F238E27FC236}">
+                <a16:creationId xmlns:a16="http://schemas.microsoft.com/office/drawing/2014/main" id="{3713D284-764A-5D4A-609F-B23AA0AC032A}"/>
               </a:ext>
             </a:extLst>
           </p:cNvPr>
@@ -8271,97 +10134,28 @@
         </p:nvSpPr>
         <p:spPr>
           <a:xfrm>
-            <a:off x="901852" y="910399"/>
-            <a:ext cx="10388296" cy="3452420"/>
+            <a:off x="8523969" y="6089584"/>
+            <a:ext cx="3521715" cy="584775"/>
           </a:xfrm>
           <a:prstGeom prst="rect">
             <a:avLst/>
           </a:prstGeom>
-          <a:noFill/>
+          <a:solidFill>
+            <a:schemeClr val="bg1"/>
+          </a:solidFill>
         </p:spPr>
         <p:txBody>
-          <a:bodyPr wrap="square">
+          <a:bodyPr wrap="square" rtlCol="0">
             <a:spAutoFit/>
           </a:bodyPr>
           <a:lstStyle/>
           <a:p>
-            <a:pPr>
-              <a:lnSpc>
-                <a:spcPct val="115000"/>
-              </a:lnSpc>
-              <a:spcAft>
-                <a:spcPts val="800"/>
-              </a:spcAft>
-            </a:pPr>
-            <a:r>
-              <a:rPr lang="en-GB" sz="4400" b="1" kern="100" dirty="0">
-                <a:effectLst/>
+            <a:r>
+              <a:rPr lang="en-GB" sz="3200" b="1" dirty="0">
                 <a:latin typeface="Times New Roman" panose="02020603050405020304" pitchFamily="18" charset="0"/>
-                <a:ea typeface="Aptos" panose="020B0004020202020204" pitchFamily="34" charset="0"/>
                 <a:cs typeface="Times New Roman" panose="02020603050405020304" pitchFamily="18" charset="0"/>
               </a:rPr>
-              <a:t>Before we start….</a:t>
-            </a:r>
-          </a:p>
-          <a:p>
-            <a:pPr marL="571500" indent="-571500">
-              <a:lnSpc>
-                <a:spcPct val="115000"/>
-              </a:lnSpc>
-              <a:spcAft>
-                <a:spcPts val="800"/>
-              </a:spcAft>
-              <a:buFontTx/>
-              <a:buChar char="-"/>
-            </a:pPr>
-            <a:r>
-              <a:rPr lang="en-GB" sz="4400" b="1" kern="100" dirty="0">
-                <a:latin typeface="Times New Roman" panose="02020603050405020304" pitchFamily="18" charset="0"/>
-                <a:ea typeface="Aptos" panose="020B0004020202020204" pitchFamily="34" charset="0"/>
-                <a:cs typeface="Times New Roman" panose="02020603050405020304" pitchFamily="18" charset="0"/>
-              </a:rPr>
-              <a:t>Run codes together</a:t>
-            </a:r>
-          </a:p>
-          <a:p>
-            <a:pPr marL="571500" indent="-571500">
-              <a:lnSpc>
-                <a:spcPct val="115000"/>
-              </a:lnSpc>
-              <a:spcAft>
-                <a:spcPts val="800"/>
-              </a:spcAft>
-              <a:buFontTx/>
-              <a:buChar char="-"/>
-            </a:pPr>
-            <a:r>
-              <a:rPr lang="en-GB" sz="4400" b="1" kern="100" dirty="0">
-                <a:latin typeface="Times New Roman" panose="02020603050405020304" pitchFamily="18" charset="0"/>
-                <a:ea typeface="Aptos" panose="020B0004020202020204" pitchFamily="34" charset="0"/>
-                <a:cs typeface="Times New Roman" panose="02020603050405020304" pitchFamily="18" charset="0"/>
-              </a:rPr>
-              <a:t>Three tasks for you to practice </a:t>
-            </a:r>
-          </a:p>
-          <a:p>
-            <a:pPr marL="571500" indent="-571500">
-              <a:lnSpc>
-                <a:spcPct val="115000"/>
-              </a:lnSpc>
-              <a:spcAft>
-                <a:spcPts val="800"/>
-              </a:spcAft>
-              <a:buFontTx/>
-              <a:buChar char="-"/>
-            </a:pPr>
-            <a:r>
-              <a:rPr lang="en-GB" sz="4400" b="1" kern="100" dirty="0">
-                <a:effectLst/>
-                <a:latin typeface="Times New Roman" panose="02020603050405020304" pitchFamily="18" charset="0"/>
-                <a:ea typeface="Aptos" panose="020B0004020202020204" pitchFamily="34" charset="0"/>
-                <a:cs typeface="Times New Roman" panose="02020603050405020304" pitchFamily="18" charset="0"/>
-              </a:rPr>
-              <a:t>Stop me whenever you have questions</a:t>
+              <a:t>Facilitator: Sutong</a:t>
             </a:r>
           </a:p>
         </p:txBody>
@@ -8379,7 +10173,7 @@
 </p:sld>
 </file>
 
-<file path=ppt/slides/slide5.xml><?xml version="1.0" encoding="utf-8"?>
+<file path=ppt/slides/slide4.xml><?xml version="1.0" encoding="utf-8"?>
 <p:sld xmlns:a="http://schemas.openxmlformats.org/drawingml/2006/main" xmlns:r="http://schemas.openxmlformats.org/officeDocument/2006/relationships" xmlns:p="http://schemas.openxmlformats.org/presentationml/2006/main">
   <p:cSld>
     <p:spTree>
@@ -8819,7 +10613,7 @@
 </p:sld>
 </file>
 
-<file path=ppt/slides/slide6.xml><?xml version="1.0" encoding="utf-8"?>
+<file path=ppt/slides/slide5.xml><?xml version="1.0" encoding="utf-8"?>
 <p:sld xmlns:a="http://schemas.openxmlformats.org/drawingml/2006/main" xmlns:r="http://schemas.openxmlformats.org/officeDocument/2006/relationships" xmlns:p="http://schemas.openxmlformats.org/presentationml/2006/main">
   <p:cSld>
     <p:spTree>
@@ -8865,7 +10659,7 @@
           <a:p>
             <a:fld id="{5166AB3F-E072-48B3-A098-F27821F9BD73}" type="slidenum">
               <a:rPr lang="en-GB" smtClean="0"/>
-              <a:t>6</a:t>
+              <a:t>5</a:t>
             </a:fld>
             <a:endParaRPr lang="en-GB" dirty="0"/>
           </a:p>
@@ -9065,16 +10859,14 @@
               <a:spcAft>
                 <a:spcPts val="800"/>
               </a:spcAft>
-              <a:buAutoNum type="arabicPeriod"/>
             </a:pPr>
             <a:r>
               <a:rPr lang="en-GB" sz="2800" b="1" kern="100" dirty="0">
-                <a:effectLst/>
                 <a:latin typeface="Times New Roman" panose="02020603050405020304" pitchFamily="18" charset="0"/>
                 <a:ea typeface="Aptos" panose="020B0004020202020204" pitchFamily="34" charset="0"/>
                 <a:cs typeface="Times New Roman" panose="02020603050405020304" pitchFamily="18" charset="0"/>
               </a:rPr>
-              <a:t>&lt;- : alt + -</a:t>
+              <a:t>1. run: ctrl + shift</a:t>
             </a:r>
           </a:p>
           <a:p>
@@ -9092,16 +10884,7 @@
                 <a:ea typeface="Aptos" panose="020B0004020202020204" pitchFamily="34" charset="0"/>
                 <a:cs typeface="Times New Roman" panose="02020603050405020304" pitchFamily="18" charset="0"/>
               </a:rPr>
-              <a:t>2. </a:t>
-            </a:r>
-            <a:r>
-              <a:rPr lang="en-GB" sz="2800" b="1" kern="100" dirty="0">
-                <a:effectLst/>
-                <a:latin typeface="Times New Roman" panose="02020603050405020304" pitchFamily="18" charset="0"/>
-                <a:ea typeface="Aptos" panose="020B0004020202020204" pitchFamily="34" charset="0"/>
-                <a:cs typeface="Times New Roman" panose="02020603050405020304" pitchFamily="18" charset="0"/>
-              </a:rPr>
-              <a:t>run: alt + shift</a:t>
+              <a:t>2. &lt;- : alt + -</a:t>
             </a:r>
           </a:p>
         </p:txBody>
@@ -9267,7 +11050,7 @@
 </p:sld>
 </file>
 
-<file path=ppt/slides/slide7.xml><?xml version="1.0" encoding="utf-8"?>
+<file path=ppt/slides/slide6.xml><?xml version="1.0" encoding="utf-8"?>
 <p:sld xmlns:a="http://schemas.openxmlformats.org/drawingml/2006/main" xmlns:r="http://schemas.openxmlformats.org/officeDocument/2006/relationships" xmlns:p="http://schemas.openxmlformats.org/presentationml/2006/main">
   <p:cSld>
     <p:spTree>
@@ -9313,7 +11096,7 @@
           <a:p>
             <a:fld id="{5166AB3F-E072-48B3-A098-F27821F9BD73}" type="slidenum">
               <a:rPr lang="en-GB" smtClean="0"/>
-              <a:t>7</a:t>
+              <a:t>6</a:t>
             </a:fld>
             <a:endParaRPr lang="en-GB" dirty="0"/>
           </a:p>
@@ -9465,16 +11248,14 @@
               <a:spcAft>
                 <a:spcPts val="800"/>
               </a:spcAft>
-              <a:buAutoNum type="arabicPeriod"/>
             </a:pPr>
             <a:r>
               <a:rPr lang="en-GB" sz="2800" b="1" kern="100" dirty="0">
-                <a:effectLst/>
                 <a:latin typeface="Times New Roman" panose="02020603050405020304" pitchFamily="18" charset="0"/>
                 <a:ea typeface="Aptos" panose="020B0004020202020204" pitchFamily="34" charset="0"/>
                 <a:cs typeface="Times New Roman" panose="02020603050405020304" pitchFamily="18" charset="0"/>
               </a:rPr>
-              <a:t>&lt;- : alt + -</a:t>
+              <a:t>1. run: ctrl + shift</a:t>
             </a:r>
           </a:p>
           <a:p>
@@ -9492,16 +11273,7 @@
                 <a:ea typeface="Aptos" panose="020B0004020202020204" pitchFamily="34" charset="0"/>
                 <a:cs typeface="Times New Roman" panose="02020603050405020304" pitchFamily="18" charset="0"/>
               </a:rPr>
-              <a:t>2. </a:t>
-            </a:r>
-            <a:r>
-              <a:rPr lang="en-GB" sz="2800" b="1" kern="100" dirty="0">
-                <a:effectLst/>
-                <a:latin typeface="Times New Roman" panose="02020603050405020304" pitchFamily="18" charset="0"/>
-                <a:ea typeface="Aptos" panose="020B0004020202020204" pitchFamily="34" charset="0"/>
-                <a:cs typeface="Times New Roman" panose="02020603050405020304" pitchFamily="18" charset="0"/>
-              </a:rPr>
-              <a:t>run: alt + shift</a:t>
+              <a:t>2. &lt;- : alt + -</a:t>
             </a:r>
           </a:p>
         </p:txBody>
@@ -10841,7 +12613,7 @@
 </p:sld>
 </file>
 
-<file path=ppt/slides/slide8.xml><?xml version="1.0" encoding="utf-8"?>
+<file path=ppt/slides/slide7.xml><?xml version="1.0" encoding="utf-8"?>
 <p:sld xmlns:a="http://schemas.openxmlformats.org/drawingml/2006/main" xmlns:r="http://schemas.openxmlformats.org/officeDocument/2006/relationships" xmlns:p="http://schemas.openxmlformats.org/presentationml/2006/main">
   <p:cSld>
     <p:spTree>
@@ -10931,7 +12703,7 @@
           <a:p>
             <a:fld id="{5166AB3F-E072-48B3-A098-F27821F9BD73}" type="slidenum">
               <a:rPr lang="en-GB" smtClean="0"/>
-              <a:t>8</a:t>
+              <a:t>7</a:t>
             </a:fld>
             <a:endParaRPr lang="en-GB" dirty="0"/>
           </a:p>
@@ -12345,16 +14117,14 @@
               <a:spcAft>
                 <a:spcPts val="800"/>
               </a:spcAft>
-              <a:buAutoNum type="arabicPeriod"/>
             </a:pPr>
             <a:r>
               <a:rPr lang="en-GB" sz="2800" b="1" kern="100" dirty="0">
-                <a:effectLst/>
                 <a:latin typeface="Times New Roman" panose="02020603050405020304" pitchFamily="18" charset="0"/>
                 <a:ea typeface="Aptos" panose="020B0004020202020204" pitchFamily="34" charset="0"/>
                 <a:cs typeface="Times New Roman" panose="02020603050405020304" pitchFamily="18" charset="0"/>
               </a:rPr>
-              <a:t>&lt;- : alt + -</a:t>
+              <a:t>1. run: ctrl + shift</a:t>
             </a:r>
           </a:p>
           <a:p>
@@ -12372,16 +14142,7 @@
                 <a:ea typeface="Aptos" panose="020B0004020202020204" pitchFamily="34" charset="0"/>
                 <a:cs typeface="Times New Roman" panose="02020603050405020304" pitchFamily="18" charset="0"/>
               </a:rPr>
-              <a:t>2. </a:t>
-            </a:r>
-            <a:r>
-              <a:rPr lang="en-GB" sz="2800" b="1" kern="100" dirty="0">
-                <a:effectLst/>
-                <a:latin typeface="Times New Roman" panose="02020603050405020304" pitchFamily="18" charset="0"/>
-                <a:ea typeface="Aptos" panose="020B0004020202020204" pitchFamily="34" charset="0"/>
-                <a:cs typeface="Times New Roman" panose="02020603050405020304" pitchFamily="18" charset="0"/>
-              </a:rPr>
-              <a:t>run: alt + shift</a:t>
+              <a:t>2. &lt;- : alt + -</a:t>
             </a:r>
           </a:p>
         </p:txBody>
@@ -12539,7 +14300,7 @@
 </p:sld>
 </file>
 
-<file path=ppt/slides/slide9.xml><?xml version="1.0" encoding="utf-8"?>
+<file path=ppt/slides/slide8.xml><?xml version="1.0" encoding="utf-8"?>
 <p:sld xmlns:a="http://schemas.openxmlformats.org/drawingml/2006/main" xmlns:r="http://schemas.openxmlformats.org/officeDocument/2006/relationships" xmlns:p="http://schemas.openxmlformats.org/presentationml/2006/main">
   <p:cSld>
     <p:spTree>
@@ -12585,7 +14346,7 @@
           <a:p>
             <a:fld id="{5166AB3F-E072-48B3-A098-F27821F9BD73}" type="slidenum">
               <a:rPr lang="en-GB" smtClean="0"/>
-              <a:t>9</a:t>
+              <a:t>8</a:t>
             </a:fld>
             <a:endParaRPr lang="en-GB" dirty="0"/>
           </a:p>
@@ -12785,16 +14546,14 @@
               <a:spcAft>
                 <a:spcPts val="800"/>
               </a:spcAft>
-              <a:buAutoNum type="arabicPeriod"/>
             </a:pPr>
             <a:r>
               <a:rPr lang="en-GB" sz="2800" b="1" kern="100" dirty="0">
-                <a:effectLst/>
                 <a:latin typeface="Times New Roman" panose="02020603050405020304" pitchFamily="18" charset="0"/>
                 <a:ea typeface="Aptos" panose="020B0004020202020204" pitchFamily="34" charset="0"/>
                 <a:cs typeface="Times New Roman" panose="02020603050405020304" pitchFamily="18" charset="0"/>
               </a:rPr>
-              <a:t>&lt;- : alt + -</a:t>
+              <a:t>1. run: ctrl + shift</a:t>
             </a:r>
           </a:p>
           <a:p>
@@ -12812,16 +14571,7 @@
                 <a:ea typeface="Aptos" panose="020B0004020202020204" pitchFamily="34" charset="0"/>
                 <a:cs typeface="Times New Roman" panose="02020603050405020304" pitchFamily="18" charset="0"/>
               </a:rPr>
-              <a:t>2. </a:t>
-            </a:r>
-            <a:r>
-              <a:rPr lang="en-GB" sz="2800" b="1" kern="100" dirty="0">
-                <a:effectLst/>
-                <a:latin typeface="Times New Roman" panose="02020603050405020304" pitchFamily="18" charset="0"/>
-                <a:ea typeface="Aptos" panose="020B0004020202020204" pitchFamily="34" charset="0"/>
-                <a:cs typeface="Times New Roman" panose="02020603050405020304" pitchFamily="18" charset="0"/>
-              </a:rPr>
-              <a:t>run: alt + shift</a:t>
+              <a:t>2. &lt;- : alt + -</a:t>
             </a:r>
           </a:p>
         </p:txBody>
@@ -13073,6 +14823,608 @@
     <p:extLst>
       <p:ext uri="{BB962C8B-B14F-4D97-AF65-F5344CB8AC3E}">
         <p14:creationId xmlns:p14="http://schemas.microsoft.com/office/powerpoint/2010/main" val="3585577470"/>
+      </p:ext>
+    </p:extLst>
+  </p:cSld>
+  <p:clrMapOvr>
+    <a:masterClrMapping/>
+  </p:clrMapOvr>
+</p:sld>
+</file>
+
+<file path=ppt/slides/slide9.xml><?xml version="1.0" encoding="utf-8"?>
+<p:sld xmlns:a="http://schemas.openxmlformats.org/drawingml/2006/main" xmlns:r="http://schemas.openxmlformats.org/officeDocument/2006/relationships" xmlns:p="http://schemas.openxmlformats.org/presentationml/2006/main">
+  <p:cSld>
+    <p:spTree>
+      <p:nvGrpSpPr>
+        <p:cNvPr id="1" name="">
+          <a:extLst>
+            <a:ext uri="{FF2B5EF4-FFF2-40B4-BE49-F238E27FC236}">
+              <a16:creationId xmlns:a16="http://schemas.microsoft.com/office/drawing/2014/main" id="{3B934B8E-7660-0969-15F9-FA385C6E0D46}"/>
+            </a:ext>
+          </a:extLst>
+        </p:cNvPr>
+        <p:cNvGrpSpPr/>
+        <p:nvPr/>
+      </p:nvGrpSpPr>
+      <p:grpSpPr>
+        <a:xfrm>
+          <a:off x="0" y="0"/>
+          <a:ext cx="0" cy="0"/>
+          <a:chOff x="0" y="0"/>
+          <a:chExt cx="0" cy="0"/>
+        </a:xfrm>
+      </p:grpSpPr>
+      <p:sp>
+        <p:nvSpPr>
+          <p:cNvPr id="4" name="Slide Number Placeholder 3">
+            <a:extLst>
+              <a:ext uri="{FF2B5EF4-FFF2-40B4-BE49-F238E27FC236}">
+                <a16:creationId xmlns:a16="http://schemas.microsoft.com/office/drawing/2014/main" id="{EEA4AAB8-6D36-7126-2434-0F4A4C44F25C}"/>
+              </a:ext>
+            </a:extLst>
+          </p:cNvPr>
+          <p:cNvSpPr>
+            <a:spLocks noGrp="1"/>
+          </p:cNvSpPr>
+          <p:nvPr>
+            <p:ph type="sldNum" sz="quarter" idx="12"/>
+          </p:nvPr>
+        </p:nvSpPr>
+        <p:spPr/>
+        <p:txBody>
+          <a:bodyPr/>
+          <a:lstStyle/>
+          <a:p>
+            <a:fld id="{5166AB3F-E072-48B3-A098-F27821F9BD73}" type="slidenum">
+              <a:rPr lang="en-GB" smtClean="0"/>
+              <a:t>9</a:t>
+            </a:fld>
+            <a:endParaRPr lang="en-GB" dirty="0"/>
+          </a:p>
+        </p:txBody>
+      </p:sp>
+      <p:sp>
+        <p:nvSpPr>
+          <p:cNvPr id="3" name="TextBox 2">
+            <a:extLst>
+              <a:ext uri="{FF2B5EF4-FFF2-40B4-BE49-F238E27FC236}">
+                <a16:creationId xmlns:a16="http://schemas.microsoft.com/office/drawing/2014/main" id="{F0F2C2EB-2065-4E80-F71A-95B36B443B08}"/>
+              </a:ext>
+            </a:extLst>
+          </p:cNvPr>
+          <p:cNvSpPr txBox="1"/>
+          <p:nvPr/>
+        </p:nvSpPr>
+        <p:spPr>
+          <a:xfrm>
+            <a:off x="117975" y="396986"/>
+            <a:ext cx="5252811" cy="808619"/>
+          </a:xfrm>
+          <a:prstGeom prst="rect">
+            <a:avLst/>
+          </a:prstGeom>
+          <a:noFill/>
+        </p:spPr>
+        <p:txBody>
+          <a:bodyPr wrap="square">
+            <a:spAutoFit/>
+          </a:bodyPr>
+          <a:lstStyle/>
+          <a:p>
+            <a:pPr algn="ctr">
+              <a:lnSpc>
+                <a:spcPct val="115000"/>
+              </a:lnSpc>
+              <a:spcAft>
+                <a:spcPts val="800"/>
+              </a:spcAft>
+            </a:pPr>
+            <a:r>
+              <a:rPr lang="en-GB" sz="4400" b="1" kern="100" dirty="0">
+                <a:effectLst/>
+                <a:latin typeface="Times New Roman" panose="02020603050405020304" pitchFamily="18" charset="0"/>
+                <a:ea typeface="Aptos" panose="020B0004020202020204" pitchFamily="34" charset="0"/>
+                <a:cs typeface="Times New Roman" panose="02020603050405020304" pitchFamily="18" charset="0"/>
+              </a:rPr>
+              <a:t>3. Play with dataset</a:t>
+            </a:r>
+          </a:p>
+        </p:txBody>
+      </p:sp>
+      <p:sp>
+        <p:nvSpPr>
+          <p:cNvPr id="19" name="Rectangle 18">
+            <a:extLst>
+              <a:ext uri="{FF2B5EF4-FFF2-40B4-BE49-F238E27FC236}">
+                <a16:creationId xmlns:a16="http://schemas.microsoft.com/office/drawing/2014/main" id="{4925C502-7A17-D8FD-76BC-F4B25D797FDA}"/>
+              </a:ext>
+            </a:extLst>
+          </p:cNvPr>
+          <p:cNvSpPr/>
+          <p:nvPr/>
+        </p:nvSpPr>
+        <p:spPr>
+          <a:xfrm>
+            <a:off x="325821" y="1334814"/>
+            <a:ext cx="3058510" cy="5021536"/>
+          </a:xfrm>
+          <a:prstGeom prst="rect">
+            <a:avLst/>
+          </a:prstGeom>
+          <a:ln>
+            <a:solidFill>
+              <a:srgbClr val="FF0000"/>
+            </a:solidFill>
+          </a:ln>
+        </p:spPr>
+        <p:style>
+          <a:lnRef idx="2">
+            <a:schemeClr val="accent6"/>
+          </a:lnRef>
+          <a:fillRef idx="1">
+            <a:schemeClr val="lt1"/>
+          </a:fillRef>
+          <a:effectRef idx="0">
+            <a:schemeClr val="accent6"/>
+          </a:effectRef>
+          <a:fontRef idx="minor">
+            <a:schemeClr val="dk1"/>
+          </a:fontRef>
+        </p:style>
+        <p:txBody>
+          <a:bodyPr rtlCol="0" anchor="ctr"/>
+          <a:lstStyle/>
+          <a:p>
+            <a:pPr algn="ctr"/>
+            <a:endParaRPr lang="en-GB" dirty="0"/>
+          </a:p>
+        </p:txBody>
+      </p:sp>
+      <p:sp>
+        <p:nvSpPr>
+          <p:cNvPr id="20" name="TextBox 19">
+            <a:extLst>
+              <a:ext uri="{FF2B5EF4-FFF2-40B4-BE49-F238E27FC236}">
+                <a16:creationId xmlns:a16="http://schemas.microsoft.com/office/drawing/2014/main" id="{112082C1-B6A8-4417-C3D4-F8FA4B21C28D}"/>
+              </a:ext>
+            </a:extLst>
+          </p:cNvPr>
+          <p:cNvSpPr txBox="1"/>
+          <p:nvPr/>
+        </p:nvSpPr>
+        <p:spPr>
+          <a:xfrm>
+            <a:off x="224526" y="1372209"/>
+            <a:ext cx="3261100" cy="548099"/>
+          </a:xfrm>
+          <a:prstGeom prst="rect">
+            <a:avLst/>
+          </a:prstGeom>
+          <a:noFill/>
+        </p:spPr>
+        <p:txBody>
+          <a:bodyPr wrap="square">
+            <a:spAutoFit/>
+          </a:bodyPr>
+          <a:lstStyle/>
+          <a:p>
+            <a:pPr algn="ctr">
+              <a:lnSpc>
+                <a:spcPct val="115000"/>
+              </a:lnSpc>
+              <a:spcAft>
+                <a:spcPts val="800"/>
+              </a:spcAft>
+            </a:pPr>
+            <a:r>
+              <a:rPr lang="en-GB" sz="2800" b="1" kern="100" dirty="0">
+                <a:effectLst/>
+                <a:latin typeface="Times New Roman" panose="02020603050405020304" pitchFamily="18" charset="0"/>
+                <a:ea typeface="Aptos" panose="020B0004020202020204" pitchFamily="34" charset="0"/>
+                <a:cs typeface="Times New Roman" panose="02020603050405020304" pitchFamily="18" charset="0"/>
+              </a:rPr>
+              <a:t>Shortcut</a:t>
+            </a:r>
+            <a:r>
+              <a:rPr lang="en-GB" sz="2800" b="1" kern="100" dirty="0">
+                <a:latin typeface="Times New Roman" panose="02020603050405020304" pitchFamily="18" charset="0"/>
+                <a:ea typeface="Aptos" panose="020B0004020202020204" pitchFamily="34" charset="0"/>
+                <a:cs typeface="Times New Roman" panose="02020603050405020304" pitchFamily="18" charset="0"/>
+              </a:rPr>
+              <a:t>s</a:t>
+            </a:r>
+            <a:endParaRPr lang="en-GB" sz="2800" b="1" kern="100" dirty="0">
+              <a:effectLst/>
+              <a:latin typeface="Times New Roman" panose="02020603050405020304" pitchFamily="18" charset="0"/>
+              <a:ea typeface="Aptos" panose="020B0004020202020204" pitchFamily="34" charset="0"/>
+              <a:cs typeface="Times New Roman" panose="02020603050405020304" pitchFamily="18" charset="0"/>
+            </a:endParaRPr>
+          </a:p>
+        </p:txBody>
+      </p:sp>
+      <p:sp>
+        <p:nvSpPr>
+          <p:cNvPr id="21" name="TextBox 20">
+            <a:extLst>
+              <a:ext uri="{FF2B5EF4-FFF2-40B4-BE49-F238E27FC236}">
+                <a16:creationId xmlns:a16="http://schemas.microsoft.com/office/drawing/2014/main" id="{E1CF1381-FF75-8797-CAEE-A782704D159D}"/>
+              </a:ext>
+            </a:extLst>
+          </p:cNvPr>
+          <p:cNvSpPr txBox="1"/>
+          <p:nvPr/>
+        </p:nvSpPr>
+        <p:spPr>
+          <a:xfrm>
+            <a:off x="433285" y="2049517"/>
+            <a:ext cx="3261100" cy="1146211"/>
+          </a:xfrm>
+          <a:prstGeom prst="rect">
+            <a:avLst/>
+          </a:prstGeom>
+          <a:noFill/>
+        </p:spPr>
+        <p:txBody>
+          <a:bodyPr wrap="square">
+            <a:spAutoFit/>
+          </a:bodyPr>
+          <a:lstStyle/>
+          <a:p>
+            <a:pPr>
+              <a:lnSpc>
+                <a:spcPct val="115000"/>
+              </a:lnSpc>
+              <a:spcAft>
+                <a:spcPts val="800"/>
+              </a:spcAft>
+            </a:pPr>
+            <a:r>
+              <a:rPr lang="en-GB" sz="2800" b="1" kern="100" dirty="0">
+                <a:latin typeface="Times New Roman" panose="02020603050405020304" pitchFamily="18" charset="0"/>
+                <a:ea typeface="Aptos" panose="020B0004020202020204" pitchFamily="34" charset="0"/>
+                <a:cs typeface="Times New Roman" panose="02020603050405020304" pitchFamily="18" charset="0"/>
+              </a:rPr>
+              <a:t>1. run: ctrl + shift</a:t>
+            </a:r>
+          </a:p>
+          <a:p>
+            <a:pPr>
+              <a:lnSpc>
+                <a:spcPct val="115000"/>
+              </a:lnSpc>
+              <a:spcAft>
+                <a:spcPts val="800"/>
+              </a:spcAft>
+            </a:pPr>
+            <a:r>
+              <a:rPr lang="en-GB" sz="2800" b="1" kern="100" dirty="0">
+                <a:latin typeface="Times New Roman" panose="02020603050405020304" pitchFamily="18" charset="0"/>
+                <a:ea typeface="Aptos" panose="020B0004020202020204" pitchFamily="34" charset="0"/>
+                <a:cs typeface="Times New Roman" panose="02020603050405020304" pitchFamily="18" charset="0"/>
+              </a:rPr>
+              <a:t>2. &lt;- : alt + -</a:t>
+            </a:r>
+          </a:p>
+        </p:txBody>
+      </p:sp>
+      <p:sp>
+        <p:nvSpPr>
+          <p:cNvPr id="22" name="TextBox 21">
+            <a:extLst>
+              <a:ext uri="{FF2B5EF4-FFF2-40B4-BE49-F238E27FC236}">
+                <a16:creationId xmlns:a16="http://schemas.microsoft.com/office/drawing/2014/main" id="{DAE05228-6D23-19B8-BD0D-9F9B8825C0A1}"/>
+              </a:ext>
+            </a:extLst>
+          </p:cNvPr>
+          <p:cNvSpPr txBox="1"/>
+          <p:nvPr/>
+        </p:nvSpPr>
+        <p:spPr>
+          <a:xfrm>
+            <a:off x="123231" y="3491541"/>
+            <a:ext cx="3261100" cy="548099"/>
+          </a:xfrm>
+          <a:prstGeom prst="rect">
+            <a:avLst/>
+          </a:prstGeom>
+          <a:noFill/>
+        </p:spPr>
+        <p:txBody>
+          <a:bodyPr wrap="square">
+            <a:spAutoFit/>
+          </a:bodyPr>
+          <a:lstStyle/>
+          <a:p>
+            <a:pPr algn="ctr">
+              <a:lnSpc>
+                <a:spcPct val="115000"/>
+              </a:lnSpc>
+              <a:spcAft>
+                <a:spcPts val="800"/>
+              </a:spcAft>
+            </a:pPr>
+            <a:r>
+              <a:rPr lang="en-GB" sz="2800" b="1" kern="100" dirty="0">
+                <a:latin typeface="Times New Roman" panose="02020603050405020304" pitchFamily="18" charset="0"/>
+                <a:ea typeface="Aptos" panose="020B0004020202020204" pitchFamily="34" charset="0"/>
+                <a:cs typeface="Times New Roman" panose="02020603050405020304" pitchFamily="18" charset="0"/>
+              </a:rPr>
+              <a:t>Notice</a:t>
+            </a:r>
+            <a:endParaRPr lang="en-GB" sz="2800" b="1" kern="100" dirty="0">
+              <a:effectLst/>
+              <a:latin typeface="Times New Roman" panose="02020603050405020304" pitchFamily="18" charset="0"/>
+              <a:ea typeface="Aptos" panose="020B0004020202020204" pitchFamily="34" charset="0"/>
+              <a:cs typeface="Times New Roman" panose="02020603050405020304" pitchFamily="18" charset="0"/>
+            </a:endParaRPr>
+          </a:p>
+        </p:txBody>
+      </p:sp>
+      <p:sp>
+        <p:nvSpPr>
+          <p:cNvPr id="23" name="TextBox 22">
+            <a:extLst>
+              <a:ext uri="{FF2B5EF4-FFF2-40B4-BE49-F238E27FC236}">
+                <a16:creationId xmlns:a16="http://schemas.microsoft.com/office/drawing/2014/main" id="{997CFBBC-CDB5-927E-CFA4-9E531A1BBDBD}"/>
+              </a:ext>
+            </a:extLst>
+          </p:cNvPr>
+          <p:cNvSpPr txBox="1"/>
+          <p:nvPr/>
+        </p:nvSpPr>
+        <p:spPr>
+          <a:xfrm>
+            <a:off x="300726" y="4206244"/>
+            <a:ext cx="3261100" cy="1744324"/>
+          </a:xfrm>
+          <a:prstGeom prst="rect">
+            <a:avLst/>
+          </a:prstGeom>
+          <a:noFill/>
+        </p:spPr>
+        <p:txBody>
+          <a:bodyPr wrap="square">
+            <a:spAutoFit/>
+          </a:bodyPr>
+          <a:lstStyle/>
+          <a:p>
+            <a:pPr marL="514350" indent="-514350">
+              <a:lnSpc>
+                <a:spcPct val="115000"/>
+              </a:lnSpc>
+              <a:spcAft>
+                <a:spcPts val="800"/>
+              </a:spcAft>
+              <a:buAutoNum type="arabicPeriod"/>
+            </a:pPr>
+            <a:r>
+              <a:rPr lang="en-GB" sz="2800" b="1" kern="100" dirty="0">
+                <a:latin typeface="Times New Roman" panose="02020603050405020304" pitchFamily="18" charset="0"/>
+                <a:ea typeface="Aptos" panose="020B0004020202020204" pitchFamily="34" charset="0"/>
+                <a:cs typeface="Times New Roman" panose="02020603050405020304" pitchFamily="18" charset="0"/>
+              </a:rPr>
+              <a:t>c( )</a:t>
+            </a:r>
+          </a:p>
+          <a:p>
+            <a:pPr marL="514350" indent="-514350">
+              <a:lnSpc>
+                <a:spcPct val="115000"/>
+              </a:lnSpc>
+              <a:spcAft>
+                <a:spcPts val="800"/>
+              </a:spcAft>
+              <a:buFontTx/>
+              <a:buAutoNum type="arabicPeriod"/>
+            </a:pPr>
+            <a:r>
+              <a:rPr lang="en-GB" sz="2800" b="1" kern="100" dirty="0">
+                <a:latin typeface="Times New Roman" panose="02020603050405020304" pitchFamily="18" charset="0"/>
+                <a:ea typeface="Aptos" panose="020B0004020202020204" pitchFamily="34" charset="0"/>
+                <a:cs typeface="Times New Roman" panose="02020603050405020304" pitchFamily="18" charset="0"/>
+              </a:rPr>
+              <a:t>is.na()</a:t>
+            </a:r>
+          </a:p>
+          <a:p>
+            <a:pPr marL="514350" indent="-514350">
+              <a:lnSpc>
+                <a:spcPct val="115000"/>
+              </a:lnSpc>
+              <a:spcAft>
+                <a:spcPts val="800"/>
+              </a:spcAft>
+              <a:buFontTx/>
+              <a:buAutoNum type="arabicPeriod"/>
+            </a:pPr>
+            <a:r>
+              <a:rPr lang="en-GB" sz="2800" b="1" kern="100" dirty="0">
+                <a:latin typeface="Times New Roman" panose="02020603050405020304" pitchFamily="18" charset="0"/>
+                <a:ea typeface="Aptos" panose="020B0004020202020204" pitchFamily="34" charset="0"/>
+                <a:cs typeface="Times New Roman" panose="02020603050405020304" pitchFamily="18" charset="0"/>
+              </a:rPr>
+              <a:t>==</a:t>
+            </a:r>
+          </a:p>
+        </p:txBody>
+      </p:sp>
+      <p:pic>
+        <p:nvPicPr>
+          <p:cNvPr id="10" name="Picture 9">
+            <a:extLst>
+              <a:ext uri="{FF2B5EF4-FFF2-40B4-BE49-F238E27FC236}">
+                <a16:creationId xmlns:a16="http://schemas.microsoft.com/office/drawing/2014/main" id="{220370E4-0821-D490-8FAE-9176289569DC}"/>
+              </a:ext>
+            </a:extLst>
+          </p:cNvPr>
+          <p:cNvPicPr>
+            <a:picLocks noChangeAspect="1"/>
+          </p:cNvPicPr>
+          <p:nvPr/>
+        </p:nvPicPr>
+        <p:blipFill>
+          <a:blip r:embed="rId3"/>
+          <a:stretch>
+            <a:fillRect/>
+          </a:stretch>
+        </p:blipFill>
+        <p:spPr>
+          <a:xfrm>
+            <a:off x="4040154" y="1920308"/>
+            <a:ext cx="7514656" cy="3901051"/>
+          </a:xfrm>
+          <a:prstGeom prst="rect">
+            <a:avLst/>
+          </a:prstGeom>
+        </p:spPr>
+      </p:pic>
+      <p:sp>
+        <p:nvSpPr>
+          <p:cNvPr id="2" name="TextBox 1">
+            <a:extLst>
+              <a:ext uri="{FF2B5EF4-FFF2-40B4-BE49-F238E27FC236}">
+                <a16:creationId xmlns:a16="http://schemas.microsoft.com/office/drawing/2014/main" id="{7B226C50-0B3C-C7D8-4898-510AE24EB129}"/>
+              </a:ext>
+            </a:extLst>
+          </p:cNvPr>
+          <p:cNvSpPr txBox="1"/>
+          <p:nvPr/>
+        </p:nvSpPr>
+        <p:spPr>
+          <a:xfrm>
+            <a:off x="3963990" y="1273977"/>
+            <a:ext cx="2813591" cy="646331"/>
+          </a:xfrm>
+          <a:prstGeom prst="rect">
+            <a:avLst/>
+          </a:prstGeom>
+          <a:noFill/>
+        </p:spPr>
+        <p:txBody>
+          <a:bodyPr wrap="none" rtlCol="0">
+            <a:spAutoFit/>
+          </a:bodyPr>
+          <a:lstStyle/>
+          <a:p>
+            <a:r>
+              <a:rPr lang="en-GB" sz="3600" b="1" dirty="0">
+                <a:latin typeface="Times New Roman" panose="02020603050405020304" pitchFamily="18" charset="0"/>
+                <a:cs typeface="Times New Roman" panose="02020603050405020304" pitchFamily="18" charset="0"/>
+              </a:rPr>
+              <a:t>Long Format</a:t>
+            </a:r>
+          </a:p>
+        </p:txBody>
+      </p:sp>
+      <p:sp>
+        <p:nvSpPr>
+          <p:cNvPr id="6" name="Rectangle 5">
+            <a:extLst>
+              <a:ext uri="{FF2B5EF4-FFF2-40B4-BE49-F238E27FC236}">
+                <a16:creationId xmlns:a16="http://schemas.microsoft.com/office/drawing/2014/main" id="{93F51E43-A415-98C8-B791-435D5E51DA5B}"/>
+              </a:ext>
+            </a:extLst>
+          </p:cNvPr>
+          <p:cNvSpPr/>
+          <p:nvPr/>
+        </p:nvSpPr>
+        <p:spPr>
+          <a:xfrm>
+            <a:off x="3995192" y="2509799"/>
+            <a:ext cx="7559618" cy="548711"/>
+          </a:xfrm>
+          <a:prstGeom prst="rect">
+            <a:avLst/>
+          </a:prstGeom>
+          <a:noFill/>
+          <a:ln>
+            <a:solidFill>
+              <a:srgbClr val="FF0000"/>
+            </a:solidFill>
+          </a:ln>
+        </p:spPr>
+        <p:style>
+          <a:lnRef idx="2">
+            <a:schemeClr val="accent1">
+              <a:shade val="15000"/>
+            </a:schemeClr>
+          </a:lnRef>
+          <a:fillRef idx="1">
+            <a:schemeClr val="accent1"/>
+          </a:fillRef>
+          <a:effectRef idx="0">
+            <a:schemeClr val="accent1"/>
+          </a:effectRef>
+          <a:fontRef idx="minor">
+            <a:schemeClr val="lt1"/>
+          </a:fontRef>
+        </p:style>
+        <p:txBody>
+          <a:bodyPr rtlCol="0" anchor="ctr"/>
+          <a:lstStyle/>
+          <a:p>
+            <a:pPr algn="ctr"/>
+            <a:endParaRPr lang="en-GB"/>
+          </a:p>
+        </p:txBody>
+      </p:sp>
+      <p:sp>
+        <p:nvSpPr>
+          <p:cNvPr id="7" name="Rectangle 6">
+            <a:extLst>
+              <a:ext uri="{FF2B5EF4-FFF2-40B4-BE49-F238E27FC236}">
+                <a16:creationId xmlns:a16="http://schemas.microsoft.com/office/drawing/2014/main" id="{E5A16FB6-6EF9-6BB0-15F7-10A416E3533E}"/>
+              </a:ext>
+            </a:extLst>
+          </p:cNvPr>
+          <p:cNvSpPr/>
+          <p:nvPr/>
+        </p:nvSpPr>
+        <p:spPr>
+          <a:xfrm>
+            <a:off x="4040154" y="4165579"/>
+            <a:ext cx="7559618" cy="548711"/>
+          </a:xfrm>
+          <a:prstGeom prst="rect">
+            <a:avLst/>
+          </a:prstGeom>
+          <a:noFill/>
+          <a:ln>
+            <a:solidFill>
+              <a:srgbClr val="FF0000"/>
+            </a:solidFill>
+          </a:ln>
+        </p:spPr>
+        <p:style>
+          <a:lnRef idx="2">
+            <a:schemeClr val="accent1">
+              <a:shade val="15000"/>
+            </a:schemeClr>
+          </a:lnRef>
+          <a:fillRef idx="1">
+            <a:schemeClr val="accent1"/>
+          </a:fillRef>
+          <a:effectRef idx="0">
+            <a:schemeClr val="accent1"/>
+          </a:effectRef>
+          <a:fontRef idx="minor">
+            <a:schemeClr val="lt1"/>
+          </a:fontRef>
+        </p:style>
+        <p:txBody>
+          <a:bodyPr rtlCol="0" anchor="ctr"/>
+          <a:lstStyle/>
+          <a:p>
+            <a:pPr algn="ctr"/>
+            <a:endParaRPr lang="en-GB"/>
+          </a:p>
+        </p:txBody>
+      </p:sp>
+    </p:spTree>
+    <p:extLst>
+      <p:ext uri="{BB962C8B-B14F-4D97-AF65-F5344CB8AC3E}">
+        <p14:creationId xmlns:p14="http://schemas.microsoft.com/office/powerpoint/2010/main" val="2075197998"/>
       </p:ext>
     </p:extLst>
   </p:cSld>
